--- a/Review3.pptx
+++ b/Review3.pptx
@@ -5,7 +5,7 @@
     <p:sldMasterId id="2147483765" r:id="rId1"/>
   </p:sldMasterIdLst>
   <p:notesMasterIdLst>
-    <p:notesMasterId r:id="rId22"/>
+    <p:notesMasterId r:id="rId19"/>
   </p:notesMasterIdLst>
   <p:sldIdLst>
     <p:sldId id="257" r:id="rId2"/>
@@ -14,20 +14,17 @@
     <p:sldId id="313" r:id="rId5"/>
     <p:sldId id="314" r:id="rId6"/>
     <p:sldId id="306" r:id="rId7"/>
-    <p:sldId id="307" r:id="rId8"/>
-    <p:sldId id="308" r:id="rId9"/>
-    <p:sldId id="309" r:id="rId10"/>
-    <p:sldId id="310" r:id="rId11"/>
-    <p:sldId id="311" r:id="rId12"/>
-    <p:sldId id="312" r:id="rId13"/>
-    <p:sldId id="317" r:id="rId14"/>
-    <p:sldId id="318" r:id="rId15"/>
-    <p:sldId id="319" r:id="rId16"/>
-    <p:sldId id="320" r:id="rId17"/>
-    <p:sldId id="321" r:id="rId18"/>
-    <p:sldId id="322" r:id="rId19"/>
-    <p:sldId id="323" r:id="rId20"/>
-    <p:sldId id="295" r:id="rId21"/>
+    <p:sldId id="310" r:id="rId8"/>
+    <p:sldId id="311" r:id="rId9"/>
+    <p:sldId id="312" r:id="rId10"/>
+    <p:sldId id="317" r:id="rId11"/>
+    <p:sldId id="318" r:id="rId12"/>
+    <p:sldId id="319" r:id="rId13"/>
+    <p:sldId id="320" r:id="rId14"/>
+    <p:sldId id="321" r:id="rId15"/>
+    <p:sldId id="322" r:id="rId16"/>
+    <p:sldId id="323" r:id="rId17"/>
+    <p:sldId id="295" r:id="rId18"/>
   </p:sldIdLst>
   <p:sldSz cx="9144000" cy="6858000" type="screen4x3"/>
   <p:notesSz cx="6858000" cy="9144000"/>
@@ -284,7 +281,7 @@
               <a:pPr>
                 <a:defRPr/>
               </a:pPr>
-              <a:t>17-Mar-20</a:t>
+              <a:t>3/18/2020</a:t>
             </a:fld>
             <a:endParaRPr lang="en-IN" dirty="0"/>
           </a:p>
@@ -482,7 +479,7 @@
     </p:spTree>
     <p:extLst>
       <p:ext uri="{BB962C8B-B14F-4D97-AF65-F5344CB8AC3E}">
-        <p14:creationId xmlns:p14="http://schemas.microsoft.com/office/powerpoint/2010/main" val="372170879"/>
+        <p14:creationId xmlns="" xmlns:p14="http://schemas.microsoft.com/office/powerpoint/2010/main" val="372170879"/>
       </p:ext>
     </p:extLst>
   </p:cSld>
@@ -735,7 +732,7 @@
     </p:spTree>
     <p:extLst>
       <p:ext uri="{BB962C8B-B14F-4D97-AF65-F5344CB8AC3E}">
-        <p14:creationId xmlns:p14="http://schemas.microsoft.com/office/powerpoint/2010/main" val="2349966719"/>
+        <p14:creationId xmlns="" xmlns:p14="http://schemas.microsoft.com/office/powerpoint/2010/main" val="2349966719"/>
       </p:ext>
     </p:extLst>
   </p:cSld>
@@ -827,7 +824,7 @@
     </p:spTree>
     <p:extLst>
       <p:ext uri="{BB962C8B-B14F-4D97-AF65-F5344CB8AC3E}">
-        <p14:creationId xmlns:p14="http://schemas.microsoft.com/office/powerpoint/2010/main" val="687182216"/>
+        <p14:creationId xmlns="" xmlns:p14="http://schemas.microsoft.com/office/powerpoint/2010/main" val="687182216"/>
       </p:ext>
     </p:extLst>
   </p:cSld>
@@ -919,7 +916,7 @@
     </p:spTree>
     <p:extLst>
       <p:ext uri="{BB962C8B-B14F-4D97-AF65-F5344CB8AC3E}">
-        <p14:creationId xmlns:p14="http://schemas.microsoft.com/office/powerpoint/2010/main" val="1377405638"/>
+        <p14:creationId xmlns="" xmlns:p14="http://schemas.microsoft.com/office/powerpoint/2010/main" val="1377405638"/>
       </p:ext>
     </p:extLst>
   </p:cSld>
@@ -1160,7 +1157,7 @@
               <a:pPr>
                 <a:defRPr/>
               </a:pPr>
-              <a:t>17-Mar-20</a:t>
+              <a:t>3/18/2020</a:t>
             </a:fld>
             <a:endParaRPr lang="en-US" dirty="0"/>
           </a:p>
@@ -1235,13 +1232,13 @@
   <p:clrMapOvr>
     <a:masterClrMapping/>
   </p:clrMapOvr>
-  <mc:AlternateContent xmlns:mc="http://schemas.openxmlformats.org/markup-compatibility/2006" xmlns:p14="http://schemas.microsoft.com/office/powerpoint/2010/main">
-    <mc:Choice Requires="p14">
+  <mc:AlternateContent xmlns:mc="http://schemas.openxmlformats.org/markup-compatibility/2006">
+    <mc:Choice xmlns="" xmlns:p14="http://schemas.microsoft.com/office/powerpoint/2010/main" Requires="p14">
       <p:transition spd="slow" p14:dur="1600">
         <p14:gallery dir="l"/>
       </p:transition>
     </mc:Choice>
-    <mc:Fallback xmlns="">
+    <mc:Fallback>
       <p:transition spd="slow">
         <p:fade/>
       </p:transition>
@@ -1378,7 +1375,7 @@
               <a:pPr>
                 <a:defRPr/>
               </a:pPr>
-              <a:t>17-Mar-20</a:t>
+              <a:t>3/18/2020</a:t>
             </a:fld>
             <a:endParaRPr lang="en-US" dirty="0"/>
           </a:p>
@@ -1452,13 +1449,13 @@
   <p:clrMapOvr>
     <a:masterClrMapping/>
   </p:clrMapOvr>
-  <mc:AlternateContent xmlns:mc="http://schemas.openxmlformats.org/markup-compatibility/2006" xmlns:p14="http://schemas.microsoft.com/office/powerpoint/2010/main">
-    <mc:Choice Requires="p14">
+  <mc:AlternateContent xmlns:mc="http://schemas.openxmlformats.org/markup-compatibility/2006">
+    <mc:Choice xmlns="" xmlns:p14="http://schemas.microsoft.com/office/powerpoint/2010/main" Requires="p14">
       <p:transition spd="slow" p14:dur="1600">
         <p14:gallery dir="l"/>
       </p:transition>
     </mc:Choice>
-    <mc:Fallback xmlns="">
+    <mc:Fallback>
       <p:transition spd="slow">
         <p:fade/>
       </p:transition>
@@ -1598,7 +1595,7 @@
               <a:pPr>
                 <a:defRPr/>
               </a:pPr>
-              <a:t>17-Mar-20</a:t>
+              <a:t>3/18/2020</a:t>
             </a:fld>
             <a:endParaRPr lang="en-US" dirty="0"/>
           </a:p>
@@ -1672,13 +1669,13 @@
   <p:clrMapOvr>
     <a:masterClrMapping/>
   </p:clrMapOvr>
-  <mc:AlternateContent xmlns:mc="http://schemas.openxmlformats.org/markup-compatibility/2006" xmlns:p14="http://schemas.microsoft.com/office/powerpoint/2010/main">
-    <mc:Choice Requires="p14">
+  <mc:AlternateContent xmlns:mc="http://schemas.openxmlformats.org/markup-compatibility/2006">
+    <mc:Choice xmlns="" xmlns:p14="http://schemas.microsoft.com/office/powerpoint/2010/main" Requires="p14">
       <p:transition spd="slow" p14:dur="1600">
         <p14:gallery dir="l"/>
       </p:transition>
     </mc:Choice>
-    <mc:Fallback xmlns="">
+    <mc:Fallback>
       <p:transition spd="slow">
         <p:fade/>
       </p:transition>
@@ -1797,7 +1794,7 @@
               <a:pPr>
                 <a:defRPr/>
               </a:pPr>
-              <a:t>17-Mar-20</a:t>
+              <a:t>3/18/2020</a:t>
             </a:fld>
             <a:endParaRPr lang="en-US" dirty="0"/>
           </a:p>
@@ -1871,13 +1868,13 @@
   <p:clrMapOvr>
     <a:masterClrMapping/>
   </p:clrMapOvr>
-  <mc:AlternateContent xmlns:mc="http://schemas.openxmlformats.org/markup-compatibility/2006" xmlns:p14="http://schemas.microsoft.com/office/powerpoint/2010/main">
-    <mc:Choice Requires="p14">
+  <mc:AlternateContent xmlns:mc="http://schemas.openxmlformats.org/markup-compatibility/2006">
+    <mc:Choice xmlns="" xmlns:p14="http://schemas.microsoft.com/office/powerpoint/2010/main" Requires="p14">
       <p:transition spd="slow" p14:dur="1600">
         <p14:gallery dir="l"/>
       </p:transition>
     </mc:Choice>
-    <mc:Fallback xmlns="">
+    <mc:Fallback>
       <p:transition spd="slow">
         <p:fade/>
       </p:transition>
@@ -2131,7 +2128,7 @@
               <a:pPr>
                 <a:defRPr/>
               </a:pPr>
-              <a:t>17-Mar-20</a:t>
+              <a:t>3/18/2020</a:t>
             </a:fld>
             <a:endParaRPr lang="en-US" dirty="0"/>
           </a:p>
@@ -2205,13 +2202,13 @@
   <p:clrMapOvr>
     <a:masterClrMapping/>
   </p:clrMapOvr>
-  <mc:AlternateContent xmlns:mc="http://schemas.openxmlformats.org/markup-compatibility/2006" xmlns:p14="http://schemas.microsoft.com/office/powerpoint/2010/main">
-    <mc:Choice Requires="p14">
+  <mc:AlternateContent xmlns:mc="http://schemas.openxmlformats.org/markup-compatibility/2006">
+    <mc:Choice xmlns="" xmlns:p14="http://schemas.microsoft.com/office/powerpoint/2010/main" Requires="p14">
       <p:transition spd="slow" p14:dur="1600">
         <p14:gallery dir="l"/>
       </p:transition>
     </mc:Choice>
-    <mc:Fallback xmlns="">
+    <mc:Fallback>
       <p:transition spd="slow">
         <p:fade/>
       </p:transition>
@@ -2380,7 +2377,7 @@
               <a:pPr>
                 <a:defRPr/>
               </a:pPr>
-              <a:t>17-Mar-20</a:t>
+              <a:t>3/18/2020</a:t>
             </a:fld>
             <a:endParaRPr lang="en-US" dirty="0"/>
           </a:p>
@@ -2454,13 +2451,13 @@
   <p:clrMapOvr>
     <a:masterClrMapping/>
   </p:clrMapOvr>
-  <mc:AlternateContent xmlns:mc="http://schemas.openxmlformats.org/markup-compatibility/2006" xmlns:p14="http://schemas.microsoft.com/office/powerpoint/2010/main">
-    <mc:Choice Requires="p14">
+  <mc:AlternateContent xmlns:mc="http://schemas.openxmlformats.org/markup-compatibility/2006">
+    <mc:Choice xmlns="" xmlns:p14="http://schemas.microsoft.com/office/powerpoint/2010/main" Requires="p14">
       <p:transition spd="slow" p14:dur="1600">
         <p14:gallery dir="l"/>
       </p:transition>
     </mc:Choice>
-    <mc:Fallback xmlns="">
+    <mc:Fallback>
       <p:transition spd="slow">
         <p:fade/>
       </p:transition>
@@ -2620,7 +2617,7 @@
               <a:pPr>
                 <a:defRPr/>
               </a:pPr>
-              <a:t>17-Mar-20</a:t>
+              <a:t>3/18/2020</a:t>
             </a:fld>
             <a:endParaRPr lang="en-US" dirty="0"/>
           </a:p>
@@ -2690,13 +2687,13 @@
   <p:clrMapOvr>
     <a:masterClrMapping/>
   </p:clrMapOvr>
-  <mc:AlternateContent xmlns:mc="http://schemas.openxmlformats.org/markup-compatibility/2006" xmlns:p14="http://schemas.microsoft.com/office/powerpoint/2010/main">
-    <mc:Choice Requires="p14">
+  <mc:AlternateContent xmlns:mc="http://schemas.openxmlformats.org/markup-compatibility/2006">
+    <mc:Choice xmlns="" xmlns:p14="http://schemas.microsoft.com/office/powerpoint/2010/main" Requires="p14">
       <p:transition spd="slow" p14:dur="1600">
         <p14:gallery dir="l"/>
       </p:transition>
     </mc:Choice>
-    <mc:Fallback xmlns="">
+    <mc:Fallback>
       <p:transition spd="slow">
         <p:fade/>
       </p:transition>
@@ -2855,7 +2852,7 @@
               <a:pPr>
                 <a:defRPr/>
               </a:pPr>
-              <a:t>17-Mar-20</a:t>
+              <a:t>3/18/2020</a:t>
             </a:fld>
             <a:endParaRPr lang="en-US" dirty="0"/>
           </a:p>
@@ -2929,13 +2926,13 @@
   <p:clrMapOvr>
     <a:masterClrMapping/>
   </p:clrMapOvr>
-  <mc:AlternateContent xmlns:mc="http://schemas.openxmlformats.org/markup-compatibility/2006" xmlns:p14="http://schemas.microsoft.com/office/powerpoint/2010/main">
-    <mc:Choice Requires="p14">
+  <mc:AlternateContent xmlns:mc="http://schemas.openxmlformats.org/markup-compatibility/2006">
+    <mc:Choice xmlns="" xmlns:p14="http://schemas.microsoft.com/office/powerpoint/2010/main" Requires="p14">
       <p:transition spd="slow" p14:dur="1600">
         <p14:gallery dir="l"/>
       </p:transition>
     </mc:Choice>
-    <mc:Fallback xmlns="">
+    <mc:Fallback>
       <p:transition spd="slow">
         <p:fade/>
       </p:transition>
@@ -3190,7 +3187,7 @@
               <a:pPr>
                 <a:defRPr/>
               </a:pPr>
-              <a:t>17-Mar-20</a:t>
+              <a:t>3/18/2020</a:t>
             </a:fld>
             <a:endParaRPr lang="en-US" dirty="0"/>
           </a:p>
@@ -3264,13 +3261,13 @@
   <p:clrMapOvr>
     <a:masterClrMapping/>
   </p:clrMapOvr>
-  <mc:AlternateContent xmlns:mc="http://schemas.openxmlformats.org/markup-compatibility/2006" xmlns:p14="http://schemas.microsoft.com/office/powerpoint/2010/main">
-    <mc:Choice Requires="p14">
+  <mc:AlternateContent xmlns:mc="http://schemas.openxmlformats.org/markup-compatibility/2006">
+    <mc:Choice xmlns="" xmlns:p14="http://schemas.microsoft.com/office/powerpoint/2010/main" Requires="p14">
       <p:transition spd="slow" p14:dur="1600">
         <p14:gallery dir="l"/>
       </p:transition>
     </mc:Choice>
-    <mc:Fallback xmlns="">
+    <mc:Fallback>
       <p:transition spd="slow">
         <p:fade/>
       </p:transition>
@@ -3664,7 +3661,7 @@
               <a:pPr>
                 <a:defRPr/>
               </a:pPr>
-              <a:t>17-Mar-20</a:t>
+              <a:t>3/18/2020</a:t>
             </a:fld>
             <a:endParaRPr lang="en-US" dirty="0"/>
           </a:p>
@@ -3738,13 +3735,13 @@
   <p:clrMapOvr>
     <a:masterClrMapping/>
   </p:clrMapOvr>
-  <mc:AlternateContent xmlns:mc="http://schemas.openxmlformats.org/markup-compatibility/2006" xmlns:p14="http://schemas.microsoft.com/office/powerpoint/2010/main">
-    <mc:Choice Requires="p14">
+  <mc:AlternateContent xmlns:mc="http://schemas.openxmlformats.org/markup-compatibility/2006">
+    <mc:Choice xmlns="" xmlns:p14="http://schemas.microsoft.com/office/powerpoint/2010/main" Requires="p14">
       <p:transition spd="slow" p14:dur="1600">
         <p14:gallery dir="l"/>
       </p:transition>
     </mc:Choice>
-    <mc:Fallback xmlns="">
+    <mc:Fallback>
       <p:transition spd="slow">
         <p:fade/>
       </p:transition>
@@ -3827,7 +3824,7 @@
               <a:pPr>
                 <a:defRPr/>
               </a:pPr>
-              <a:t>17-Mar-20</a:t>
+              <a:t>3/18/2020</a:t>
             </a:fld>
             <a:endParaRPr lang="en-US" dirty="0"/>
           </a:p>
@@ -3897,13 +3894,13 @@
   <p:clrMapOvr>
     <a:masterClrMapping/>
   </p:clrMapOvr>
-  <mc:AlternateContent xmlns:mc="http://schemas.openxmlformats.org/markup-compatibility/2006" xmlns:p14="http://schemas.microsoft.com/office/powerpoint/2010/main">
-    <mc:Choice Requires="p14">
+  <mc:AlternateContent xmlns:mc="http://schemas.openxmlformats.org/markup-compatibility/2006">
+    <mc:Choice xmlns="" xmlns:p14="http://schemas.microsoft.com/office/powerpoint/2010/main" Requires="p14">
       <p:transition spd="slow" p14:dur="1600">
         <p14:gallery dir="l"/>
       </p:transition>
     </mc:Choice>
-    <mc:Fallback xmlns="">
+    <mc:Fallback>
       <p:transition spd="slow">
         <p:fade/>
       </p:transition>
@@ -3988,7 +3985,7 @@
               <a:pPr>
                 <a:defRPr/>
               </a:pPr>
-              <a:t>17-Mar-20</a:t>
+              <a:t>3/18/2020</a:t>
             </a:fld>
             <a:endParaRPr lang="en-US" dirty="0"/>
           </a:p>
@@ -4058,13 +4055,13 @@
   <p:clrMapOvr>
     <a:masterClrMapping/>
   </p:clrMapOvr>
-  <mc:AlternateContent xmlns:mc="http://schemas.openxmlformats.org/markup-compatibility/2006" xmlns:p14="http://schemas.microsoft.com/office/powerpoint/2010/main">
-    <mc:Choice Requires="p14">
+  <mc:AlternateContent xmlns:mc="http://schemas.openxmlformats.org/markup-compatibility/2006">
+    <mc:Choice xmlns="" xmlns:p14="http://schemas.microsoft.com/office/powerpoint/2010/main" Requires="p14">
       <p:transition spd="slow" p14:dur="1600">
         <p14:gallery dir="l"/>
       </p:transition>
     </mc:Choice>
-    <mc:Fallback xmlns="">
+    <mc:Fallback>
       <p:transition spd="slow">
         <p:fade/>
       </p:transition>
@@ -4301,7 +4298,7 @@
               <a:pPr>
                 <a:defRPr/>
               </a:pPr>
-              <a:t>17-Mar-20</a:t>
+              <a:t>3/18/2020</a:t>
             </a:fld>
             <a:endParaRPr lang="en-US" dirty="0"/>
           </a:p>
@@ -4375,13 +4372,13 @@
   <p:clrMapOvr>
     <a:masterClrMapping/>
   </p:clrMapOvr>
-  <mc:AlternateContent xmlns:mc="http://schemas.openxmlformats.org/markup-compatibility/2006" xmlns:p14="http://schemas.microsoft.com/office/powerpoint/2010/main">
-    <mc:Choice Requires="p14">
+  <mc:AlternateContent xmlns:mc="http://schemas.openxmlformats.org/markup-compatibility/2006">
+    <mc:Choice xmlns="" xmlns:p14="http://schemas.microsoft.com/office/powerpoint/2010/main" Requires="p14">
       <p:transition spd="slow" p14:dur="1600">
         <p14:gallery dir="l"/>
       </p:transition>
     </mc:Choice>
-    <mc:Fallback xmlns="">
+    <mc:Fallback>
       <p:transition spd="slow">
         <p:fade/>
       </p:transition>
@@ -4599,7 +4596,7 @@
               <a:pPr>
                 <a:defRPr/>
               </a:pPr>
-              <a:t>17-Mar-20</a:t>
+              <a:t>3/18/2020</a:t>
             </a:fld>
             <a:endParaRPr lang="en-US" dirty="0"/>
           </a:p>
@@ -4673,13 +4670,13 @@
   <p:clrMapOvr>
     <a:masterClrMapping/>
   </p:clrMapOvr>
-  <mc:AlternateContent xmlns:mc="http://schemas.openxmlformats.org/markup-compatibility/2006" xmlns:p14="http://schemas.microsoft.com/office/powerpoint/2010/main">
-    <mc:Choice Requires="p14">
+  <mc:AlternateContent xmlns:mc="http://schemas.openxmlformats.org/markup-compatibility/2006">
+    <mc:Choice xmlns="" xmlns:p14="http://schemas.microsoft.com/office/powerpoint/2010/main" Requires="p14">
       <p:transition spd="slow" p14:dur="1600">
         <p14:gallery dir="l"/>
       </p:transition>
     </mc:Choice>
-    <mc:Fallback xmlns="">
+    <mc:Fallback>
       <p:transition spd="slow">
         <p:fade/>
       </p:transition>
@@ -4881,7 +4878,7 @@
               <a:pPr>
                 <a:defRPr/>
               </a:pPr>
-              <a:t>17-Mar-20</a:t>
+              <a:t>3/18/2020</a:t>
             </a:fld>
             <a:endParaRPr lang="en-US" dirty="0"/>
           </a:p>
@@ -5144,13 +5141,13 @@
     <p:sldLayoutId id="2147483778" r:id="rId13"/>
     <p:sldLayoutId id="2147483779" r:id="rId14"/>
   </p:sldLayoutIdLst>
-  <mc:AlternateContent xmlns:mc="http://schemas.openxmlformats.org/markup-compatibility/2006" xmlns:p14="http://schemas.microsoft.com/office/powerpoint/2010/main">
-    <mc:Choice Requires="p14">
+  <mc:AlternateContent xmlns:mc="http://schemas.openxmlformats.org/markup-compatibility/2006">
+    <mc:Choice xmlns="" xmlns:p14="http://schemas.microsoft.com/office/powerpoint/2010/main" Requires="p14">
       <p:transition spd="slow" p14:dur="1600">
         <p14:gallery dir="l"/>
       </p:transition>
     </mc:Choice>
-    <mc:Fallback xmlns="">
+    <mc:Fallback>
       <p:transition spd="slow">
         <p:fade/>
       </p:transition>
@@ -5825,13 +5822,13 @@
   <p:clrMapOvr>
     <a:masterClrMapping/>
   </p:clrMapOvr>
-  <mc:AlternateContent xmlns:mc="http://schemas.openxmlformats.org/markup-compatibility/2006" xmlns:p14="http://schemas.microsoft.com/office/powerpoint/2010/main">
-    <mc:Choice Requires="p14">
+  <mc:AlternateContent xmlns:mc="http://schemas.openxmlformats.org/markup-compatibility/2006">
+    <mc:Choice xmlns="" xmlns:p14="http://schemas.microsoft.com/office/powerpoint/2010/main" Requires="p14">
       <p:transition spd="slow" p14:dur="2000" advTm="4000">
         <p14:gallery dir="l"/>
       </p:transition>
     </mc:Choice>
-    <mc:Fallback xmlns="">
+    <mc:Fallback>
       <p:transition spd="slow" advTm="4000">
         <p:fade/>
       </p:transition>
@@ -5864,187 +5861,88 @@
           <a:chExt cx="0" cy="0"/>
         </a:xfrm>
       </p:grpSpPr>
-      <p:sp>
-        <p:nvSpPr>
-          <p:cNvPr id="2" name="Title 1"/>
-          <p:cNvSpPr>
-            <a:spLocks noGrp="1"/>
-          </p:cNvSpPr>
-          <p:nvPr>
-            <p:ph type="title"/>
-          </p:nvPr>
-        </p:nvSpPr>
-        <p:spPr/>
-        <p:txBody>
-          <a:bodyPr/>
+      <p:pic>
+        <p:nvPicPr>
+          <p:cNvPr id="4" name="Content Placeholder 3"/>
+          <p:cNvPicPr>
+            <a:picLocks noGrp="1" noChangeAspect="1"/>
+          </p:cNvPicPr>
+          <p:nvPr>
+            <p:ph idx="1"/>
+          </p:nvPr>
+        </p:nvPicPr>
+        <p:blipFill>
+          <a:blip r:embed="rId2">
+            <a:extLst>
+              <a:ext uri="{28A0092B-C50C-407E-A947-70E740481C1C}">
+                <a14:useLocalDpi xmlns="" xmlns:a14="http://schemas.microsoft.com/office/drawing/2010/main" val="0"/>
+              </a:ext>
+            </a:extLst>
+          </a:blip>
+          <a:stretch>
+            <a:fillRect/>
+          </a:stretch>
+        </p:blipFill>
+        <p:spPr>
+          <a:xfrm>
+            <a:off x="0" y="1142984"/>
+            <a:ext cx="9144001" cy="5857892"/>
+          </a:xfrm>
+        </p:spPr>
+      </p:pic>
+      <p:sp>
+        <p:nvSpPr>
+          <p:cNvPr id="3" name="TextBox 2"/>
+          <p:cNvSpPr txBox="1"/>
+          <p:nvPr/>
+        </p:nvSpPr>
+        <p:spPr>
+          <a:xfrm>
+            <a:off x="714348" y="357166"/>
+            <a:ext cx="3643338" cy="707886"/>
+          </a:xfrm>
+          <a:prstGeom prst="rect">
+            <a:avLst/>
+          </a:prstGeom>
+          <a:noFill/>
+        </p:spPr>
+        <p:txBody>
+          <a:bodyPr wrap="square" rtlCol="0">
+            <a:spAutoFit/>
+          </a:bodyPr>
           <a:lstStyle/>
           <a:p>
             <a:r>
-              <a:rPr lang="en-GB" sz="2800" dirty="0" smtClean="0">
-                <a:solidFill>
-                  <a:schemeClr val="tx1">
-                    <a:lumMod val="95000"/>
-                    <a:lumOff val="5000"/>
-                  </a:schemeClr>
-                </a:solidFill>
-                <a:latin typeface="Algerian" pitchFamily="82" charset="0"/>
-              </a:rPr>
-              <a:t>IMPLEMENTATION</a:t>
-            </a:r>
-            <a:endParaRPr lang="en-GB" sz="2800" dirty="0">
-              <a:solidFill>
-                <a:schemeClr val="tx1">
-                  <a:lumMod val="95000"/>
-                  <a:lumOff val="5000"/>
-                </a:schemeClr>
-              </a:solidFill>
-              <a:latin typeface="Algerian" pitchFamily="82" charset="0"/>
-            </a:endParaRPr>
-          </a:p>
-        </p:txBody>
-      </p:sp>
-      <p:sp>
-        <p:nvSpPr>
-          <p:cNvPr id="3" name="Content Placeholder 2"/>
-          <p:cNvSpPr>
-            <a:spLocks noGrp="1"/>
-          </p:cNvSpPr>
-          <p:nvPr>
-            <p:ph idx="1"/>
-          </p:nvPr>
-        </p:nvSpPr>
-        <p:spPr>
-          <a:xfrm>
-            <a:off x="571472" y="1714488"/>
-            <a:ext cx="8115328" cy="4416437"/>
-          </a:xfrm>
-        </p:spPr>
-        <p:txBody>
-          <a:bodyPr/>
-          <a:lstStyle/>
-          <a:p>
-            <a:pPr algn="just">
-              <a:lnSpc>
-                <a:spcPct val="150000"/>
-              </a:lnSpc>
-              <a:spcAft>
-                <a:spcPts val="1000"/>
-              </a:spcAft>
-              <a:buNone/>
-              <a:tabLst>
-                <a:tab pos="3677920" algn="l"/>
-              </a:tabLst>
-            </a:pPr>
-            <a:r>
-              <a:rPr lang="en-US" sz="2400" b="1" dirty="0" smtClean="0">
-                <a:solidFill>
-                  <a:schemeClr val="tx1">
-                    <a:lumMod val="95000"/>
-                    <a:lumOff val="5000"/>
-                  </a:schemeClr>
-                </a:solidFill>
+              <a:rPr lang="en-GB" sz="4000" b="1" dirty="0" smtClean="0">
                 <a:latin typeface="Times New Roman" pitchFamily="18" charset="0"/>
-                <a:ea typeface="Times New Roman"/>
                 <a:cs typeface="Times New Roman" pitchFamily="18" charset="0"/>
               </a:rPr>
-              <a:t>	Modules :-</a:t>
-            </a:r>
-            <a:endParaRPr lang="en-GB" sz="2400" dirty="0" smtClean="0">
-              <a:solidFill>
-                <a:schemeClr val="tx1">
-                  <a:lumMod val="95000"/>
-                  <a:lumOff val="5000"/>
-                </a:schemeClr>
-              </a:solidFill>
+              <a:t>Screenshots</a:t>
+            </a:r>
+            <a:endParaRPr lang="en-GB" sz="4000" b="1" dirty="0">
               <a:latin typeface="Times New Roman" pitchFamily="18" charset="0"/>
-              <a:ea typeface="Times New Roman"/>
               <a:cs typeface="Times New Roman" pitchFamily="18" charset="0"/>
             </a:endParaRPr>
           </a:p>
-          <a:p>
-            <a:pPr marL="514350" indent="-514350" algn="just">
-              <a:lnSpc>
-                <a:spcPct val="150000"/>
-              </a:lnSpc>
-              <a:spcAft>
-                <a:spcPts val="1000"/>
-              </a:spcAft>
-              <a:buClr>
-                <a:schemeClr val="tx1">
-                  <a:lumMod val="95000"/>
-                  <a:lumOff val="5000"/>
-                </a:schemeClr>
-              </a:buClr>
-              <a:buFont typeface="Wingdings" pitchFamily="2" charset="2"/>
-              <a:buChar char="Ø"/>
-              <a:tabLst>
-                <a:tab pos="3677920" algn="l"/>
-              </a:tabLst>
-            </a:pPr>
-            <a:r>
-              <a:rPr lang="en-US" sz="2800" dirty="0" smtClean="0">
-                <a:solidFill>
-                  <a:schemeClr val="tx1">
-                    <a:lumMod val="95000"/>
-                    <a:lumOff val="5000"/>
-                  </a:schemeClr>
-                </a:solidFill>
-                <a:latin typeface="Times New Roman" pitchFamily="18" charset="0"/>
-                <a:ea typeface="Times New Roman"/>
-                <a:cs typeface="Times New Roman" pitchFamily="18" charset="0"/>
-              </a:rPr>
-              <a:t>Cleaning Data</a:t>
-            </a:r>
-          </a:p>
-          <a:p>
-            <a:pPr marL="514350" indent="-514350" algn="just">
-              <a:lnSpc>
-                <a:spcPct val="150000"/>
-              </a:lnSpc>
-              <a:spcAft>
-                <a:spcPts val="1000"/>
-              </a:spcAft>
-              <a:buClr>
-                <a:schemeClr val="tx1">
-                  <a:lumMod val="95000"/>
-                  <a:lumOff val="5000"/>
-                </a:schemeClr>
-              </a:buClr>
-              <a:buFont typeface="Wingdings" pitchFamily="2" charset="2"/>
-              <a:buChar char="Ø"/>
-              <a:tabLst>
-                <a:tab pos="3677920" algn="l"/>
-              </a:tabLst>
-            </a:pPr>
-            <a:r>
-              <a:rPr lang="en-US" sz="2800" dirty="0" smtClean="0">
-                <a:solidFill>
-                  <a:schemeClr val="tx1">
-                    <a:lumMod val="95000"/>
-                    <a:lumOff val="5000"/>
-                  </a:schemeClr>
-                </a:solidFill>
-                <a:latin typeface="Times New Roman" pitchFamily="18" charset="0"/>
-                <a:ea typeface="Times New Roman"/>
-                <a:cs typeface="Times New Roman" pitchFamily="18" charset="0"/>
-              </a:rPr>
-              <a:t>Detecting Outliers</a:t>
-            </a:r>
-          </a:p>
         </p:txBody>
       </p:sp>
     </p:spTree>
+    <p:extLst>
+      <p:ext uri="{BB962C8B-B14F-4D97-AF65-F5344CB8AC3E}">
+        <p14:creationId xmlns="" xmlns:p14="http://schemas.microsoft.com/office/powerpoint/2010/main" val="2039904727"/>
+      </p:ext>
+    </p:extLst>
   </p:cSld>
   <p:clrMapOvr>
     <a:masterClrMapping/>
   </p:clrMapOvr>
-  <mc:AlternateContent xmlns:mc="http://schemas.openxmlformats.org/markup-compatibility/2006" xmlns:p14="http://schemas.microsoft.com/office/powerpoint/2010/main">
-    <mc:Choice Requires="p14">
+  <mc:AlternateContent xmlns:mc="http://schemas.openxmlformats.org/markup-compatibility/2006">
+    <mc:Choice xmlns="" xmlns:p14="http://schemas.microsoft.com/office/powerpoint/2010/main" Requires="p14">
       <p:transition spd="slow" p14:dur="1600">
         <p14:gallery dir="l"/>
       </p:transition>
     </mc:Choice>
-    <mc:Fallback xmlns="">
+    <mc:Fallback>
       <p:transition spd="slow">
         <p:fade/>
       </p:transition>
@@ -6070,214 +5968,52 @@
           <a:chExt cx="0" cy="0"/>
         </a:xfrm>
       </p:grpSpPr>
-      <p:sp>
-        <p:nvSpPr>
-          <p:cNvPr id="2" name="Title 1"/>
-          <p:cNvSpPr>
-            <a:spLocks noGrp="1"/>
-          </p:cNvSpPr>
-          <p:nvPr>
-            <p:ph type="title"/>
-          </p:nvPr>
-        </p:nvSpPr>
+      <p:pic>
+        <p:nvPicPr>
+          <p:cNvPr id="4" name="Content Placeholder 3"/>
+          <p:cNvPicPr>
+            <a:picLocks noGrp="1" noChangeAspect="1"/>
+          </p:cNvPicPr>
+          <p:nvPr>
+            <p:ph idx="1"/>
+          </p:nvPr>
+        </p:nvPicPr>
+        <p:blipFill>
+          <a:blip r:embed="rId2">
+            <a:extLst>
+              <a:ext uri="{28A0092B-C50C-407E-A947-70E740481C1C}">
+                <a14:useLocalDpi xmlns="" xmlns:a14="http://schemas.microsoft.com/office/drawing/2010/main" val="0"/>
+              </a:ext>
+            </a:extLst>
+          </a:blip>
+          <a:stretch>
+            <a:fillRect/>
+          </a:stretch>
+        </p:blipFill>
         <p:spPr>
           <a:xfrm>
-            <a:off x="642910" y="428604"/>
-            <a:ext cx="8229600" cy="1139825"/>
-          </a:xfrm>
-        </p:spPr>
-        <p:txBody>
-          <a:bodyPr/>
-          <a:lstStyle/>
-          <a:p>
-            <a:r>
-              <a:rPr lang="en-GB" sz="3200" dirty="0" smtClean="0">
-                <a:solidFill>
-                  <a:schemeClr val="tx1">
-                    <a:lumMod val="95000"/>
-                    <a:lumOff val="5000"/>
-                  </a:schemeClr>
-                </a:solidFill>
-                <a:latin typeface="Times New Roman" pitchFamily="18" charset="0"/>
-                <a:cs typeface="Times New Roman" pitchFamily="18" charset="0"/>
-              </a:rPr>
-              <a:t>Module-1 (Cleaning Data) </a:t>
-            </a:r>
-            <a:endParaRPr lang="en-GB" sz="3200" dirty="0">
-              <a:solidFill>
-                <a:schemeClr val="tx1">
-                  <a:lumMod val="95000"/>
-                  <a:lumOff val="5000"/>
-                </a:schemeClr>
-              </a:solidFill>
-              <a:latin typeface="Times New Roman" pitchFamily="18" charset="0"/>
-              <a:cs typeface="Times New Roman" pitchFamily="18" charset="0"/>
-            </a:endParaRPr>
-          </a:p>
-        </p:txBody>
-      </p:sp>
-      <p:sp>
-        <p:nvSpPr>
-          <p:cNvPr id="3" name="Content Placeholder 2"/>
-          <p:cNvSpPr>
-            <a:spLocks noGrp="1"/>
-          </p:cNvSpPr>
-          <p:nvPr>
-            <p:ph idx="1"/>
-          </p:nvPr>
-        </p:nvSpPr>
-        <p:spPr>
-          <a:xfrm>
-            <a:off x="428596" y="1071546"/>
-            <a:ext cx="8229600" cy="5072098"/>
-          </a:xfrm>
-        </p:spPr>
-        <p:txBody>
-          <a:bodyPr/>
-          <a:lstStyle/>
-          <a:p>
-            <a:pPr algn="just">
-              <a:lnSpc>
-                <a:spcPct val="150000"/>
-              </a:lnSpc>
-              <a:buClr>
-                <a:schemeClr val="tx1"/>
-              </a:buClr>
-              <a:buSzPct val="70000"/>
-              <a:buNone/>
-            </a:pPr>
-            <a:endParaRPr lang="en-GB" sz="2000" dirty="0" smtClean="0">
-              <a:latin typeface="Times New Roman" pitchFamily="18" charset="0"/>
-              <a:cs typeface="Times New Roman" pitchFamily="18" charset="0"/>
-            </a:endParaRPr>
-          </a:p>
-          <a:p>
-            <a:pPr algn="just">
-              <a:lnSpc>
-                <a:spcPct val="150000"/>
-              </a:lnSpc>
-              <a:buClr>
-                <a:schemeClr val="tx1"/>
-              </a:buClr>
-              <a:buSzPct val="70000"/>
-              <a:buFont typeface="Wingdings" pitchFamily="2" charset="2"/>
-              <a:buChar char="Ø"/>
-            </a:pPr>
-            <a:r>
-              <a:rPr lang="en-US" sz="2000" dirty="0" smtClean="0">
-                <a:latin typeface="Times New Roman" pitchFamily="18" charset="0"/>
-                <a:cs typeface="Times New Roman" pitchFamily="18" charset="0"/>
-              </a:rPr>
-              <a:t>A</a:t>
-            </a:r>
-            <a:r>
-              <a:rPr lang="en-US" sz="2000" b="1" dirty="0" smtClean="0">
-                <a:latin typeface="Times New Roman" pitchFamily="18" charset="0"/>
-                <a:cs typeface="Times New Roman" pitchFamily="18" charset="0"/>
-              </a:rPr>
-              <a:t> </a:t>
-            </a:r>
-            <a:r>
-              <a:rPr lang="en-CA" sz="2000" dirty="0" smtClean="0">
-                <a:latin typeface="Times New Roman" pitchFamily="18" charset="0"/>
-                <a:cs typeface="Times New Roman" pitchFamily="18" charset="0"/>
-              </a:rPr>
-              <a:t>set of data instances in the original </a:t>
-            </a:r>
-            <a:r>
-              <a:rPr lang="en-CA" sz="2000" b="1" dirty="0" smtClean="0">
-                <a:latin typeface="Times New Roman" pitchFamily="18" charset="0"/>
-                <a:cs typeface="Times New Roman" pitchFamily="18" charset="0"/>
-              </a:rPr>
-              <a:t>data set is taken as input</a:t>
-            </a:r>
-            <a:r>
-              <a:rPr lang="en-CA" sz="2000" dirty="0" smtClean="0">
-                <a:latin typeface="Times New Roman" pitchFamily="18" charset="0"/>
-                <a:cs typeface="Times New Roman" pitchFamily="18" charset="0"/>
-              </a:rPr>
-              <a:t>. This data may be contaminated by noise or incorrect data  . </a:t>
-            </a:r>
-          </a:p>
-          <a:p>
-            <a:pPr algn="just">
-              <a:lnSpc>
-                <a:spcPct val="150000"/>
-              </a:lnSpc>
-              <a:buClr>
-                <a:schemeClr val="tx1"/>
-              </a:buClr>
-              <a:buSzPct val="70000"/>
-              <a:buFont typeface="Wingdings" pitchFamily="2" charset="2"/>
-              <a:buChar char="Ø"/>
-            </a:pPr>
-            <a:r>
-              <a:rPr lang="en-CA" sz="2000" dirty="0" smtClean="0">
-                <a:latin typeface="Times New Roman" pitchFamily="18" charset="0"/>
-                <a:cs typeface="Times New Roman" pitchFamily="18" charset="0"/>
-              </a:rPr>
-              <a:t>So the cleaning is done using Over-Sampling Principal Component Analysis (osPCA) method.</a:t>
-            </a:r>
-          </a:p>
-          <a:p>
-            <a:pPr algn="just">
-              <a:lnSpc>
-                <a:spcPct val="150000"/>
-              </a:lnSpc>
-              <a:buClr>
-                <a:schemeClr val="tx1"/>
-              </a:buClr>
-              <a:buSzPct val="70000"/>
-              <a:buFont typeface="Wingdings" pitchFamily="2" charset="2"/>
-              <a:buChar char="Ø"/>
-            </a:pPr>
-            <a:r>
-              <a:rPr lang="en-CA" sz="2000" dirty="0" smtClean="0">
-                <a:latin typeface="Times New Roman" pitchFamily="18" charset="0"/>
-                <a:cs typeface="Times New Roman" pitchFamily="18" charset="0"/>
-              </a:rPr>
-              <a:t>And then the score of outlierness is calculated and the </a:t>
-            </a:r>
-            <a:r>
-              <a:rPr lang="en-CA" sz="2000" b="1" dirty="0" smtClean="0">
-                <a:latin typeface="Times New Roman" pitchFamily="18" charset="0"/>
-                <a:cs typeface="Times New Roman" pitchFamily="18" charset="0"/>
-              </a:rPr>
-              <a:t>smallest </a:t>
-            </a:r>
-            <a:r>
-              <a:rPr lang="en-CA" sz="2000" b="1" baseline="-25000" dirty="0" smtClean="0">
-                <a:latin typeface="Times New Roman" pitchFamily="18" charset="0"/>
-                <a:cs typeface="Times New Roman" pitchFamily="18" charset="0"/>
-              </a:rPr>
-              <a:t> </a:t>
-            </a:r>
-            <a:r>
-              <a:rPr lang="en-CA" sz="2000" b="1" dirty="0" smtClean="0">
-                <a:latin typeface="Times New Roman" pitchFamily="18" charset="0"/>
-                <a:cs typeface="Times New Roman" pitchFamily="18" charset="0"/>
-              </a:rPr>
-              <a:t>value is taken as the threshold value. </a:t>
-            </a:r>
-            <a:endParaRPr lang="en-GB" sz="2000" b="1" dirty="0" smtClean="0">
-              <a:latin typeface="Times New Roman" pitchFamily="18" charset="0"/>
-              <a:cs typeface="Times New Roman" pitchFamily="18" charset="0"/>
-            </a:endParaRPr>
-          </a:p>
-        </p:txBody>
-      </p:sp>
+            <a:off x="0" y="0"/>
+            <a:ext cx="9144000" cy="6858000"/>
+          </a:xfrm>
+        </p:spPr>
+      </p:pic>
     </p:spTree>
+    <p:extLst>
+      <p:ext uri="{BB962C8B-B14F-4D97-AF65-F5344CB8AC3E}">
+        <p14:creationId xmlns="" xmlns:p14="http://schemas.microsoft.com/office/powerpoint/2010/main" val="3721184579"/>
+      </p:ext>
+    </p:extLst>
   </p:cSld>
   <p:clrMapOvr>
     <a:masterClrMapping/>
   </p:clrMapOvr>
-  <mc:AlternateContent xmlns:mc="http://schemas.openxmlformats.org/markup-compatibility/2006" xmlns:p14="http://schemas.microsoft.com/office/powerpoint/2010/main">
-    <mc:Choice Requires="p14">
+  <mc:AlternateContent xmlns:mc="http://schemas.openxmlformats.org/markup-compatibility/2006">
+    <mc:Choice xmlns="" xmlns:p14="http://schemas.microsoft.com/office/powerpoint/2010/main" Requires="p14">
       <p:transition spd="slow" p14:dur="1600">
         <p14:gallery dir="l"/>
       </p:transition>
     </mc:Choice>
-    <mc:Fallback xmlns="">
+    <mc:Fallback>
       <p:transition spd="slow">
         <p:fade/>
       </p:transition>
@@ -6303,206 +6039,52 @@
           <a:chExt cx="0" cy="0"/>
         </a:xfrm>
       </p:grpSpPr>
-      <p:sp>
-        <p:nvSpPr>
-          <p:cNvPr id="2" name="Title 1"/>
-          <p:cNvSpPr>
-            <a:spLocks noGrp="1"/>
-          </p:cNvSpPr>
-          <p:nvPr>
-            <p:ph type="title"/>
-          </p:nvPr>
-        </p:nvSpPr>
-        <p:spPr/>
-        <p:txBody>
-          <a:bodyPr/>
-          <a:lstStyle/>
-          <a:p>
-            <a:r>
-              <a:rPr lang="en-GB" sz="3200" dirty="0" smtClean="0">
-                <a:solidFill>
-                  <a:schemeClr val="tx1">
-                    <a:lumMod val="95000"/>
-                    <a:lumOff val="5000"/>
-                  </a:schemeClr>
-                </a:solidFill>
-                <a:latin typeface="Times New Roman" pitchFamily="18" charset="0"/>
-                <a:cs typeface="Times New Roman" pitchFamily="18" charset="0"/>
-              </a:rPr>
-              <a:t>Module-2 (Detecting Outlier)</a:t>
-            </a:r>
-            <a:endParaRPr lang="en-GB" sz="3200" dirty="0">
-              <a:solidFill>
-                <a:schemeClr val="tx1">
-                  <a:lumMod val="95000"/>
-                  <a:lumOff val="5000"/>
-                </a:schemeClr>
-              </a:solidFill>
-              <a:latin typeface="Times New Roman" pitchFamily="18" charset="0"/>
-              <a:cs typeface="Times New Roman" pitchFamily="18" charset="0"/>
-            </a:endParaRPr>
-          </a:p>
-        </p:txBody>
-      </p:sp>
-      <p:sp>
-        <p:nvSpPr>
-          <p:cNvPr id="3" name="Content Placeholder 2"/>
-          <p:cNvSpPr>
-            <a:spLocks noGrp="1"/>
-          </p:cNvSpPr>
+      <p:pic>
+        <p:nvPicPr>
+          <p:cNvPr id="4" name="Content Placeholder 3"/>
+          <p:cNvPicPr>
+            <a:picLocks noGrp="1" noChangeAspect="1"/>
+          </p:cNvPicPr>
           <p:nvPr>
             <p:ph idx="1"/>
           </p:nvPr>
-        </p:nvSpPr>
+        </p:nvPicPr>
+        <p:blipFill>
+          <a:blip r:embed="rId2">
+            <a:extLst>
+              <a:ext uri="{28A0092B-C50C-407E-A947-70E740481C1C}">
+                <a14:useLocalDpi xmlns="" xmlns:a14="http://schemas.microsoft.com/office/drawing/2010/main" val="0"/>
+              </a:ext>
+            </a:extLst>
+          </a:blip>
+          <a:stretch>
+            <a:fillRect/>
+          </a:stretch>
+        </p:blipFill>
         <p:spPr>
           <a:xfrm>
-            <a:off x="357158" y="1214422"/>
-            <a:ext cx="8229600" cy="4530725"/>
-          </a:xfrm>
-        </p:spPr>
-        <p:txBody>
-          <a:bodyPr/>
-          <a:lstStyle/>
-          <a:p>
-            <a:pPr algn="just">
-              <a:lnSpc>
-                <a:spcPct val="150000"/>
-              </a:lnSpc>
-              <a:spcAft>
-                <a:spcPts val="1000"/>
-              </a:spcAft>
-              <a:buClrTx/>
-              <a:buFont typeface="Wingdings" pitchFamily="2" charset="2"/>
-              <a:buChar char="Ø"/>
-            </a:pPr>
-            <a:r>
-              <a:rPr lang="en-CA" sz="2000" dirty="0" smtClean="0">
-                <a:latin typeface="Times New Roman" pitchFamily="18" charset="0"/>
-                <a:ea typeface="Times New Roman"/>
-                <a:cs typeface="Times New Roman" pitchFamily="18" charset="0"/>
-              </a:rPr>
-              <a:t>In this module we detect the outlierness of the user input. </a:t>
-            </a:r>
-          </a:p>
-          <a:p>
-            <a:pPr algn="just">
-              <a:lnSpc>
-                <a:spcPct val="150000"/>
-              </a:lnSpc>
-              <a:spcAft>
-                <a:spcPts val="1000"/>
-              </a:spcAft>
-              <a:buClrTx/>
-              <a:buFont typeface="Wingdings" pitchFamily="2" charset="2"/>
-              <a:buChar char="Ø"/>
-            </a:pPr>
-            <a:r>
-              <a:rPr lang="en-CA" sz="2000" dirty="0" smtClean="0">
-                <a:latin typeface="Times New Roman" pitchFamily="18" charset="0"/>
-                <a:ea typeface="Times New Roman"/>
-                <a:cs typeface="Times New Roman" pitchFamily="18" charset="0"/>
-              </a:rPr>
-              <a:t>When the user gives the input to the system, the system </a:t>
-            </a:r>
-            <a:r>
-              <a:rPr lang="en-CA" sz="2000" b="1" dirty="0" smtClean="0">
-                <a:latin typeface="Times New Roman" pitchFamily="18" charset="0"/>
-                <a:ea typeface="Times New Roman"/>
-                <a:cs typeface="Times New Roman" pitchFamily="18" charset="0"/>
-              </a:rPr>
-              <a:t>calculate the score value for the new input. </a:t>
-            </a:r>
-          </a:p>
-          <a:p>
-            <a:pPr algn="just">
-              <a:lnSpc>
-                <a:spcPct val="150000"/>
-              </a:lnSpc>
-              <a:spcAft>
-                <a:spcPts val="1000"/>
-              </a:spcAft>
-              <a:buClrTx/>
-              <a:buFont typeface="Wingdings" pitchFamily="2" charset="2"/>
-              <a:buChar char="Ø"/>
-            </a:pPr>
-            <a:r>
-              <a:rPr lang="en-CA" sz="2000" dirty="0" smtClean="0">
-                <a:latin typeface="Times New Roman" pitchFamily="18" charset="0"/>
-                <a:ea typeface="Times New Roman"/>
-                <a:cs typeface="Times New Roman" pitchFamily="18" charset="0"/>
-              </a:rPr>
-              <a:t>The new score value is </a:t>
-            </a:r>
-            <a:r>
-              <a:rPr lang="en-CA" sz="2000" b="1" dirty="0" smtClean="0">
-                <a:latin typeface="Times New Roman" pitchFamily="18" charset="0"/>
-                <a:ea typeface="Times New Roman"/>
-                <a:cs typeface="Times New Roman" pitchFamily="18" charset="0"/>
-              </a:rPr>
-              <a:t>compared</a:t>
-            </a:r>
-            <a:r>
-              <a:rPr lang="en-CA" sz="2000" dirty="0" smtClean="0">
-                <a:latin typeface="Times New Roman" pitchFamily="18" charset="0"/>
-                <a:ea typeface="Times New Roman"/>
-                <a:cs typeface="Times New Roman" pitchFamily="18" charset="0"/>
-              </a:rPr>
-              <a:t> with the threshold value which is calculated in previous module.</a:t>
-            </a:r>
-          </a:p>
-          <a:p>
-            <a:pPr algn="just">
-              <a:lnSpc>
-                <a:spcPct val="150000"/>
-              </a:lnSpc>
-              <a:spcAft>
-                <a:spcPts val="1000"/>
-              </a:spcAft>
-              <a:buClrTx/>
-              <a:buFont typeface="Wingdings" pitchFamily="2" charset="2"/>
-              <a:buChar char="Ø"/>
-            </a:pPr>
-            <a:r>
-              <a:rPr lang="en-CA" sz="2000" dirty="0" smtClean="0">
-                <a:latin typeface="Times New Roman" pitchFamily="18" charset="0"/>
-                <a:ea typeface="Times New Roman"/>
-                <a:cs typeface="Times New Roman" pitchFamily="18" charset="0"/>
-              </a:rPr>
-              <a:t>If the score value of the new data instance is above the threshold value, then that input data is identified as an outlier. Otherwise it is considered as a normal data instance, and the PCA value of that particular data instance is updated accordingly.</a:t>
-            </a:r>
-            <a:endParaRPr lang="en-GB" sz="2000" dirty="0" smtClean="0">
-              <a:latin typeface="Times New Roman" pitchFamily="18" charset="0"/>
-              <a:ea typeface="Times New Roman"/>
-              <a:cs typeface="Times New Roman" pitchFamily="18" charset="0"/>
-            </a:endParaRPr>
-          </a:p>
-          <a:p>
-            <a:pPr>
-              <a:buClr>
-                <a:schemeClr val="tx1"/>
-              </a:buClr>
-              <a:buFont typeface="Wingdings" pitchFamily="2" charset="2"/>
-              <a:buChar char="Ø"/>
-            </a:pPr>
-            <a:endParaRPr lang="en-GB" sz="2000" dirty="0">
-              <a:latin typeface="Times New Roman" pitchFamily="18" charset="0"/>
-              <a:cs typeface="Times New Roman" pitchFamily="18" charset="0"/>
-            </a:endParaRPr>
-          </a:p>
-        </p:txBody>
-      </p:sp>
+            <a:off x="0" y="-24"/>
+            <a:ext cx="9144000" cy="6858000"/>
+          </a:xfrm>
+        </p:spPr>
+      </p:pic>
     </p:spTree>
+    <p:extLst>
+      <p:ext uri="{BB962C8B-B14F-4D97-AF65-F5344CB8AC3E}">
+        <p14:creationId xmlns="" xmlns:p14="http://schemas.microsoft.com/office/powerpoint/2010/main" val="2322978388"/>
+      </p:ext>
+    </p:extLst>
   </p:cSld>
   <p:clrMapOvr>
     <a:masterClrMapping/>
   </p:clrMapOvr>
-  <mc:AlternateContent xmlns:mc="http://schemas.openxmlformats.org/markup-compatibility/2006" xmlns:p14="http://schemas.microsoft.com/office/powerpoint/2010/main">
-    <mc:Choice Requires="p14">
+  <mc:AlternateContent xmlns:mc="http://schemas.openxmlformats.org/markup-compatibility/2006">
+    <mc:Choice xmlns="" xmlns:p14="http://schemas.microsoft.com/office/powerpoint/2010/main" Requires="p14">
       <p:transition spd="slow" p14:dur="1600">
         <p14:gallery dir="l"/>
       </p:transition>
     </mc:Choice>
-    <mc:Fallback xmlns="">
+    <mc:Fallback>
       <p:transition spd="slow">
         <p:fade/>
       </p:transition>
@@ -6542,7 +6124,7 @@
           <a:blip r:embed="rId2">
             <a:extLst>
               <a:ext uri="{28A0092B-C50C-407E-A947-70E740481C1C}">
-                <a14:useLocalDpi xmlns:a14="http://schemas.microsoft.com/office/drawing/2010/main" val="0"/>
+                <a14:useLocalDpi xmlns="" xmlns:a14="http://schemas.microsoft.com/office/drawing/2010/main" val="0"/>
               </a:ext>
             </a:extLst>
           </a:blip>
@@ -6552,28 +6134,28 @@
         </p:blipFill>
         <p:spPr>
           <a:xfrm>
-            <a:off x="539551" y="1052736"/>
-            <a:ext cx="7992889" cy="4699476"/>
+            <a:off x="0" y="0"/>
+            <a:ext cx="9144000" cy="6857999"/>
           </a:xfrm>
         </p:spPr>
       </p:pic>
     </p:spTree>
     <p:extLst>
       <p:ext uri="{BB962C8B-B14F-4D97-AF65-F5344CB8AC3E}">
-        <p14:creationId xmlns:p14="http://schemas.microsoft.com/office/powerpoint/2010/main" val="2039904727"/>
+        <p14:creationId xmlns="" xmlns:p14="http://schemas.microsoft.com/office/powerpoint/2010/main" val="1630691363"/>
       </p:ext>
     </p:extLst>
   </p:cSld>
   <p:clrMapOvr>
     <a:masterClrMapping/>
   </p:clrMapOvr>
-  <mc:AlternateContent xmlns:mc="http://schemas.openxmlformats.org/markup-compatibility/2006" xmlns:p14="http://schemas.microsoft.com/office/powerpoint/2010/main">
-    <mc:Choice Requires="p14">
+  <mc:AlternateContent xmlns:mc="http://schemas.openxmlformats.org/markup-compatibility/2006">
+    <mc:Choice xmlns="" xmlns:p14="http://schemas.microsoft.com/office/powerpoint/2010/main" Requires="p14">
       <p:transition spd="slow" p14:dur="1600">
         <p14:gallery dir="l"/>
       </p:transition>
     </mc:Choice>
-    <mc:Fallback xmlns="">
+    <mc:Fallback>
       <p:transition spd="slow">
         <p:fade/>
       </p:transition>
@@ -6613,7 +6195,7 @@
           <a:blip r:embed="rId2">
             <a:extLst>
               <a:ext uri="{28A0092B-C50C-407E-A947-70E740481C1C}">
-                <a14:useLocalDpi xmlns:a14="http://schemas.microsoft.com/office/drawing/2010/main" val="0"/>
+                <a14:useLocalDpi xmlns="" xmlns:a14="http://schemas.microsoft.com/office/drawing/2010/main" val="0"/>
               </a:ext>
             </a:extLst>
           </a:blip>
@@ -6623,28 +6205,28 @@
         </p:blipFill>
         <p:spPr>
           <a:xfrm>
-            <a:off x="620132" y="1600200"/>
-            <a:ext cx="7903736" cy="4530725"/>
+            <a:off x="0" y="0"/>
+            <a:ext cx="9144000" cy="6858000"/>
           </a:xfrm>
         </p:spPr>
       </p:pic>
     </p:spTree>
     <p:extLst>
       <p:ext uri="{BB962C8B-B14F-4D97-AF65-F5344CB8AC3E}">
-        <p14:creationId xmlns:p14="http://schemas.microsoft.com/office/powerpoint/2010/main" val="3721184579"/>
+        <p14:creationId xmlns="" xmlns:p14="http://schemas.microsoft.com/office/powerpoint/2010/main" val="4207054247"/>
       </p:ext>
     </p:extLst>
   </p:cSld>
   <p:clrMapOvr>
     <a:masterClrMapping/>
   </p:clrMapOvr>
-  <mc:AlternateContent xmlns:mc="http://schemas.openxmlformats.org/markup-compatibility/2006" xmlns:p14="http://schemas.microsoft.com/office/powerpoint/2010/main">
-    <mc:Choice Requires="p14">
+  <mc:AlternateContent xmlns:mc="http://schemas.openxmlformats.org/markup-compatibility/2006">
+    <mc:Choice xmlns="" xmlns:p14="http://schemas.microsoft.com/office/powerpoint/2010/main" Requires="p14">
       <p:transition spd="slow" p14:dur="1600">
         <p14:gallery dir="l"/>
       </p:transition>
     </mc:Choice>
-    <mc:Fallback xmlns="">
+    <mc:Fallback>
       <p:transition spd="slow">
         <p:fade/>
       </p:transition>
@@ -6684,7 +6266,7 @@
           <a:blip r:embed="rId2">
             <a:extLst>
               <a:ext uri="{28A0092B-C50C-407E-A947-70E740481C1C}">
-                <a14:useLocalDpi xmlns:a14="http://schemas.microsoft.com/office/drawing/2010/main" val="0"/>
+                <a14:useLocalDpi xmlns="" xmlns:a14="http://schemas.microsoft.com/office/drawing/2010/main" val="0"/>
               </a:ext>
             </a:extLst>
           </a:blip>
@@ -6694,28 +6276,28 @@
         </p:blipFill>
         <p:spPr>
           <a:xfrm>
-            <a:off x="457200" y="1880122"/>
-            <a:ext cx="8229600" cy="3970880"/>
+            <a:off x="0" y="0"/>
+            <a:ext cx="9144000" cy="6857999"/>
           </a:xfrm>
         </p:spPr>
       </p:pic>
     </p:spTree>
     <p:extLst>
       <p:ext uri="{BB962C8B-B14F-4D97-AF65-F5344CB8AC3E}">
-        <p14:creationId xmlns:p14="http://schemas.microsoft.com/office/powerpoint/2010/main" val="2322978388"/>
+        <p14:creationId xmlns="" xmlns:p14="http://schemas.microsoft.com/office/powerpoint/2010/main" val="3698807557"/>
       </p:ext>
     </p:extLst>
   </p:cSld>
   <p:clrMapOvr>
     <a:masterClrMapping/>
   </p:clrMapOvr>
-  <mc:AlternateContent xmlns:mc="http://schemas.openxmlformats.org/markup-compatibility/2006" xmlns:p14="http://schemas.microsoft.com/office/powerpoint/2010/main">
-    <mc:Choice Requires="p14">
+  <mc:AlternateContent xmlns:mc="http://schemas.openxmlformats.org/markup-compatibility/2006">
+    <mc:Choice xmlns="" xmlns:p14="http://schemas.microsoft.com/office/powerpoint/2010/main" Requires="p14">
       <p:transition spd="slow" p14:dur="1600">
         <p14:gallery dir="l"/>
       </p:transition>
     </mc:Choice>
-    <mc:Fallback xmlns="">
+    <mc:Fallback>
       <p:transition spd="slow">
         <p:fade/>
       </p:transition>
@@ -6741,219 +6323,6 @@
           <a:chExt cx="0" cy="0"/>
         </a:xfrm>
       </p:grpSpPr>
-      <p:pic>
-        <p:nvPicPr>
-          <p:cNvPr id="4" name="Content Placeholder 3"/>
-          <p:cNvPicPr>
-            <a:picLocks noGrp="1" noChangeAspect="1"/>
-          </p:cNvPicPr>
-          <p:nvPr>
-            <p:ph idx="1"/>
-          </p:nvPr>
-        </p:nvPicPr>
-        <p:blipFill>
-          <a:blip r:embed="rId2">
-            <a:extLst>
-              <a:ext uri="{28A0092B-C50C-407E-A947-70E740481C1C}">
-                <a14:useLocalDpi xmlns:a14="http://schemas.microsoft.com/office/drawing/2010/main" val="0"/>
-              </a:ext>
-            </a:extLst>
-          </a:blip>
-          <a:stretch>
-            <a:fillRect/>
-          </a:stretch>
-        </p:blipFill>
-        <p:spPr>
-          <a:xfrm>
-            <a:off x="457200" y="1622141"/>
-            <a:ext cx="8229600" cy="4486843"/>
-          </a:xfrm>
-        </p:spPr>
-      </p:pic>
-    </p:spTree>
-    <p:extLst>
-      <p:ext uri="{BB962C8B-B14F-4D97-AF65-F5344CB8AC3E}">
-        <p14:creationId xmlns:p14="http://schemas.microsoft.com/office/powerpoint/2010/main" val="1630691363"/>
-      </p:ext>
-    </p:extLst>
-  </p:cSld>
-  <p:clrMapOvr>
-    <a:masterClrMapping/>
-  </p:clrMapOvr>
-  <mc:AlternateContent xmlns:mc="http://schemas.openxmlformats.org/markup-compatibility/2006" xmlns:p14="http://schemas.microsoft.com/office/powerpoint/2010/main">
-    <mc:Choice Requires="p14">
-      <p:transition spd="slow" p14:dur="1600">
-        <p14:gallery dir="l"/>
-      </p:transition>
-    </mc:Choice>
-    <mc:Fallback xmlns="">
-      <p:transition spd="slow">
-        <p:fade/>
-      </p:transition>
-    </mc:Fallback>
-  </mc:AlternateContent>
-</p:sld>
-</file>
-
-<file path=ppt/slides/slide17.xml><?xml version="1.0" encoding="utf-8"?>
-<p:sld xmlns:a="http://schemas.openxmlformats.org/drawingml/2006/main" xmlns:r="http://schemas.openxmlformats.org/officeDocument/2006/relationships" xmlns:p="http://schemas.openxmlformats.org/presentationml/2006/main">
-  <p:cSld>
-    <p:spTree>
-      <p:nvGrpSpPr>
-        <p:cNvPr id="1" name=""/>
-        <p:cNvGrpSpPr/>
-        <p:nvPr/>
-      </p:nvGrpSpPr>
-      <p:grpSpPr>
-        <a:xfrm>
-          <a:off x="0" y="0"/>
-          <a:ext cx="0" cy="0"/>
-          <a:chOff x="0" y="0"/>
-          <a:chExt cx="0" cy="0"/>
-        </a:xfrm>
-      </p:grpSpPr>
-      <p:pic>
-        <p:nvPicPr>
-          <p:cNvPr id="4" name="Content Placeholder 3"/>
-          <p:cNvPicPr>
-            <a:picLocks noGrp="1" noChangeAspect="1"/>
-          </p:cNvPicPr>
-          <p:nvPr>
-            <p:ph idx="1"/>
-          </p:nvPr>
-        </p:nvPicPr>
-        <p:blipFill>
-          <a:blip r:embed="rId2">
-            <a:extLst>
-              <a:ext uri="{28A0092B-C50C-407E-A947-70E740481C1C}">
-                <a14:useLocalDpi xmlns:a14="http://schemas.microsoft.com/office/drawing/2010/main" val="0"/>
-              </a:ext>
-            </a:extLst>
-          </a:blip>
-          <a:stretch>
-            <a:fillRect/>
-          </a:stretch>
-        </p:blipFill>
-        <p:spPr>
-          <a:xfrm>
-            <a:off x="459956" y="1600200"/>
-            <a:ext cx="8224087" cy="4530725"/>
-          </a:xfrm>
-        </p:spPr>
-      </p:pic>
-    </p:spTree>
-    <p:extLst>
-      <p:ext uri="{BB962C8B-B14F-4D97-AF65-F5344CB8AC3E}">
-        <p14:creationId xmlns:p14="http://schemas.microsoft.com/office/powerpoint/2010/main" val="4207054247"/>
-      </p:ext>
-    </p:extLst>
-  </p:cSld>
-  <p:clrMapOvr>
-    <a:masterClrMapping/>
-  </p:clrMapOvr>
-  <mc:AlternateContent xmlns:mc="http://schemas.openxmlformats.org/markup-compatibility/2006" xmlns:p14="http://schemas.microsoft.com/office/powerpoint/2010/main">
-    <mc:Choice Requires="p14">
-      <p:transition spd="slow" p14:dur="1600">
-        <p14:gallery dir="l"/>
-      </p:transition>
-    </mc:Choice>
-    <mc:Fallback xmlns="">
-      <p:transition spd="slow">
-        <p:fade/>
-      </p:transition>
-    </mc:Fallback>
-  </mc:AlternateContent>
-</p:sld>
-</file>
-
-<file path=ppt/slides/slide18.xml><?xml version="1.0" encoding="utf-8"?>
-<p:sld xmlns:a="http://schemas.openxmlformats.org/drawingml/2006/main" xmlns:r="http://schemas.openxmlformats.org/officeDocument/2006/relationships" xmlns:p="http://schemas.openxmlformats.org/presentationml/2006/main">
-  <p:cSld>
-    <p:spTree>
-      <p:nvGrpSpPr>
-        <p:cNvPr id="1" name=""/>
-        <p:cNvGrpSpPr/>
-        <p:nvPr/>
-      </p:nvGrpSpPr>
-      <p:grpSpPr>
-        <a:xfrm>
-          <a:off x="0" y="0"/>
-          <a:ext cx="0" cy="0"/>
-          <a:chOff x="0" y="0"/>
-          <a:chExt cx="0" cy="0"/>
-        </a:xfrm>
-      </p:grpSpPr>
-      <p:pic>
-        <p:nvPicPr>
-          <p:cNvPr id="4" name="Content Placeholder 3"/>
-          <p:cNvPicPr>
-            <a:picLocks noGrp="1" noChangeAspect="1"/>
-          </p:cNvPicPr>
-          <p:nvPr>
-            <p:ph idx="1"/>
-          </p:nvPr>
-        </p:nvPicPr>
-        <p:blipFill>
-          <a:blip r:embed="rId2">
-            <a:extLst>
-              <a:ext uri="{28A0092B-C50C-407E-A947-70E740481C1C}">
-                <a14:useLocalDpi xmlns:a14="http://schemas.microsoft.com/office/drawing/2010/main" val="0"/>
-              </a:ext>
-            </a:extLst>
-          </a:blip>
-          <a:stretch>
-            <a:fillRect/>
-          </a:stretch>
-        </p:blipFill>
-        <p:spPr>
-          <a:xfrm>
-            <a:off x="457200" y="1622141"/>
-            <a:ext cx="8229600" cy="4486843"/>
-          </a:xfrm>
-        </p:spPr>
-      </p:pic>
-    </p:spTree>
-    <p:extLst>
-      <p:ext uri="{BB962C8B-B14F-4D97-AF65-F5344CB8AC3E}">
-        <p14:creationId xmlns:p14="http://schemas.microsoft.com/office/powerpoint/2010/main" val="3698807557"/>
-      </p:ext>
-    </p:extLst>
-  </p:cSld>
-  <p:clrMapOvr>
-    <a:masterClrMapping/>
-  </p:clrMapOvr>
-  <mc:AlternateContent xmlns:mc="http://schemas.openxmlformats.org/markup-compatibility/2006" xmlns:p14="http://schemas.microsoft.com/office/powerpoint/2010/main">
-    <mc:Choice Requires="p14">
-      <p:transition spd="slow" p14:dur="1600">
-        <p14:gallery dir="l"/>
-      </p:transition>
-    </mc:Choice>
-    <mc:Fallback xmlns="">
-      <p:transition spd="slow">
-        <p:fade/>
-      </p:transition>
-    </mc:Fallback>
-  </mc:AlternateContent>
-</p:sld>
-</file>
-
-<file path=ppt/slides/slide19.xml><?xml version="1.0" encoding="utf-8"?>
-<p:sld xmlns:a="http://schemas.openxmlformats.org/drawingml/2006/main" xmlns:r="http://schemas.openxmlformats.org/officeDocument/2006/relationships" xmlns:p="http://schemas.openxmlformats.org/presentationml/2006/main">
-  <p:cSld>
-    <p:spTree>
-      <p:nvGrpSpPr>
-        <p:cNvPr id="1" name=""/>
-        <p:cNvGrpSpPr/>
-        <p:nvPr/>
-      </p:nvGrpSpPr>
-      <p:grpSpPr>
-        <a:xfrm>
-          <a:off x="0" y="0"/>
-          <a:ext cx="0" cy="0"/>
-          <a:chOff x="0" y="0"/>
-          <a:chExt cx="0" cy="0"/>
-        </a:xfrm>
-      </p:grpSpPr>
       <p:sp>
         <p:nvSpPr>
           <p:cNvPr id="2" name="Title 1"/>
@@ -7031,14 +6400,7 @@
                 <a:latin typeface="Times New Roman" pitchFamily="18" charset="0"/>
                 <a:cs typeface="Times New Roman" pitchFamily="18" charset="0"/>
               </a:rPr>
-              <a:t>survey </a:t>
-            </a:r>
-            <a:r>
-              <a:rPr lang="en-GB" sz="2400" smtClean="0">
-                <a:latin typeface="Times New Roman" pitchFamily="18" charset="0"/>
-                <a:cs typeface="Times New Roman" pitchFamily="18" charset="0"/>
-              </a:rPr>
-              <a:t>paper.</a:t>
+              <a:t>survey paper.</a:t>
             </a:r>
             <a:endParaRPr lang="en-GB" sz="2400" dirty="0">
               <a:latin typeface="Times New Roman" pitchFamily="18" charset="0"/>
@@ -7052,13 +6414,13 @@
   <p:clrMapOvr>
     <a:masterClrMapping/>
   </p:clrMapOvr>
-  <mc:AlternateContent xmlns:mc="http://schemas.openxmlformats.org/markup-compatibility/2006" xmlns:p14="http://schemas.microsoft.com/office/powerpoint/2010/main">
-    <mc:Choice Requires="p14">
+  <mc:AlternateContent xmlns:mc="http://schemas.openxmlformats.org/markup-compatibility/2006">
+    <mc:Choice xmlns="" xmlns:p14="http://schemas.microsoft.com/office/powerpoint/2010/main" Requires="p14">
       <p:transition spd="slow" p14:dur="1600">
         <p14:gallery dir="l"/>
       </p:transition>
     </mc:Choice>
-    <mc:Fallback xmlns="">
+    <mc:Fallback>
       <p:transition spd="slow">
         <p:fade/>
       </p:transition>
@@ -7067,562 +6429,7 @@
 </p:sld>
 </file>
 
-<file path=ppt/slides/slide2.xml><?xml version="1.0" encoding="utf-8"?>
-<p:sld xmlns:a="http://schemas.openxmlformats.org/drawingml/2006/main" xmlns:r="http://schemas.openxmlformats.org/officeDocument/2006/relationships" xmlns:p="http://schemas.openxmlformats.org/presentationml/2006/main">
-  <p:cSld>
-    <p:spTree>
-      <p:nvGrpSpPr>
-        <p:cNvPr id="1" name=""/>
-        <p:cNvGrpSpPr/>
-        <p:nvPr/>
-      </p:nvGrpSpPr>
-      <p:grpSpPr>
-        <a:xfrm>
-          <a:off x="0" y="0"/>
-          <a:ext cx="0" cy="0"/>
-          <a:chOff x="0" y="0"/>
-          <a:chExt cx="0" cy="0"/>
-        </a:xfrm>
-      </p:grpSpPr>
-      <p:sp>
-        <p:nvSpPr>
-          <p:cNvPr id="2" name="Title 1"/>
-          <p:cNvSpPr>
-            <a:spLocks noGrp="1"/>
-          </p:cNvSpPr>
-          <p:nvPr>
-            <p:ph type="title"/>
-          </p:nvPr>
-        </p:nvSpPr>
-        <p:spPr>
-          <a:xfrm>
-            <a:off x="428596" y="357166"/>
-            <a:ext cx="2643206" cy="579419"/>
-          </a:xfrm>
-        </p:spPr>
-        <p:txBody>
-          <a:bodyPr/>
-          <a:lstStyle/>
-          <a:p>
-            <a:r>
-              <a:rPr lang="en-GB" sz="3200" dirty="0" smtClean="0">
-                <a:solidFill>
-                  <a:schemeClr val="tx1">
-                    <a:lumMod val="95000"/>
-                    <a:lumOff val="5000"/>
-                  </a:schemeClr>
-                </a:solidFill>
-                <a:latin typeface="Algerian" pitchFamily="82" charset="0"/>
-              </a:rPr>
-              <a:t>Flow chart</a:t>
-            </a:r>
-            <a:endParaRPr lang="en-GB" sz="3200" dirty="0">
-              <a:solidFill>
-                <a:schemeClr val="tx1">
-                  <a:lumMod val="95000"/>
-                  <a:lumOff val="5000"/>
-                </a:schemeClr>
-              </a:solidFill>
-              <a:latin typeface="Algerian" pitchFamily="82" charset="0"/>
-            </a:endParaRPr>
-          </a:p>
-        </p:txBody>
-      </p:sp>
-      <p:sp>
-        <p:nvSpPr>
-          <p:cNvPr id="11" name="Flowchart: Process 10"/>
-          <p:cNvSpPr/>
-          <p:nvPr/>
-        </p:nvSpPr>
-        <p:spPr>
-          <a:xfrm>
-            <a:off x="3286116" y="2571744"/>
-            <a:ext cx="1785950" cy="500066"/>
-          </a:xfrm>
-          <a:prstGeom prst="flowChartProcess">
-            <a:avLst/>
-          </a:prstGeom>
-          <a:solidFill>
-            <a:srgbClr val="002060"/>
-          </a:solidFill>
-        </p:spPr>
-        <p:style>
-          <a:lnRef idx="2">
-            <a:schemeClr val="accent1">
-              <a:shade val="50000"/>
-            </a:schemeClr>
-          </a:lnRef>
-          <a:fillRef idx="1">
-            <a:schemeClr val="accent1"/>
-          </a:fillRef>
-          <a:effectRef idx="0">
-            <a:schemeClr val="accent1"/>
-          </a:effectRef>
-          <a:fontRef idx="minor">
-            <a:schemeClr val="lt1"/>
-          </a:fontRef>
-        </p:style>
-        <p:txBody>
-          <a:bodyPr rtlCol="0" anchor="ctr"/>
-          <a:lstStyle/>
-          <a:p>
-            <a:pPr algn="ctr"/>
-            <a:r>
-              <a:rPr lang="en-GB" b="1" dirty="0" smtClean="0"/>
-              <a:t>CLEANING</a:t>
-            </a:r>
-            <a:endParaRPr lang="en-GB" b="1" dirty="0"/>
-          </a:p>
-        </p:txBody>
-      </p:sp>
-      <p:cxnSp>
-        <p:nvCxnSpPr>
-          <p:cNvPr id="19" name="Straight Arrow Connector 18"/>
-          <p:cNvCxnSpPr/>
-          <p:nvPr/>
-        </p:nvCxnSpPr>
-        <p:spPr>
-          <a:xfrm rot="5400000">
-            <a:off x="3965571" y="4321181"/>
-            <a:ext cx="500066" cy="1588"/>
-          </a:xfrm>
-          <a:prstGeom prst="straightConnector1">
-            <a:avLst/>
-          </a:prstGeom>
-          <a:ln w="25400">
-            <a:solidFill>
-              <a:schemeClr val="accent1">
-                <a:lumMod val="50000"/>
-              </a:schemeClr>
-            </a:solidFill>
-            <a:tailEnd type="arrow"/>
-          </a:ln>
-        </p:spPr>
-        <p:style>
-          <a:lnRef idx="1">
-            <a:schemeClr val="accent1"/>
-          </a:lnRef>
-          <a:fillRef idx="0">
-            <a:schemeClr val="accent1"/>
-          </a:fillRef>
-          <a:effectRef idx="0">
-            <a:schemeClr val="accent1"/>
-          </a:effectRef>
-          <a:fontRef idx="minor">
-            <a:schemeClr val="tx1"/>
-          </a:fontRef>
-        </p:style>
-      </p:cxnSp>
-      <p:cxnSp>
-        <p:nvCxnSpPr>
-          <p:cNvPr id="20" name="Straight Arrow Connector 19"/>
-          <p:cNvCxnSpPr/>
-          <p:nvPr/>
-        </p:nvCxnSpPr>
-        <p:spPr>
-          <a:xfrm rot="5400000">
-            <a:off x="3894133" y="2249479"/>
-            <a:ext cx="500066" cy="1588"/>
-          </a:xfrm>
-          <a:prstGeom prst="straightConnector1">
-            <a:avLst/>
-          </a:prstGeom>
-          <a:ln w="25400">
-            <a:solidFill>
-              <a:schemeClr val="accent1">
-                <a:lumMod val="50000"/>
-              </a:schemeClr>
-            </a:solidFill>
-            <a:tailEnd type="arrow"/>
-          </a:ln>
-        </p:spPr>
-        <p:style>
-          <a:lnRef idx="1">
-            <a:schemeClr val="accent1"/>
-          </a:lnRef>
-          <a:fillRef idx="0">
-            <a:schemeClr val="accent1"/>
-          </a:fillRef>
-          <a:effectRef idx="0">
-            <a:schemeClr val="accent1"/>
-          </a:effectRef>
-          <a:fontRef idx="minor">
-            <a:schemeClr val="tx1"/>
-          </a:fontRef>
-        </p:style>
-      </p:cxnSp>
-      <p:cxnSp>
-        <p:nvCxnSpPr>
-          <p:cNvPr id="21" name="Straight Arrow Connector 20"/>
-          <p:cNvCxnSpPr/>
-          <p:nvPr/>
-        </p:nvCxnSpPr>
-        <p:spPr>
-          <a:xfrm rot="5400000">
-            <a:off x="3963982" y="3392487"/>
-            <a:ext cx="500066" cy="1588"/>
-          </a:xfrm>
-          <a:prstGeom prst="straightConnector1">
-            <a:avLst/>
-          </a:prstGeom>
-          <a:ln w="25400">
-            <a:solidFill>
-              <a:schemeClr val="accent1">
-                <a:lumMod val="50000"/>
-              </a:schemeClr>
-            </a:solidFill>
-            <a:tailEnd type="arrow"/>
-          </a:ln>
-        </p:spPr>
-        <p:style>
-          <a:lnRef idx="1">
-            <a:schemeClr val="accent1"/>
-          </a:lnRef>
-          <a:fillRef idx="0">
-            <a:schemeClr val="accent1"/>
-          </a:fillRef>
-          <a:effectRef idx="0">
-            <a:schemeClr val="accent1"/>
-          </a:effectRef>
-          <a:fontRef idx="minor">
-            <a:schemeClr val="tx1"/>
-          </a:fontRef>
-        </p:style>
-      </p:cxnSp>
-      <p:sp>
-        <p:nvSpPr>
-          <p:cNvPr id="22" name="Flowchart: Process 21"/>
-          <p:cNvSpPr/>
-          <p:nvPr/>
-        </p:nvSpPr>
-        <p:spPr>
-          <a:xfrm>
-            <a:off x="3214678" y="1428736"/>
-            <a:ext cx="2143140" cy="500066"/>
-          </a:xfrm>
-          <a:prstGeom prst="flowChartProcess">
-            <a:avLst/>
-          </a:prstGeom>
-          <a:solidFill>
-            <a:srgbClr val="002060"/>
-          </a:solidFill>
-        </p:spPr>
-        <p:style>
-          <a:lnRef idx="2">
-            <a:schemeClr val="accent1">
-              <a:shade val="50000"/>
-            </a:schemeClr>
-          </a:lnRef>
-          <a:fillRef idx="1">
-            <a:schemeClr val="accent1"/>
-          </a:fillRef>
-          <a:effectRef idx="0">
-            <a:schemeClr val="accent1"/>
-          </a:effectRef>
-          <a:fontRef idx="minor">
-            <a:schemeClr val="lt1"/>
-          </a:fontRef>
-        </p:style>
-        <p:txBody>
-          <a:bodyPr rtlCol="0" anchor="ctr"/>
-          <a:lstStyle/>
-          <a:p>
-            <a:pPr algn="ctr"/>
-            <a:r>
-              <a:rPr lang="en-GB" b="1" dirty="0" smtClean="0"/>
-              <a:t>INPUT DATA</a:t>
-            </a:r>
-          </a:p>
-        </p:txBody>
-      </p:sp>
-      <p:sp>
-        <p:nvSpPr>
-          <p:cNvPr id="32" name="Flowchart: Process 31"/>
-          <p:cNvSpPr/>
-          <p:nvPr/>
-        </p:nvSpPr>
-        <p:spPr>
-          <a:xfrm>
-            <a:off x="3357554" y="3643314"/>
-            <a:ext cx="1785950" cy="500066"/>
-          </a:xfrm>
-          <a:prstGeom prst="flowChartProcess">
-            <a:avLst/>
-          </a:prstGeom>
-          <a:solidFill>
-            <a:srgbClr val="002060"/>
-          </a:solidFill>
-        </p:spPr>
-        <p:style>
-          <a:lnRef idx="2">
-            <a:schemeClr val="accent1">
-              <a:shade val="50000"/>
-            </a:schemeClr>
-          </a:lnRef>
-          <a:fillRef idx="1">
-            <a:schemeClr val="accent1"/>
-          </a:fillRef>
-          <a:effectRef idx="0">
-            <a:schemeClr val="accent1"/>
-          </a:effectRef>
-          <a:fontRef idx="minor">
-            <a:schemeClr val="lt1"/>
-          </a:fontRef>
-        </p:style>
-        <p:txBody>
-          <a:bodyPr rtlCol="0" anchor="ctr"/>
-          <a:lstStyle/>
-          <a:p>
-            <a:pPr algn="ctr"/>
-            <a:r>
-              <a:rPr lang="en-GB" b="1" dirty="0" smtClean="0"/>
-              <a:t>EXTRACTION</a:t>
-            </a:r>
-            <a:endParaRPr lang="en-GB" b="1" dirty="0"/>
-          </a:p>
-        </p:txBody>
-      </p:sp>
-      <p:sp>
-        <p:nvSpPr>
-          <p:cNvPr id="42" name="Flowchart: Process 41"/>
-          <p:cNvSpPr/>
-          <p:nvPr/>
-        </p:nvSpPr>
-        <p:spPr>
-          <a:xfrm>
-            <a:off x="2928926" y="4572008"/>
-            <a:ext cx="2928958" cy="857256"/>
-          </a:xfrm>
-          <a:prstGeom prst="flowChartProcess">
-            <a:avLst/>
-          </a:prstGeom>
-          <a:solidFill>
-            <a:srgbClr val="002060"/>
-          </a:solidFill>
-        </p:spPr>
-        <p:style>
-          <a:lnRef idx="2">
-            <a:schemeClr val="accent1">
-              <a:shade val="50000"/>
-            </a:schemeClr>
-          </a:lnRef>
-          <a:fillRef idx="1">
-            <a:schemeClr val="accent1"/>
-          </a:fillRef>
-          <a:effectRef idx="0">
-            <a:schemeClr val="accent1"/>
-          </a:effectRef>
-          <a:fontRef idx="minor">
-            <a:schemeClr val="lt1"/>
-          </a:fontRef>
-        </p:style>
-        <p:txBody>
-          <a:bodyPr rtlCol="0" anchor="ctr"/>
-          <a:lstStyle/>
-          <a:p>
-            <a:pPr algn="ctr"/>
-            <a:r>
-              <a:rPr lang="en-GB" b="1" dirty="0" smtClean="0"/>
-              <a:t>PRINCIPAL COMPONENT ANALYSIS</a:t>
-            </a:r>
-            <a:endParaRPr lang="en-GB" b="1" dirty="0"/>
-          </a:p>
-        </p:txBody>
-      </p:sp>
-      <p:cxnSp>
-        <p:nvCxnSpPr>
-          <p:cNvPr id="60" name="Straight Arrow Connector 59"/>
-          <p:cNvCxnSpPr/>
-          <p:nvPr/>
-        </p:nvCxnSpPr>
-        <p:spPr>
-          <a:xfrm rot="5400000">
-            <a:off x="3964777" y="5822173"/>
-            <a:ext cx="500066" cy="1588"/>
-          </a:xfrm>
-          <a:prstGeom prst="straightConnector1">
-            <a:avLst/>
-          </a:prstGeom>
-          <a:ln w="25400">
-            <a:solidFill>
-              <a:schemeClr val="accent1">
-                <a:lumMod val="50000"/>
-              </a:schemeClr>
-            </a:solidFill>
-            <a:tailEnd type="arrow"/>
-          </a:ln>
-        </p:spPr>
-        <p:style>
-          <a:lnRef idx="1">
-            <a:schemeClr val="accent1"/>
-          </a:lnRef>
-          <a:fillRef idx="0">
-            <a:schemeClr val="accent1"/>
-          </a:fillRef>
-          <a:effectRef idx="0">
-            <a:schemeClr val="accent1"/>
-          </a:effectRef>
-          <a:fontRef idx="minor">
-            <a:schemeClr val="tx1"/>
-          </a:fontRef>
-        </p:style>
-      </p:cxnSp>
-      <p:sp>
-        <p:nvSpPr>
-          <p:cNvPr id="62" name="Flowchart: Connector 61"/>
-          <p:cNvSpPr/>
-          <p:nvPr/>
-        </p:nvSpPr>
-        <p:spPr>
-          <a:xfrm>
-            <a:off x="3929058" y="6215058"/>
-            <a:ext cx="500066" cy="642942"/>
-          </a:xfrm>
-          <a:prstGeom prst="flowChartConnector">
-            <a:avLst/>
-          </a:prstGeom>
-          <a:solidFill>
-            <a:srgbClr val="002060"/>
-          </a:solidFill>
-        </p:spPr>
-        <p:style>
-          <a:lnRef idx="2">
-            <a:schemeClr val="accent1">
-              <a:shade val="50000"/>
-            </a:schemeClr>
-          </a:lnRef>
-          <a:fillRef idx="1">
-            <a:schemeClr val="accent1"/>
-          </a:fillRef>
-          <a:effectRef idx="0">
-            <a:schemeClr val="accent1"/>
-          </a:effectRef>
-          <a:fontRef idx="minor">
-            <a:schemeClr val="lt1"/>
-          </a:fontRef>
-        </p:style>
-        <p:txBody>
-          <a:bodyPr rtlCol="0" anchor="ctr"/>
-          <a:lstStyle/>
-          <a:p>
-            <a:pPr algn="ctr"/>
-            <a:endParaRPr lang="en-GB"/>
-          </a:p>
-        </p:txBody>
-      </p:sp>
-      <p:cxnSp>
-        <p:nvCxnSpPr>
-          <p:cNvPr id="28" name="Straight Arrow Connector 27"/>
-          <p:cNvCxnSpPr/>
-          <p:nvPr/>
-        </p:nvCxnSpPr>
-        <p:spPr>
-          <a:xfrm rot="5400000">
-            <a:off x="3965571" y="1106471"/>
-            <a:ext cx="500066" cy="1588"/>
-          </a:xfrm>
-          <a:prstGeom prst="straightConnector1">
-            <a:avLst/>
-          </a:prstGeom>
-          <a:ln w="25400">
-            <a:solidFill>
-              <a:schemeClr val="accent1">
-                <a:lumMod val="50000"/>
-              </a:schemeClr>
-            </a:solidFill>
-            <a:tailEnd type="arrow"/>
-          </a:ln>
-        </p:spPr>
-        <p:style>
-          <a:lnRef idx="1">
-            <a:schemeClr val="accent1"/>
-          </a:lnRef>
-          <a:fillRef idx="0">
-            <a:schemeClr val="accent1"/>
-          </a:fillRef>
-          <a:effectRef idx="0">
-            <a:schemeClr val="accent1"/>
-          </a:effectRef>
-          <a:fontRef idx="minor">
-            <a:schemeClr val="tx1"/>
-          </a:fontRef>
-        </p:style>
-      </p:cxnSp>
-      <p:sp>
-        <p:nvSpPr>
-          <p:cNvPr id="29" name="Flowchart: Terminator 28"/>
-          <p:cNvSpPr/>
-          <p:nvPr/>
-        </p:nvSpPr>
-        <p:spPr>
-          <a:xfrm>
-            <a:off x="3286116" y="285728"/>
-            <a:ext cx="1857388" cy="500066"/>
-          </a:xfrm>
-          <a:prstGeom prst="flowChartTerminator">
-            <a:avLst/>
-          </a:prstGeom>
-          <a:solidFill>
-            <a:srgbClr val="002060"/>
-          </a:solidFill>
-        </p:spPr>
-        <p:style>
-          <a:lnRef idx="2">
-            <a:schemeClr val="accent1">
-              <a:shade val="50000"/>
-            </a:schemeClr>
-          </a:lnRef>
-          <a:fillRef idx="1">
-            <a:schemeClr val="accent1"/>
-          </a:fillRef>
-          <a:effectRef idx="0">
-            <a:schemeClr val="accent1"/>
-          </a:effectRef>
-          <a:fontRef idx="minor">
-            <a:schemeClr val="lt1"/>
-          </a:fontRef>
-        </p:style>
-        <p:txBody>
-          <a:bodyPr rtlCol="0" anchor="ctr"/>
-          <a:lstStyle/>
-          <a:p>
-            <a:pPr algn="ctr"/>
-            <a:r>
-              <a:rPr lang="en-GB" b="1" dirty="0" smtClean="0"/>
-              <a:t>START</a:t>
-            </a:r>
-            <a:endParaRPr lang="en-GB" b="1" dirty="0"/>
-          </a:p>
-        </p:txBody>
-      </p:sp>
-    </p:spTree>
-  </p:cSld>
-  <p:clrMapOvr>
-    <a:masterClrMapping/>
-  </p:clrMapOvr>
-  <mc:AlternateContent xmlns:mc="http://schemas.openxmlformats.org/markup-compatibility/2006" xmlns:p14="http://schemas.microsoft.com/office/powerpoint/2010/main">
-    <mc:Choice Requires="p14">
-      <p:transition spd="slow" p14:dur="1600">
-        <p14:gallery dir="l"/>
-      </p:transition>
-    </mc:Choice>
-    <mc:Fallback xmlns="">
-      <p:transition spd="slow">
-        <p:fade/>
-      </p:transition>
-    </mc:Fallback>
-  </mc:AlternateContent>
-  <p:timing>
-    <p:tnLst>
-      <p:par>
-        <p:cTn id="1" dur="indefinite" restart="never" nodeType="tmRoot"/>
-      </p:par>
-    </p:tnLst>
-  </p:timing>
-</p:sld>
-</file>
-
-<file path=ppt/slides/slide20.xml><?xml version="1.0" encoding="utf-8"?>
+<file path=ppt/slides/slide17.xml><?xml version="1.0" encoding="utf-8"?>
 <p:sld xmlns:a="http://schemas.openxmlformats.org/drawingml/2006/main" xmlns:r="http://schemas.openxmlformats.org/officeDocument/2006/relationships" xmlns:p="http://schemas.openxmlformats.org/presentationml/2006/main">
   <p:cSld>
     <p:spTree>
@@ -7877,14 +6684,569 @@
   <p:clrMapOvr>
     <a:masterClrMapping/>
   </p:clrMapOvr>
-  <mc:AlternateContent xmlns:mc="http://schemas.openxmlformats.org/markup-compatibility/2006" xmlns:p14="http://schemas.microsoft.com/office/powerpoint/2010/main">
-    <mc:Choice Requires="p14">
+  <mc:AlternateContent xmlns:mc="http://schemas.openxmlformats.org/markup-compatibility/2006">
+    <mc:Choice xmlns="" xmlns:p14="http://schemas.microsoft.com/office/powerpoint/2010/main" Requires="p14">
       <p:transition spd="med">
         <p14:gallery dir="l"/>
       </p:transition>
     </mc:Choice>
-    <mc:Fallback xmlns="">
+    <mc:Fallback>
       <p:transition spd="med">
+        <p:fade/>
+      </p:transition>
+    </mc:Fallback>
+  </mc:AlternateContent>
+  <p:timing>
+    <p:tnLst>
+      <p:par>
+        <p:cTn id="1" dur="indefinite" restart="never" nodeType="tmRoot"/>
+      </p:par>
+    </p:tnLst>
+  </p:timing>
+</p:sld>
+</file>
+
+<file path=ppt/slides/slide2.xml><?xml version="1.0" encoding="utf-8"?>
+<p:sld xmlns:a="http://schemas.openxmlformats.org/drawingml/2006/main" xmlns:r="http://schemas.openxmlformats.org/officeDocument/2006/relationships" xmlns:p="http://schemas.openxmlformats.org/presentationml/2006/main">
+  <p:cSld>
+    <p:spTree>
+      <p:nvGrpSpPr>
+        <p:cNvPr id="1" name=""/>
+        <p:cNvGrpSpPr/>
+        <p:nvPr/>
+      </p:nvGrpSpPr>
+      <p:grpSpPr>
+        <a:xfrm>
+          <a:off x="0" y="0"/>
+          <a:ext cx="0" cy="0"/>
+          <a:chOff x="0" y="0"/>
+          <a:chExt cx="0" cy="0"/>
+        </a:xfrm>
+      </p:grpSpPr>
+      <p:sp>
+        <p:nvSpPr>
+          <p:cNvPr id="2" name="Title 1"/>
+          <p:cNvSpPr>
+            <a:spLocks noGrp="1"/>
+          </p:cNvSpPr>
+          <p:nvPr>
+            <p:ph type="title"/>
+          </p:nvPr>
+        </p:nvSpPr>
+        <p:spPr>
+          <a:xfrm>
+            <a:off x="428596" y="357166"/>
+            <a:ext cx="2643206" cy="579419"/>
+          </a:xfrm>
+        </p:spPr>
+        <p:txBody>
+          <a:bodyPr/>
+          <a:lstStyle/>
+          <a:p>
+            <a:r>
+              <a:rPr lang="en-GB" sz="3200" dirty="0" smtClean="0">
+                <a:solidFill>
+                  <a:schemeClr val="tx1">
+                    <a:lumMod val="95000"/>
+                    <a:lumOff val="5000"/>
+                  </a:schemeClr>
+                </a:solidFill>
+                <a:latin typeface="Algerian" pitchFamily="82" charset="0"/>
+              </a:rPr>
+              <a:t>Flow chart</a:t>
+            </a:r>
+            <a:endParaRPr lang="en-GB" sz="3200" dirty="0">
+              <a:solidFill>
+                <a:schemeClr val="tx1">
+                  <a:lumMod val="95000"/>
+                  <a:lumOff val="5000"/>
+                </a:schemeClr>
+              </a:solidFill>
+              <a:latin typeface="Algerian" pitchFamily="82" charset="0"/>
+            </a:endParaRPr>
+          </a:p>
+        </p:txBody>
+      </p:sp>
+      <p:sp>
+        <p:nvSpPr>
+          <p:cNvPr id="11" name="Flowchart: Process 10"/>
+          <p:cNvSpPr/>
+          <p:nvPr/>
+        </p:nvSpPr>
+        <p:spPr>
+          <a:xfrm>
+            <a:off x="3286116" y="2571744"/>
+            <a:ext cx="1785950" cy="500066"/>
+          </a:xfrm>
+          <a:prstGeom prst="flowChartProcess">
+            <a:avLst/>
+          </a:prstGeom>
+          <a:solidFill>
+            <a:srgbClr val="002060"/>
+          </a:solidFill>
+        </p:spPr>
+        <p:style>
+          <a:lnRef idx="2">
+            <a:schemeClr val="accent1">
+              <a:shade val="50000"/>
+            </a:schemeClr>
+          </a:lnRef>
+          <a:fillRef idx="1">
+            <a:schemeClr val="accent1"/>
+          </a:fillRef>
+          <a:effectRef idx="0">
+            <a:schemeClr val="accent1"/>
+          </a:effectRef>
+          <a:fontRef idx="minor">
+            <a:schemeClr val="lt1"/>
+          </a:fontRef>
+        </p:style>
+        <p:txBody>
+          <a:bodyPr rtlCol="0" anchor="ctr"/>
+          <a:lstStyle/>
+          <a:p>
+            <a:pPr algn="ctr"/>
+            <a:r>
+              <a:rPr lang="en-GB" b="1" dirty="0" smtClean="0"/>
+              <a:t>CLEANING</a:t>
+            </a:r>
+            <a:endParaRPr lang="en-GB" b="1" dirty="0"/>
+          </a:p>
+        </p:txBody>
+      </p:sp>
+      <p:cxnSp>
+        <p:nvCxnSpPr>
+          <p:cNvPr id="19" name="Straight Arrow Connector 18"/>
+          <p:cNvCxnSpPr/>
+          <p:nvPr/>
+        </p:nvCxnSpPr>
+        <p:spPr>
+          <a:xfrm rot="5400000">
+            <a:off x="3965571" y="4321181"/>
+            <a:ext cx="500066" cy="1588"/>
+          </a:xfrm>
+          <a:prstGeom prst="straightConnector1">
+            <a:avLst/>
+          </a:prstGeom>
+          <a:ln w="25400">
+            <a:solidFill>
+              <a:schemeClr val="accent1">
+                <a:lumMod val="50000"/>
+              </a:schemeClr>
+            </a:solidFill>
+            <a:tailEnd type="arrow"/>
+          </a:ln>
+        </p:spPr>
+        <p:style>
+          <a:lnRef idx="1">
+            <a:schemeClr val="accent1"/>
+          </a:lnRef>
+          <a:fillRef idx="0">
+            <a:schemeClr val="accent1"/>
+          </a:fillRef>
+          <a:effectRef idx="0">
+            <a:schemeClr val="accent1"/>
+          </a:effectRef>
+          <a:fontRef idx="minor">
+            <a:schemeClr val="tx1"/>
+          </a:fontRef>
+        </p:style>
+      </p:cxnSp>
+      <p:cxnSp>
+        <p:nvCxnSpPr>
+          <p:cNvPr id="20" name="Straight Arrow Connector 19"/>
+          <p:cNvCxnSpPr/>
+          <p:nvPr/>
+        </p:nvCxnSpPr>
+        <p:spPr>
+          <a:xfrm rot="5400000">
+            <a:off x="3894133" y="2249479"/>
+            <a:ext cx="500066" cy="1588"/>
+          </a:xfrm>
+          <a:prstGeom prst="straightConnector1">
+            <a:avLst/>
+          </a:prstGeom>
+          <a:ln w="25400">
+            <a:solidFill>
+              <a:schemeClr val="accent1">
+                <a:lumMod val="50000"/>
+              </a:schemeClr>
+            </a:solidFill>
+            <a:tailEnd type="arrow"/>
+          </a:ln>
+        </p:spPr>
+        <p:style>
+          <a:lnRef idx="1">
+            <a:schemeClr val="accent1"/>
+          </a:lnRef>
+          <a:fillRef idx="0">
+            <a:schemeClr val="accent1"/>
+          </a:fillRef>
+          <a:effectRef idx="0">
+            <a:schemeClr val="accent1"/>
+          </a:effectRef>
+          <a:fontRef idx="minor">
+            <a:schemeClr val="tx1"/>
+          </a:fontRef>
+        </p:style>
+      </p:cxnSp>
+      <p:cxnSp>
+        <p:nvCxnSpPr>
+          <p:cNvPr id="21" name="Straight Arrow Connector 20"/>
+          <p:cNvCxnSpPr/>
+          <p:nvPr/>
+        </p:nvCxnSpPr>
+        <p:spPr>
+          <a:xfrm rot="5400000">
+            <a:off x="3963982" y="3392487"/>
+            <a:ext cx="500066" cy="1588"/>
+          </a:xfrm>
+          <a:prstGeom prst="straightConnector1">
+            <a:avLst/>
+          </a:prstGeom>
+          <a:ln w="25400">
+            <a:solidFill>
+              <a:schemeClr val="accent1">
+                <a:lumMod val="50000"/>
+              </a:schemeClr>
+            </a:solidFill>
+            <a:tailEnd type="arrow"/>
+          </a:ln>
+        </p:spPr>
+        <p:style>
+          <a:lnRef idx="1">
+            <a:schemeClr val="accent1"/>
+          </a:lnRef>
+          <a:fillRef idx="0">
+            <a:schemeClr val="accent1"/>
+          </a:fillRef>
+          <a:effectRef idx="0">
+            <a:schemeClr val="accent1"/>
+          </a:effectRef>
+          <a:fontRef idx="minor">
+            <a:schemeClr val="tx1"/>
+          </a:fontRef>
+        </p:style>
+      </p:cxnSp>
+      <p:sp>
+        <p:nvSpPr>
+          <p:cNvPr id="22" name="Flowchart: Process 21"/>
+          <p:cNvSpPr/>
+          <p:nvPr/>
+        </p:nvSpPr>
+        <p:spPr>
+          <a:xfrm>
+            <a:off x="3214678" y="1428736"/>
+            <a:ext cx="2143140" cy="500066"/>
+          </a:xfrm>
+          <a:prstGeom prst="flowChartProcess">
+            <a:avLst/>
+          </a:prstGeom>
+          <a:solidFill>
+            <a:srgbClr val="002060"/>
+          </a:solidFill>
+        </p:spPr>
+        <p:style>
+          <a:lnRef idx="2">
+            <a:schemeClr val="accent1">
+              <a:shade val="50000"/>
+            </a:schemeClr>
+          </a:lnRef>
+          <a:fillRef idx="1">
+            <a:schemeClr val="accent1"/>
+          </a:fillRef>
+          <a:effectRef idx="0">
+            <a:schemeClr val="accent1"/>
+          </a:effectRef>
+          <a:fontRef idx="minor">
+            <a:schemeClr val="lt1"/>
+          </a:fontRef>
+        </p:style>
+        <p:txBody>
+          <a:bodyPr rtlCol="0" anchor="ctr"/>
+          <a:lstStyle/>
+          <a:p>
+            <a:pPr algn="ctr"/>
+            <a:r>
+              <a:rPr lang="en-GB" b="1" dirty="0" smtClean="0"/>
+              <a:t>INPUT DATA</a:t>
+            </a:r>
+          </a:p>
+        </p:txBody>
+      </p:sp>
+      <p:sp>
+        <p:nvSpPr>
+          <p:cNvPr id="32" name="Flowchart: Process 31"/>
+          <p:cNvSpPr/>
+          <p:nvPr/>
+        </p:nvSpPr>
+        <p:spPr>
+          <a:xfrm>
+            <a:off x="3357554" y="3643314"/>
+            <a:ext cx="1785950" cy="500066"/>
+          </a:xfrm>
+          <a:prstGeom prst="flowChartProcess">
+            <a:avLst/>
+          </a:prstGeom>
+          <a:solidFill>
+            <a:srgbClr val="002060"/>
+          </a:solidFill>
+        </p:spPr>
+        <p:style>
+          <a:lnRef idx="2">
+            <a:schemeClr val="accent1">
+              <a:shade val="50000"/>
+            </a:schemeClr>
+          </a:lnRef>
+          <a:fillRef idx="1">
+            <a:schemeClr val="accent1"/>
+          </a:fillRef>
+          <a:effectRef idx="0">
+            <a:schemeClr val="accent1"/>
+          </a:effectRef>
+          <a:fontRef idx="minor">
+            <a:schemeClr val="lt1"/>
+          </a:fontRef>
+        </p:style>
+        <p:txBody>
+          <a:bodyPr rtlCol="0" anchor="ctr"/>
+          <a:lstStyle/>
+          <a:p>
+            <a:pPr algn="ctr"/>
+            <a:r>
+              <a:rPr lang="en-GB" b="1" dirty="0" smtClean="0"/>
+              <a:t>EXTRACTION</a:t>
+            </a:r>
+            <a:endParaRPr lang="en-GB" b="1" dirty="0"/>
+          </a:p>
+        </p:txBody>
+      </p:sp>
+      <p:sp>
+        <p:nvSpPr>
+          <p:cNvPr id="42" name="Flowchart: Process 41"/>
+          <p:cNvSpPr/>
+          <p:nvPr/>
+        </p:nvSpPr>
+        <p:spPr>
+          <a:xfrm>
+            <a:off x="2928926" y="4572008"/>
+            <a:ext cx="2928958" cy="857256"/>
+          </a:xfrm>
+          <a:prstGeom prst="flowChartProcess">
+            <a:avLst/>
+          </a:prstGeom>
+          <a:solidFill>
+            <a:srgbClr val="002060"/>
+          </a:solidFill>
+        </p:spPr>
+        <p:style>
+          <a:lnRef idx="2">
+            <a:schemeClr val="accent1">
+              <a:shade val="50000"/>
+            </a:schemeClr>
+          </a:lnRef>
+          <a:fillRef idx="1">
+            <a:schemeClr val="accent1"/>
+          </a:fillRef>
+          <a:effectRef idx="0">
+            <a:schemeClr val="accent1"/>
+          </a:effectRef>
+          <a:fontRef idx="minor">
+            <a:schemeClr val="lt1"/>
+          </a:fontRef>
+        </p:style>
+        <p:txBody>
+          <a:bodyPr rtlCol="0" anchor="ctr"/>
+          <a:lstStyle/>
+          <a:p>
+            <a:pPr algn="ctr"/>
+            <a:r>
+              <a:rPr lang="en-GB" b="1" dirty="0" smtClean="0"/>
+              <a:t>PRINCIPAL COMPONENT ANALYSIS</a:t>
+            </a:r>
+            <a:endParaRPr lang="en-GB" b="1" dirty="0"/>
+          </a:p>
+        </p:txBody>
+      </p:sp>
+      <p:cxnSp>
+        <p:nvCxnSpPr>
+          <p:cNvPr id="60" name="Straight Arrow Connector 59"/>
+          <p:cNvCxnSpPr/>
+          <p:nvPr/>
+        </p:nvCxnSpPr>
+        <p:spPr>
+          <a:xfrm rot="5400000">
+            <a:off x="3964777" y="5822173"/>
+            <a:ext cx="500066" cy="1588"/>
+          </a:xfrm>
+          <a:prstGeom prst="straightConnector1">
+            <a:avLst/>
+          </a:prstGeom>
+          <a:ln w="25400">
+            <a:solidFill>
+              <a:schemeClr val="accent1">
+                <a:lumMod val="50000"/>
+              </a:schemeClr>
+            </a:solidFill>
+            <a:tailEnd type="arrow"/>
+          </a:ln>
+        </p:spPr>
+        <p:style>
+          <a:lnRef idx="1">
+            <a:schemeClr val="accent1"/>
+          </a:lnRef>
+          <a:fillRef idx="0">
+            <a:schemeClr val="accent1"/>
+          </a:fillRef>
+          <a:effectRef idx="0">
+            <a:schemeClr val="accent1"/>
+          </a:effectRef>
+          <a:fontRef idx="minor">
+            <a:schemeClr val="tx1"/>
+          </a:fontRef>
+        </p:style>
+      </p:cxnSp>
+      <p:sp>
+        <p:nvSpPr>
+          <p:cNvPr id="62" name="Flowchart: Connector 61"/>
+          <p:cNvSpPr/>
+          <p:nvPr/>
+        </p:nvSpPr>
+        <p:spPr>
+          <a:xfrm>
+            <a:off x="3929058" y="6215058"/>
+            <a:ext cx="500066" cy="642942"/>
+          </a:xfrm>
+          <a:prstGeom prst="flowChartConnector">
+            <a:avLst/>
+          </a:prstGeom>
+          <a:solidFill>
+            <a:srgbClr val="002060"/>
+          </a:solidFill>
+        </p:spPr>
+        <p:style>
+          <a:lnRef idx="2">
+            <a:schemeClr val="accent1">
+              <a:shade val="50000"/>
+            </a:schemeClr>
+          </a:lnRef>
+          <a:fillRef idx="1">
+            <a:schemeClr val="accent1"/>
+          </a:fillRef>
+          <a:effectRef idx="0">
+            <a:schemeClr val="accent1"/>
+          </a:effectRef>
+          <a:fontRef idx="minor">
+            <a:schemeClr val="lt1"/>
+          </a:fontRef>
+        </p:style>
+        <p:txBody>
+          <a:bodyPr rtlCol="0" anchor="ctr"/>
+          <a:lstStyle/>
+          <a:p>
+            <a:pPr algn="ctr"/>
+            <a:endParaRPr lang="en-GB"/>
+          </a:p>
+        </p:txBody>
+      </p:sp>
+      <p:cxnSp>
+        <p:nvCxnSpPr>
+          <p:cNvPr id="28" name="Straight Arrow Connector 27"/>
+          <p:cNvCxnSpPr/>
+          <p:nvPr/>
+        </p:nvCxnSpPr>
+        <p:spPr>
+          <a:xfrm rot="5400000">
+            <a:off x="3965571" y="1106471"/>
+            <a:ext cx="500066" cy="1588"/>
+          </a:xfrm>
+          <a:prstGeom prst="straightConnector1">
+            <a:avLst/>
+          </a:prstGeom>
+          <a:ln w="25400">
+            <a:solidFill>
+              <a:schemeClr val="accent1">
+                <a:lumMod val="50000"/>
+              </a:schemeClr>
+            </a:solidFill>
+            <a:tailEnd type="arrow"/>
+          </a:ln>
+        </p:spPr>
+        <p:style>
+          <a:lnRef idx="1">
+            <a:schemeClr val="accent1"/>
+          </a:lnRef>
+          <a:fillRef idx="0">
+            <a:schemeClr val="accent1"/>
+          </a:fillRef>
+          <a:effectRef idx="0">
+            <a:schemeClr val="accent1"/>
+          </a:effectRef>
+          <a:fontRef idx="minor">
+            <a:schemeClr val="tx1"/>
+          </a:fontRef>
+        </p:style>
+      </p:cxnSp>
+      <p:sp>
+        <p:nvSpPr>
+          <p:cNvPr id="29" name="Flowchart: Terminator 28"/>
+          <p:cNvSpPr/>
+          <p:nvPr/>
+        </p:nvSpPr>
+        <p:spPr>
+          <a:xfrm>
+            <a:off x="3286116" y="285728"/>
+            <a:ext cx="1857388" cy="500066"/>
+          </a:xfrm>
+          <a:prstGeom prst="flowChartTerminator">
+            <a:avLst/>
+          </a:prstGeom>
+          <a:solidFill>
+            <a:srgbClr val="002060"/>
+          </a:solidFill>
+        </p:spPr>
+        <p:style>
+          <a:lnRef idx="2">
+            <a:schemeClr val="accent1">
+              <a:shade val="50000"/>
+            </a:schemeClr>
+          </a:lnRef>
+          <a:fillRef idx="1">
+            <a:schemeClr val="accent1"/>
+          </a:fillRef>
+          <a:effectRef idx="0">
+            <a:schemeClr val="accent1"/>
+          </a:effectRef>
+          <a:fontRef idx="minor">
+            <a:schemeClr val="lt1"/>
+          </a:fontRef>
+        </p:style>
+        <p:txBody>
+          <a:bodyPr rtlCol="0" anchor="ctr"/>
+          <a:lstStyle/>
+          <a:p>
+            <a:pPr algn="ctr"/>
+            <a:r>
+              <a:rPr lang="en-GB" b="1" dirty="0" smtClean="0"/>
+              <a:t>START</a:t>
+            </a:r>
+            <a:endParaRPr lang="en-GB" b="1" dirty="0"/>
+          </a:p>
+        </p:txBody>
+      </p:sp>
+    </p:spTree>
+  </p:cSld>
+  <p:clrMapOvr>
+    <a:masterClrMapping/>
+  </p:clrMapOvr>
+  <mc:AlternateContent xmlns:mc="http://schemas.openxmlformats.org/markup-compatibility/2006">
+    <mc:Choice xmlns="" xmlns:p14="http://schemas.microsoft.com/office/powerpoint/2010/main" Requires="p14">
+      <p:transition spd="slow" p14:dur="1600">
+        <p14:gallery dir="l"/>
+      </p:transition>
+    </mc:Choice>
+    <mc:Fallback>
+      <p:transition spd="slow">
         <p:fade/>
       </p:transition>
     </mc:Fallback>
@@ -8304,13 +7666,13 @@
   <p:clrMapOvr>
     <a:masterClrMapping/>
   </p:clrMapOvr>
-  <mc:AlternateContent xmlns:mc="http://schemas.openxmlformats.org/markup-compatibility/2006" xmlns:p14="http://schemas.microsoft.com/office/powerpoint/2010/main">
-    <mc:Choice Requires="p14">
+  <mc:AlternateContent xmlns:mc="http://schemas.openxmlformats.org/markup-compatibility/2006">
+    <mc:Choice xmlns="" xmlns:p14="http://schemas.microsoft.com/office/powerpoint/2010/main" Requires="p14">
       <p:transition spd="slow" p14:dur="1600">
         <p14:gallery dir="l"/>
       </p:transition>
     </mc:Choice>
-    <mc:Fallback xmlns="">
+    <mc:Fallback>
       <p:transition spd="slow">
         <p:fade/>
       </p:transition>
@@ -8618,13 +7980,13 @@
   <p:clrMapOvr>
     <a:masterClrMapping/>
   </p:clrMapOvr>
-  <mc:AlternateContent xmlns:mc="http://schemas.openxmlformats.org/markup-compatibility/2006" xmlns:p14="http://schemas.microsoft.com/office/powerpoint/2010/main">
-    <mc:Choice Requires="p14">
+  <mc:AlternateContent xmlns:mc="http://schemas.openxmlformats.org/markup-compatibility/2006">
+    <mc:Choice xmlns="" xmlns:p14="http://schemas.microsoft.com/office/powerpoint/2010/main" Requires="p14">
       <p:transition spd="slow" p14:dur="1600">
         <p14:gallery dir="l"/>
       </p:transition>
     </mc:Choice>
-    <mc:Fallback xmlns="">
+    <mc:Fallback>
       <p:transition spd="slow">
         <p:fade/>
       </p:transition>
@@ -9374,13 +8736,13 @@
   <p:clrMapOvr>
     <a:masterClrMapping/>
   </p:clrMapOvr>
-  <mc:AlternateContent xmlns:mc="http://schemas.openxmlformats.org/markup-compatibility/2006" xmlns:p14="http://schemas.microsoft.com/office/powerpoint/2010/main">
-    <mc:Choice Requires="p14">
+  <mc:AlternateContent xmlns:mc="http://schemas.openxmlformats.org/markup-compatibility/2006">
+    <mc:Choice xmlns="" xmlns:p14="http://schemas.microsoft.com/office/powerpoint/2010/main" Requires="p14">
       <p:transition spd="slow" p14:dur="1600">
         <p14:gallery dir="l"/>
       </p:transition>
     </mc:Choice>
-    <mc:Fallback xmlns="">
+    <mc:Fallback>
       <p:transition spd="slow">
         <p:fade/>
       </p:transition>
@@ -9869,6 +9231,7 @@
             <a:solidFill>
               <a:srgbClr val="002060"/>
             </a:solidFill>
+            <a:headEnd type="triangle"/>
             <a:tailEnd type="triangle"/>
           </a:ln>
         </p:spPr>
@@ -9905,6 +9268,7 @@
             <a:solidFill>
               <a:srgbClr val="002060"/>
             </a:solidFill>
+            <a:headEnd type="triangle"/>
             <a:tailEnd type="triangle"/>
           </a:ln>
         </p:spPr>
@@ -10392,16 +9756,63 @@
           </a:p>
         </p:txBody>
       </p:sp>
+      <p:sp>
+        <p:nvSpPr>
+          <p:cNvPr id="44" name="Oval 43"/>
+          <p:cNvSpPr/>
+          <p:nvPr/>
+        </p:nvSpPr>
+        <p:spPr>
+          <a:xfrm>
+            <a:off x="3714744" y="2500306"/>
+            <a:ext cx="1905000" cy="685800"/>
+          </a:xfrm>
+          <a:prstGeom prst="ellipse">
+            <a:avLst/>
+          </a:prstGeom>
+          <a:solidFill>
+            <a:srgbClr val="002060"/>
+          </a:solidFill>
+        </p:spPr>
+        <p:style>
+          <a:lnRef idx="2">
+            <a:schemeClr val="accent1">
+              <a:shade val="50000"/>
+            </a:schemeClr>
+          </a:lnRef>
+          <a:fillRef idx="1">
+            <a:schemeClr val="accent1"/>
+          </a:fillRef>
+          <a:effectRef idx="0">
+            <a:schemeClr val="accent1"/>
+          </a:effectRef>
+          <a:fontRef idx="minor">
+            <a:schemeClr val="lt1"/>
+          </a:fontRef>
+        </p:style>
+        <p:txBody>
+          <a:bodyPr rtlCol="0" anchor="ctr"/>
+          <a:lstStyle/>
+          <a:p>
+            <a:pPr algn="ctr"/>
+            <a:r>
+              <a:rPr lang="en-US" dirty="0" smtClean="0"/>
+              <a:t>Cleaning</a:t>
+            </a:r>
+            <a:endParaRPr lang="en-US" dirty="0"/>
+          </a:p>
+        </p:txBody>
+      </p:sp>
       <p:cxnSp>
         <p:nvCxnSpPr>
-          <p:cNvPr id="32" name="Straight Arrow Connector 31"/>
+          <p:cNvPr id="47" name="Straight Arrow Connector 46"/>
           <p:cNvCxnSpPr/>
           <p:nvPr/>
         </p:nvCxnSpPr>
         <p:spPr>
-          <a:xfrm rot="10800000">
-            <a:off x="1714480" y="3429000"/>
-            <a:ext cx="1857388" cy="142876"/>
+          <a:xfrm flipV="1">
+            <a:off x="1714480" y="2643182"/>
+            <a:ext cx="2071702" cy="571504"/>
           </a:xfrm>
           <a:prstGeom prst="straightConnector1">
             <a:avLst/>
@@ -10410,164 +9821,7 @@
             <a:solidFill>
               <a:srgbClr val="002060"/>
             </a:solidFill>
-            <a:prstDash val="sysDash"/>
-            <a:tailEnd type="triangle"/>
-          </a:ln>
-        </p:spPr>
-        <p:style>
-          <a:lnRef idx="1">
-            <a:schemeClr val="accent1"/>
-          </a:lnRef>
-          <a:fillRef idx="0">
-            <a:schemeClr val="accent1"/>
-          </a:fillRef>
-          <a:effectRef idx="0">
-            <a:schemeClr val="accent1"/>
-          </a:effectRef>
-          <a:fontRef idx="minor">
-            <a:schemeClr val="tx1"/>
-          </a:fontRef>
-        </p:style>
-      </p:cxnSp>
-      <p:cxnSp>
-        <p:nvCxnSpPr>
-          <p:cNvPr id="40" name="Straight Arrow Connector 39"/>
-          <p:cNvCxnSpPr/>
-          <p:nvPr/>
-        </p:nvCxnSpPr>
-        <p:spPr>
-          <a:xfrm rot="10800000">
-            <a:off x="1571604" y="3786190"/>
-            <a:ext cx="1928826" cy="928694"/>
-          </a:xfrm>
-          <a:prstGeom prst="straightConnector1">
-            <a:avLst/>
-          </a:prstGeom>
-          <a:ln w="25400">
-            <a:solidFill>
-              <a:srgbClr val="002060"/>
-            </a:solidFill>
-            <a:prstDash val="sysDash"/>
-            <a:tailEnd type="triangle"/>
-          </a:ln>
-        </p:spPr>
-        <p:style>
-          <a:lnRef idx="1">
-            <a:schemeClr val="accent1"/>
-          </a:lnRef>
-          <a:fillRef idx="0">
-            <a:schemeClr val="accent1"/>
-          </a:fillRef>
-          <a:effectRef idx="0">
-            <a:schemeClr val="accent1"/>
-          </a:effectRef>
-          <a:fontRef idx="minor">
-            <a:schemeClr val="tx1"/>
-          </a:fontRef>
-        </p:style>
-      </p:cxnSp>
-      <p:sp>
-        <p:nvSpPr>
-          <p:cNvPr id="44" name="Oval 43"/>
-          <p:cNvSpPr/>
-          <p:nvPr/>
-        </p:nvSpPr>
-        <p:spPr>
-          <a:xfrm>
-            <a:off x="3714744" y="2500306"/>
-            <a:ext cx="1905000" cy="685800"/>
-          </a:xfrm>
-          <a:prstGeom prst="ellipse">
-            <a:avLst/>
-          </a:prstGeom>
-          <a:solidFill>
-            <a:srgbClr val="002060"/>
-          </a:solidFill>
-        </p:spPr>
-        <p:style>
-          <a:lnRef idx="2">
-            <a:schemeClr val="accent1">
-              <a:shade val="50000"/>
-            </a:schemeClr>
-          </a:lnRef>
-          <a:fillRef idx="1">
-            <a:schemeClr val="accent1"/>
-          </a:fillRef>
-          <a:effectRef idx="0">
-            <a:schemeClr val="accent1"/>
-          </a:effectRef>
-          <a:fontRef idx="minor">
-            <a:schemeClr val="lt1"/>
-          </a:fontRef>
-        </p:style>
-        <p:txBody>
-          <a:bodyPr rtlCol="0" anchor="ctr"/>
-          <a:lstStyle/>
-          <a:p>
-            <a:pPr algn="ctr"/>
-            <a:r>
-              <a:rPr lang="en-US" dirty="0" smtClean="0"/>
-              <a:t>Cleaning</a:t>
-            </a:r>
-            <a:endParaRPr lang="en-US" dirty="0"/>
-          </a:p>
-        </p:txBody>
-      </p:sp>
-      <p:cxnSp>
-        <p:nvCxnSpPr>
-          <p:cNvPr id="47" name="Straight Arrow Connector 46"/>
-          <p:cNvCxnSpPr/>
-          <p:nvPr/>
-        </p:nvCxnSpPr>
-        <p:spPr>
-          <a:xfrm flipV="1">
-            <a:off x="1714480" y="2643182"/>
-            <a:ext cx="2071702" cy="571504"/>
-          </a:xfrm>
-          <a:prstGeom prst="straightConnector1">
-            <a:avLst/>
-          </a:prstGeom>
-          <a:ln w="25400">
-            <a:solidFill>
-              <a:srgbClr val="002060"/>
-            </a:solidFill>
-            <a:tailEnd type="triangle"/>
-          </a:ln>
-        </p:spPr>
-        <p:style>
-          <a:lnRef idx="1">
-            <a:schemeClr val="accent1"/>
-          </a:lnRef>
-          <a:fillRef idx="0">
-            <a:schemeClr val="accent1"/>
-          </a:fillRef>
-          <a:effectRef idx="0">
-            <a:schemeClr val="accent1"/>
-          </a:effectRef>
-          <a:fontRef idx="minor">
-            <a:schemeClr val="tx1"/>
-          </a:fontRef>
-        </p:style>
-      </p:cxnSp>
-      <p:cxnSp>
-        <p:nvCxnSpPr>
-          <p:cNvPr id="58" name="Straight Arrow Connector 57"/>
-          <p:cNvCxnSpPr/>
-          <p:nvPr/>
-        </p:nvCxnSpPr>
-        <p:spPr>
-          <a:xfrm rot="10800000" flipV="1">
-            <a:off x="1857356" y="2928934"/>
-            <a:ext cx="1714512" cy="428628"/>
-          </a:xfrm>
-          <a:prstGeom prst="straightConnector1">
-            <a:avLst/>
-          </a:prstGeom>
-          <a:ln w="25400">
-            <a:solidFill>
-              <a:srgbClr val="002060"/>
-            </a:solidFill>
-            <a:prstDash val="sysDash"/>
+            <a:headEnd type="triangle"/>
             <a:tailEnd type="triangle"/>
           </a:ln>
         </p:spPr>
@@ -10589,7 +9843,7 @@
     </p:spTree>
     <p:extLst>
       <p:ext uri="{BB962C8B-B14F-4D97-AF65-F5344CB8AC3E}">
-        <p14:creationId xmlns:p14="http://schemas.microsoft.com/office/powerpoint/2010/main" val="1511965867"/>
+        <p14:creationId xmlns="" xmlns:p14="http://schemas.microsoft.com/office/powerpoint/2010/main" val="1511965867"/>
       </p:ext>
     </p:extLst>
   </p:cSld>
@@ -10628,553 +9882,190 @@
       </p:grpSpPr>
       <p:sp>
         <p:nvSpPr>
-          <p:cNvPr id="4" name="Flowchart: Connector 3"/>
-          <p:cNvSpPr/>
-          <p:nvPr/>
+          <p:cNvPr id="2" name="Title 1"/>
+          <p:cNvSpPr>
+            <a:spLocks noGrp="1"/>
+          </p:cNvSpPr>
+          <p:nvPr>
+            <p:ph type="title"/>
+          </p:nvPr>
+        </p:nvSpPr>
+        <p:spPr/>
+        <p:txBody>
+          <a:bodyPr/>
+          <a:lstStyle/>
+          <a:p>
+            <a:r>
+              <a:rPr lang="en-GB" sz="2800" dirty="0" smtClean="0">
+                <a:solidFill>
+                  <a:schemeClr val="tx1">
+                    <a:lumMod val="95000"/>
+                    <a:lumOff val="5000"/>
+                  </a:schemeClr>
+                </a:solidFill>
+                <a:latin typeface="Algerian" pitchFamily="82" charset="0"/>
+              </a:rPr>
+              <a:t>IMPLEMENTATION</a:t>
+            </a:r>
+            <a:endParaRPr lang="en-GB" sz="2800" dirty="0">
+              <a:solidFill>
+                <a:schemeClr val="tx1">
+                  <a:lumMod val="95000"/>
+                  <a:lumOff val="5000"/>
+                </a:schemeClr>
+              </a:solidFill>
+              <a:latin typeface="Algerian" pitchFamily="82" charset="0"/>
+            </a:endParaRPr>
+          </a:p>
+        </p:txBody>
+      </p:sp>
+      <p:sp>
+        <p:nvSpPr>
+          <p:cNvPr id="3" name="Content Placeholder 2"/>
+          <p:cNvSpPr>
+            <a:spLocks noGrp="1"/>
+          </p:cNvSpPr>
+          <p:nvPr>
+            <p:ph idx="1"/>
+          </p:nvPr>
         </p:nvSpPr>
         <p:spPr>
           <a:xfrm>
-            <a:off x="4267200" y="476232"/>
-            <a:ext cx="304800" cy="381000"/>
-          </a:xfrm>
-          <a:prstGeom prst="flowChartConnector">
-            <a:avLst/>
-          </a:prstGeom>
-          <a:solidFill>
-            <a:srgbClr val="002060"/>
-          </a:solidFill>
-          <a:ln>
-            <a:solidFill>
-              <a:srgbClr val="002060"/>
-            </a:solidFill>
-          </a:ln>
-        </p:spPr>
-        <p:style>
-          <a:lnRef idx="2">
-            <a:schemeClr val="accent1">
-              <a:shade val="50000"/>
-            </a:schemeClr>
-          </a:lnRef>
-          <a:fillRef idx="1">
-            <a:schemeClr val="accent1"/>
-          </a:fillRef>
-          <a:effectRef idx="0">
-            <a:schemeClr val="accent1"/>
-          </a:effectRef>
-          <a:fontRef idx="minor">
-            <a:schemeClr val="lt1"/>
-          </a:fontRef>
-        </p:style>
-        <p:txBody>
-          <a:bodyPr rtlCol="0" anchor="ctr"/>
+            <a:off x="571472" y="1714488"/>
+            <a:ext cx="8115328" cy="4416437"/>
+          </a:xfrm>
+        </p:spPr>
+        <p:txBody>
+          <a:bodyPr/>
           <a:lstStyle/>
           <a:p>
-            <a:pPr algn="ctr"/>
-            <a:endParaRPr lang="en-US"/>
-          </a:p>
-        </p:txBody>
-      </p:sp>
-      <p:cxnSp>
-        <p:nvCxnSpPr>
-          <p:cNvPr id="6" name="Straight Arrow Connector 5"/>
-          <p:cNvCxnSpPr/>
-          <p:nvPr/>
-        </p:nvCxnSpPr>
-        <p:spPr>
-          <a:xfrm>
-            <a:off x="4429124" y="929750"/>
-            <a:ext cx="0" cy="498986"/>
-          </a:xfrm>
-          <a:prstGeom prst="straightConnector1">
-            <a:avLst/>
-          </a:prstGeom>
-          <a:ln>
-            <a:solidFill>
-              <a:srgbClr val="002060"/>
-            </a:solidFill>
-            <a:tailEnd type="arrow"/>
-          </a:ln>
-        </p:spPr>
-        <p:style>
-          <a:lnRef idx="1">
-            <a:schemeClr val="accent1"/>
-          </a:lnRef>
-          <a:fillRef idx="0">
-            <a:schemeClr val="accent1"/>
-          </a:fillRef>
-          <a:effectRef idx="0">
-            <a:schemeClr val="accent1"/>
-          </a:effectRef>
-          <a:fontRef idx="minor">
-            <a:schemeClr val="tx1"/>
-          </a:fontRef>
-        </p:style>
-      </p:cxnSp>
-      <p:sp>
-        <p:nvSpPr>
-          <p:cNvPr id="7" name="Rounded Rectangle 6"/>
-          <p:cNvSpPr/>
-          <p:nvPr/>
-        </p:nvSpPr>
-        <p:spPr>
-          <a:xfrm>
-            <a:off x="2786050" y="1462078"/>
-            <a:ext cx="3286148" cy="609600"/>
-          </a:xfrm>
-          <a:prstGeom prst="roundRect">
-            <a:avLst/>
-          </a:prstGeom>
-          <a:solidFill>
-            <a:srgbClr val="002060"/>
-          </a:solidFill>
-          <a:ln>
-            <a:solidFill>
-              <a:srgbClr val="002060"/>
-            </a:solidFill>
-          </a:ln>
-        </p:spPr>
-        <p:style>
-          <a:lnRef idx="2">
-            <a:schemeClr val="accent1">
-              <a:shade val="50000"/>
-            </a:schemeClr>
-          </a:lnRef>
-          <a:fillRef idx="1">
-            <a:schemeClr val="accent1"/>
-          </a:fillRef>
-          <a:effectRef idx="0">
-            <a:schemeClr val="accent1"/>
-          </a:effectRef>
-          <a:fontRef idx="minor">
-            <a:schemeClr val="lt1"/>
-          </a:fontRef>
-        </p:style>
-        <p:txBody>
-          <a:bodyPr rtlCol="0" anchor="ctr"/>
-          <a:lstStyle/>
-          <a:p>
-            <a:pPr algn="ctr"/>
-            <a:r>
-              <a:rPr lang="en-US" dirty="0" smtClean="0"/>
-              <a:t>Input Data</a:t>
-            </a:r>
-            <a:endParaRPr lang="en-US" dirty="0"/>
-          </a:p>
-        </p:txBody>
-      </p:sp>
-      <p:sp>
-        <p:nvSpPr>
-          <p:cNvPr id="8" name="Rounded Rectangle 7"/>
-          <p:cNvSpPr/>
-          <p:nvPr/>
-        </p:nvSpPr>
-        <p:spPr>
-          <a:xfrm>
-            <a:off x="3714744" y="2500306"/>
-            <a:ext cx="1676400" cy="609600"/>
-          </a:xfrm>
-          <a:prstGeom prst="roundRect">
-            <a:avLst/>
-          </a:prstGeom>
-          <a:solidFill>
-            <a:srgbClr val="002060"/>
-          </a:solidFill>
-          <a:ln>
-            <a:solidFill>
-              <a:srgbClr val="002060"/>
-            </a:solidFill>
-          </a:ln>
-        </p:spPr>
-        <p:style>
-          <a:lnRef idx="2">
-            <a:schemeClr val="accent1">
-              <a:shade val="50000"/>
-            </a:schemeClr>
-          </a:lnRef>
-          <a:fillRef idx="1">
-            <a:schemeClr val="accent1"/>
-          </a:fillRef>
-          <a:effectRef idx="0">
-            <a:schemeClr val="accent1"/>
-          </a:effectRef>
-          <a:fontRef idx="minor">
-            <a:schemeClr val="lt1"/>
-          </a:fontRef>
-        </p:style>
-        <p:txBody>
-          <a:bodyPr rtlCol="0" anchor="ctr"/>
-          <a:lstStyle/>
-          <a:p>
-            <a:pPr algn="ctr"/>
-            <a:r>
-              <a:rPr lang="en-US" dirty="0" smtClean="0"/>
-              <a:t>Cleaning</a:t>
-            </a:r>
-            <a:endParaRPr lang="en-US" dirty="0"/>
-          </a:p>
-        </p:txBody>
-      </p:sp>
-      <p:sp>
-        <p:nvSpPr>
-          <p:cNvPr id="10" name="Rounded Rectangle 9"/>
-          <p:cNvSpPr/>
-          <p:nvPr/>
-        </p:nvSpPr>
-        <p:spPr>
-          <a:xfrm>
-            <a:off x="3714744" y="3643314"/>
-            <a:ext cx="1676400" cy="609600"/>
-          </a:xfrm>
-          <a:prstGeom prst="roundRect">
-            <a:avLst/>
-          </a:prstGeom>
-          <a:solidFill>
-            <a:srgbClr val="002060"/>
-          </a:solidFill>
-          <a:ln>
-            <a:solidFill>
-              <a:srgbClr val="002060"/>
-            </a:solidFill>
-          </a:ln>
-        </p:spPr>
-        <p:style>
-          <a:lnRef idx="2">
-            <a:schemeClr val="accent1">
-              <a:shade val="50000"/>
-            </a:schemeClr>
-          </a:lnRef>
-          <a:fillRef idx="1">
-            <a:schemeClr val="accent1"/>
-          </a:fillRef>
-          <a:effectRef idx="0">
-            <a:schemeClr val="accent1"/>
-          </a:effectRef>
-          <a:fontRef idx="minor">
-            <a:schemeClr val="lt1"/>
-          </a:fontRef>
-        </p:style>
-        <p:txBody>
-          <a:bodyPr rtlCol="0" anchor="ctr"/>
-          <a:lstStyle/>
-          <a:p>
-            <a:pPr algn="ctr"/>
-            <a:r>
-              <a:rPr lang="en-US" dirty="0" smtClean="0"/>
-              <a:t>Data</a:t>
-            </a:r>
-          </a:p>
-          <a:p>
-            <a:pPr algn="ctr"/>
-            <a:r>
-              <a:rPr lang="en-US" dirty="0" smtClean="0"/>
-              <a:t>Extraction</a:t>
-            </a:r>
-            <a:endParaRPr lang="en-US" dirty="0"/>
-          </a:p>
-        </p:txBody>
-      </p:sp>
-      <p:sp>
-        <p:nvSpPr>
-          <p:cNvPr id="11" name="Rounded Rectangle 10"/>
-          <p:cNvSpPr/>
-          <p:nvPr/>
-        </p:nvSpPr>
-        <p:spPr>
-          <a:xfrm>
-            <a:off x="2428860" y="4748226"/>
-            <a:ext cx="4000528" cy="609600"/>
-          </a:xfrm>
-          <a:prstGeom prst="roundRect">
-            <a:avLst/>
-          </a:prstGeom>
-          <a:solidFill>
-            <a:srgbClr val="002060"/>
-          </a:solidFill>
-          <a:ln>
-            <a:solidFill>
-              <a:srgbClr val="002060"/>
-            </a:solidFill>
-          </a:ln>
-        </p:spPr>
-        <p:style>
-          <a:lnRef idx="2">
-            <a:schemeClr val="accent1">
-              <a:shade val="50000"/>
-            </a:schemeClr>
-          </a:lnRef>
-          <a:fillRef idx="1">
-            <a:schemeClr val="accent1"/>
-          </a:fillRef>
-          <a:effectRef idx="0">
-            <a:schemeClr val="accent1"/>
-          </a:effectRef>
-          <a:fontRef idx="minor">
-            <a:schemeClr val="lt1"/>
-          </a:fontRef>
-        </p:style>
-        <p:txBody>
-          <a:bodyPr rtlCol="0" anchor="ctr"/>
-          <a:lstStyle/>
-          <a:p>
-            <a:pPr algn="ctr"/>
-            <a:r>
-              <a:rPr lang="en-US" dirty="0" smtClean="0"/>
-              <a:t>Principal Component Analysis</a:t>
-            </a:r>
-            <a:endParaRPr lang="en-US" dirty="0"/>
-          </a:p>
-        </p:txBody>
-      </p:sp>
-      <p:sp>
-        <p:nvSpPr>
-          <p:cNvPr id="14" name="Flowchart: Connector 13"/>
-          <p:cNvSpPr/>
-          <p:nvPr/>
-        </p:nvSpPr>
-        <p:spPr>
-          <a:xfrm>
-            <a:off x="4327115" y="5951588"/>
-            <a:ext cx="609600" cy="525411"/>
-          </a:xfrm>
-          <a:prstGeom prst="flowChartConnector">
-            <a:avLst/>
-          </a:prstGeom>
-          <a:solidFill>
-            <a:srgbClr val="002060"/>
-          </a:solidFill>
-          <a:ln>
-            <a:solidFill>
-              <a:srgbClr val="002060"/>
-            </a:solidFill>
-          </a:ln>
-        </p:spPr>
-        <p:style>
-          <a:lnRef idx="2">
-            <a:schemeClr val="accent1">
-              <a:shade val="50000"/>
-            </a:schemeClr>
-          </a:lnRef>
-          <a:fillRef idx="1">
-            <a:schemeClr val="accent1"/>
-          </a:fillRef>
-          <a:effectRef idx="0">
-            <a:schemeClr val="accent1"/>
-          </a:effectRef>
-          <a:fontRef idx="minor">
-            <a:schemeClr val="lt1"/>
-          </a:fontRef>
-        </p:style>
-        <p:txBody>
-          <a:bodyPr rtlCol="0" anchor="ctr"/>
-          <a:lstStyle/>
-          <a:p>
-            <a:pPr algn="ctr"/>
-            <a:endParaRPr lang="en-US"/>
-          </a:p>
-        </p:txBody>
-      </p:sp>
-      <p:cxnSp>
-        <p:nvCxnSpPr>
-          <p:cNvPr id="16" name="Straight Arrow Connector 15"/>
-          <p:cNvCxnSpPr/>
-          <p:nvPr/>
-        </p:nvCxnSpPr>
-        <p:spPr>
-          <a:xfrm rot="5400000">
-            <a:off x="4358480" y="4499776"/>
-            <a:ext cx="428628" cy="1588"/>
-          </a:xfrm>
-          <a:prstGeom prst="straightConnector1">
-            <a:avLst/>
-          </a:prstGeom>
-          <a:ln>
-            <a:solidFill>
-              <a:srgbClr val="002060"/>
-            </a:solidFill>
-            <a:tailEnd type="arrow"/>
-          </a:ln>
-        </p:spPr>
-        <p:style>
-          <a:lnRef idx="1">
-            <a:schemeClr val="accent1"/>
-          </a:lnRef>
-          <a:fillRef idx="0">
-            <a:schemeClr val="accent1"/>
-          </a:fillRef>
-          <a:effectRef idx="0">
-            <a:schemeClr val="accent1"/>
-          </a:effectRef>
-          <a:fontRef idx="minor">
-            <a:schemeClr val="tx1"/>
-          </a:fontRef>
-        </p:style>
-      </p:cxnSp>
-      <p:cxnSp>
-        <p:nvCxnSpPr>
-          <p:cNvPr id="17" name="Straight Arrow Connector 16"/>
-          <p:cNvCxnSpPr/>
-          <p:nvPr/>
-        </p:nvCxnSpPr>
-        <p:spPr>
-          <a:xfrm rot="5400000">
-            <a:off x="4322364" y="3392884"/>
-            <a:ext cx="357190" cy="794"/>
-          </a:xfrm>
-          <a:prstGeom prst="straightConnector1">
-            <a:avLst/>
-          </a:prstGeom>
-          <a:ln>
-            <a:solidFill>
-              <a:srgbClr val="002060"/>
-            </a:solidFill>
-            <a:tailEnd type="arrow"/>
-          </a:ln>
-        </p:spPr>
-        <p:style>
-          <a:lnRef idx="1">
-            <a:schemeClr val="accent1"/>
-          </a:lnRef>
-          <a:fillRef idx="0">
-            <a:schemeClr val="accent1"/>
-          </a:fillRef>
-          <a:effectRef idx="0">
-            <a:schemeClr val="accent1"/>
-          </a:effectRef>
-          <a:fontRef idx="minor">
-            <a:schemeClr val="tx1"/>
-          </a:fontRef>
-        </p:style>
-      </p:cxnSp>
-      <p:cxnSp>
-        <p:nvCxnSpPr>
-          <p:cNvPr id="24" name="Straight Arrow Connector 23"/>
-          <p:cNvCxnSpPr/>
-          <p:nvPr/>
-        </p:nvCxnSpPr>
-        <p:spPr>
-          <a:xfrm>
-            <a:off x="4500562" y="2000240"/>
-            <a:ext cx="0" cy="457200"/>
-          </a:xfrm>
-          <a:prstGeom prst="straightConnector1">
-            <a:avLst/>
-          </a:prstGeom>
-          <a:ln>
-            <a:solidFill>
-              <a:srgbClr val="002060"/>
-            </a:solidFill>
-            <a:tailEnd type="arrow"/>
-          </a:ln>
-        </p:spPr>
-        <p:style>
-          <a:lnRef idx="1">
-            <a:schemeClr val="accent1"/>
-          </a:lnRef>
-          <a:fillRef idx="0">
-            <a:schemeClr val="accent1"/>
-          </a:fillRef>
-          <a:effectRef idx="0">
-            <a:schemeClr val="accent1"/>
-          </a:effectRef>
-          <a:fontRef idx="minor">
-            <a:schemeClr val="tx1"/>
-          </a:fontRef>
-        </p:style>
-      </p:cxnSp>
-      <p:cxnSp>
-        <p:nvCxnSpPr>
-          <p:cNvPr id="33" name="Straight Arrow Connector 32"/>
-          <p:cNvCxnSpPr>
-            <a:endCxn id="14" idx="0"/>
-          </p:cNvCxnSpPr>
-          <p:nvPr/>
-        </p:nvCxnSpPr>
-        <p:spPr>
-          <a:xfrm rot="5400000">
-            <a:off x="4376516" y="5684666"/>
-            <a:ext cx="522322" cy="11523"/>
-          </a:xfrm>
-          <a:prstGeom prst="straightConnector1">
-            <a:avLst/>
-          </a:prstGeom>
-          <a:ln>
-            <a:solidFill>
-              <a:srgbClr val="002060"/>
-            </a:solidFill>
-            <a:tailEnd type="arrow"/>
-          </a:ln>
-        </p:spPr>
-        <p:style>
-          <a:lnRef idx="1">
-            <a:schemeClr val="accent1"/>
-          </a:lnRef>
-          <a:fillRef idx="0">
-            <a:schemeClr val="accent1"/>
-          </a:fillRef>
-          <a:effectRef idx="0">
-            <a:schemeClr val="accent1"/>
-          </a:effectRef>
-          <a:fontRef idx="minor">
-            <a:schemeClr val="tx1"/>
-          </a:fontRef>
-        </p:style>
-      </p:cxnSp>
-      <p:sp>
-        <p:nvSpPr>
-          <p:cNvPr id="38" name="TextBox 37"/>
-          <p:cNvSpPr txBox="1"/>
-          <p:nvPr/>
-        </p:nvSpPr>
-        <p:spPr>
-          <a:xfrm>
-            <a:off x="430325" y="262574"/>
-            <a:ext cx="3713047" cy="523220"/>
-          </a:xfrm>
-          <a:prstGeom prst="rect">
-            <a:avLst/>
-          </a:prstGeom>
-          <a:noFill/>
-        </p:spPr>
-        <p:txBody>
-          <a:bodyPr wrap="square" rtlCol="0">
-            <a:spAutoFit/>
-          </a:bodyPr>
-          <a:lstStyle/>
-          <a:p>
+            <a:pPr algn="just">
+              <a:lnSpc>
+                <a:spcPct val="150000"/>
+              </a:lnSpc>
+              <a:spcAft>
+                <a:spcPts val="1000"/>
+              </a:spcAft>
+              <a:buNone/>
+              <a:tabLst>
+                <a:tab pos="3677920" algn="l"/>
+              </a:tabLst>
+            </a:pPr>
+            <a:r>
+              <a:rPr lang="en-US" sz="2400" b="1" dirty="0" smtClean="0">
+                <a:solidFill>
+                  <a:schemeClr val="tx1">
+                    <a:lumMod val="95000"/>
+                    <a:lumOff val="5000"/>
+                  </a:schemeClr>
+                </a:solidFill>
+                <a:latin typeface="Times New Roman" pitchFamily="18" charset="0"/>
+                <a:ea typeface="Times New Roman"/>
+                <a:cs typeface="Times New Roman" pitchFamily="18" charset="0"/>
+              </a:rPr>
+              <a:t>	Modules :-</a:t>
+            </a:r>
+            <a:endParaRPr lang="en-GB" sz="2400" dirty="0" smtClean="0">
+              <a:solidFill>
+                <a:schemeClr val="tx1">
+                  <a:lumMod val="95000"/>
+                  <a:lumOff val="5000"/>
+                </a:schemeClr>
+              </a:solidFill>
+              <a:latin typeface="Times New Roman" pitchFamily="18" charset="0"/>
+              <a:ea typeface="Times New Roman"/>
+              <a:cs typeface="Times New Roman" pitchFamily="18" charset="0"/>
+            </a:endParaRPr>
+          </a:p>
+          <a:p>
+            <a:pPr marL="514350" indent="-514350" algn="just">
+              <a:lnSpc>
+                <a:spcPct val="150000"/>
+              </a:lnSpc>
+              <a:spcAft>
+                <a:spcPts val="1000"/>
+              </a:spcAft>
+              <a:buClr>
+                <a:schemeClr val="tx1">
+                  <a:lumMod val="95000"/>
+                  <a:lumOff val="5000"/>
+                </a:schemeClr>
+              </a:buClr>
+              <a:buFont typeface="Wingdings" pitchFamily="2" charset="2"/>
+              <a:buChar char="Ø"/>
+              <a:tabLst>
+                <a:tab pos="3677920" algn="l"/>
+              </a:tabLst>
+            </a:pPr>
             <a:r>
               <a:rPr lang="en-US" sz="2800" dirty="0" smtClean="0">
-                <a:latin typeface="Algerian" pitchFamily="82" charset="0"/>
-                <a:cs typeface="Arial" pitchFamily="34" charset="0"/>
+                <a:solidFill>
+                  <a:schemeClr val="tx1">
+                    <a:lumMod val="95000"/>
+                    <a:lumOff val="5000"/>
+                  </a:schemeClr>
+                </a:solidFill>
+                <a:latin typeface="Times New Roman" pitchFamily="18" charset="0"/>
+                <a:ea typeface="Times New Roman"/>
+                <a:cs typeface="Times New Roman" pitchFamily="18" charset="0"/>
               </a:rPr>
-              <a:t>Activity Diagram</a:t>
-            </a:r>
-            <a:endParaRPr lang="en-US" sz="2800" dirty="0">
-              <a:latin typeface="Algerian" pitchFamily="82" charset="0"/>
-              <a:cs typeface="Arial" pitchFamily="34" charset="0"/>
-            </a:endParaRPr>
+              <a:t>Cleaning Data</a:t>
+            </a:r>
+          </a:p>
+          <a:p>
+            <a:pPr marL="514350" indent="-514350" algn="just">
+              <a:lnSpc>
+                <a:spcPct val="150000"/>
+              </a:lnSpc>
+              <a:spcAft>
+                <a:spcPts val="1000"/>
+              </a:spcAft>
+              <a:buClr>
+                <a:schemeClr val="tx1">
+                  <a:lumMod val="95000"/>
+                  <a:lumOff val="5000"/>
+                </a:schemeClr>
+              </a:buClr>
+              <a:buFont typeface="Wingdings" pitchFamily="2" charset="2"/>
+              <a:buChar char="Ø"/>
+              <a:tabLst>
+                <a:tab pos="3677920" algn="l"/>
+              </a:tabLst>
+            </a:pPr>
+            <a:r>
+              <a:rPr lang="en-US" sz="2800" dirty="0" smtClean="0">
+                <a:solidFill>
+                  <a:schemeClr val="tx1">
+                    <a:lumMod val="95000"/>
+                    <a:lumOff val="5000"/>
+                  </a:schemeClr>
+                </a:solidFill>
+                <a:latin typeface="Times New Roman" pitchFamily="18" charset="0"/>
+                <a:ea typeface="Times New Roman"/>
+                <a:cs typeface="Times New Roman" pitchFamily="18" charset="0"/>
+              </a:rPr>
+              <a:t>Detecting Outliers</a:t>
+            </a:r>
           </a:p>
         </p:txBody>
       </p:sp>
     </p:spTree>
-    <p:extLst>
-      <p:ext uri="{BB962C8B-B14F-4D97-AF65-F5344CB8AC3E}">
-        <p14:creationId xmlns:p14="http://schemas.microsoft.com/office/powerpoint/2010/main" val="4291304253"/>
-      </p:ext>
-    </p:extLst>
   </p:cSld>
   <p:clrMapOvr>
     <a:masterClrMapping/>
   </p:clrMapOvr>
-  <p:transition spd="slow">
-    <p:fade/>
-  </p:transition>
-  <p:timing>
-    <p:tnLst>
-      <p:par>
-        <p:cTn id="1" dur="indefinite" restart="never" nodeType="tmRoot"/>
-      </p:par>
-    </p:tnLst>
-  </p:timing>
+  <mc:AlternateContent xmlns:mc="http://schemas.openxmlformats.org/markup-compatibility/2006">
+    <mc:Choice xmlns="" xmlns:p14="http://schemas.microsoft.com/office/powerpoint/2010/main" Requires="p14">
+      <p:transition spd="slow" p14:dur="1600">
+        <p14:gallery dir="l"/>
+      </p:transition>
+    </mc:Choice>
+    <mc:Fallback>
+      <p:transition spd="slow">
+        <p:fade/>
+      </p:transition>
+    </mc:Fallback>
+  </mc:AlternateContent>
 </p:sld>
 </file>
 
@@ -11197,604 +10088,223 @@
       </p:grpSpPr>
       <p:sp>
         <p:nvSpPr>
-          <p:cNvPr id="2" name="Flowchart: Connector 1"/>
-          <p:cNvSpPr/>
-          <p:nvPr/>
+          <p:cNvPr id="2" name="Title 1"/>
+          <p:cNvSpPr>
+            <a:spLocks noGrp="1"/>
+          </p:cNvSpPr>
+          <p:nvPr>
+            <p:ph type="title"/>
+          </p:nvPr>
         </p:nvSpPr>
         <p:spPr>
           <a:xfrm>
-            <a:off x="3643306" y="489744"/>
-            <a:ext cx="903493" cy="581802"/>
-          </a:xfrm>
-          <a:prstGeom prst="flowChartConnector">
-            <a:avLst/>
-          </a:prstGeom>
-          <a:solidFill>
-            <a:srgbClr val="002060"/>
-          </a:solidFill>
-          <a:ln>
-            <a:solidFill>
-              <a:srgbClr val="002060"/>
-            </a:solidFill>
-          </a:ln>
-        </p:spPr>
-        <p:style>
-          <a:lnRef idx="2">
-            <a:schemeClr val="accent1">
-              <a:shade val="50000"/>
-            </a:schemeClr>
-          </a:lnRef>
-          <a:fillRef idx="1">
-            <a:schemeClr val="accent1"/>
-          </a:fillRef>
-          <a:effectRef idx="0">
-            <a:schemeClr val="accent1"/>
-          </a:effectRef>
-          <a:fontRef idx="minor">
-            <a:schemeClr val="lt1"/>
-          </a:fontRef>
-        </p:style>
-        <p:txBody>
-          <a:bodyPr rtlCol="0" anchor="ctr"/>
+            <a:off x="642910" y="428604"/>
+            <a:ext cx="8229600" cy="1139825"/>
+          </a:xfrm>
+        </p:spPr>
+        <p:txBody>
+          <a:bodyPr/>
           <a:lstStyle/>
           <a:p>
-            <a:pPr algn="ctr"/>
-            <a:endParaRPr lang="en-US"/>
-          </a:p>
-        </p:txBody>
-      </p:sp>
-      <p:sp>
-        <p:nvSpPr>
-          <p:cNvPr id="3" name="Rounded Rectangle 2"/>
-          <p:cNvSpPr/>
-          <p:nvPr/>
+            <a:r>
+              <a:rPr lang="en-GB" sz="3200" dirty="0" smtClean="0">
+                <a:solidFill>
+                  <a:schemeClr val="tx1">
+                    <a:lumMod val="95000"/>
+                    <a:lumOff val="5000"/>
+                  </a:schemeClr>
+                </a:solidFill>
+                <a:latin typeface="Times New Roman" pitchFamily="18" charset="0"/>
+                <a:cs typeface="Times New Roman" pitchFamily="18" charset="0"/>
+              </a:rPr>
+              <a:t>Module-1 (Cleaning Data) </a:t>
+            </a:r>
+            <a:endParaRPr lang="en-GB" sz="3200" dirty="0">
+              <a:solidFill>
+                <a:schemeClr val="tx1">
+                  <a:lumMod val="95000"/>
+                  <a:lumOff val="5000"/>
+                </a:schemeClr>
+              </a:solidFill>
+              <a:latin typeface="Times New Roman" pitchFamily="18" charset="0"/>
+              <a:cs typeface="Times New Roman" pitchFamily="18" charset="0"/>
+            </a:endParaRPr>
+          </a:p>
+        </p:txBody>
+      </p:sp>
+      <p:sp>
+        <p:nvSpPr>
+          <p:cNvPr id="3" name="Content Placeholder 2"/>
+          <p:cNvSpPr>
+            <a:spLocks noGrp="1"/>
+          </p:cNvSpPr>
+          <p:nvPr>
+            <p:ph idx="1"/>
+          </p:nvPr>
         </p:nvSpPr>
         <p:spPr>
           <a:xfrm>
-            <a:off x="2971800" y="2747962"/>
-            <a:ext cx="2209800" cy="609600"/>
-          </a:xfrm>
-          <a:prstGeom prst="roundRect">
-            <a:avLst/>
-          </a:prstGeom>
-          <a:solidFill>
-            <a:srgbClr val="002060"/>
-          </a:solidFill>
-          <a:ln>
-            <a:solidFill>
-              <a:srgbClr val="002060"/>
-            </a:solidFill>
-          </a:ln>
-        </p:spPr>
-        <p:style>
-          <a:lnRef idx="2">
-            <a:schemeClr val="accent1">
-              <a:shade val="50000"/>
-            </a:schemeClr>
-          </a:lnRef>
-          <a:fillRef idx="1">
-            <a:schemeClr val="accent1"/>
-          </a:fillRef>
-          <a:effectRef idx="0">
-            <a:schemeClr val="accent1"/>
-          </a:effectRef>
-          <a:fontRef idx="minor">
-            <a:schemeClr val="lt1"/>
-          </a:fontRef>
-        </p:style>
-        <p:txBody>
-          <a:bodyPr rtlCol="0" anchor="ctr"/>
+            <a:off x="428596" y="1071546"/>
+            <a:ext cx="8229600" cy="5072098"/>
+          </a:xfrm>
+        </p:spPr>
+        <p:txBody>
+          <a:bodyPr/>
           <a:lstStyle/>
           <a:p>
-            <a:pPr algn="ctr"/>
-            <a:r>
-              <a:rPr lang="en-US" dirty="0" smtClean="0"/>
-              <a:t>Update  principal components</a:t>
-            </a:r>
-            <a:endParaRPr lang="en-US" dirty="0"/>
-          </a:p>
-        </p:txBody>
-      </p:sp>
-      <p:sp>
-        <p:nvSpPr>
-          <p:cNvPr id="4" name="Rounded Rectangle 3"/>
-          <p:cNvSpPr/>
-          <p:nvPr/>
-        </p:nvSpPr>
-        <p:spPr>
-          <a:xfrm>
-            <a:off x="3232355" y="4033846"/>
-            <a:ext cx="1676400" cy="609600"/>
-          </a:xfrm>
-          <a:prstGeom prst="roundRect">
-            <a:avLst/>
-          </a:prstGeom>
-          <a:solidFill>
-            <a:srgbClr val="002060"/>
-          </a:solidFill>
-          <a:ln>
-            <a:solidFill>
-              <a:srgbClr val="002060"/>
-            </a:solidFill>
-          </a:ln>
-        </p:spPr>
-        <p:style>
-          <a:lnRef idx="2">
-            <a:schemeClr val="accent1">
-              <a:shade val="50000"/>
-            </a:schemeClr>
-          </a:lnRef>
-          <a:fillRef idx="1">
-            <a:schemeClr val="accent1"/>
-          </a:fillRef>
-          <a:effectRef idx="0">
-            <a:schemeClr val="accent1"/>
-          </a:effectRef>
-          <a:fontRef idx="minor">
-            <a:schemeClr val="lt1"/>
-          </a:fontRef>
-        </p:style>
-        <p:txBody>
-          <a:bodyPr rtlCol="0" anchor="ctr"/>
-          <a:lstStyle/>
-          <a:p>
-            <a:pPr algn="ctr"/>
-            <a:r>
-              <a:rPr lang="en-US" dirty="0" smtClean="0"/>
-              <a:t>Anamoly Detection</a:t>
-            </a:r>
-            <a:endParaRPr lang="en-US" dirty="0"/>
-          </a:p>
-        </p:txBody>
-      </p:sp>
-      <p:sp>
-        <p:nvSpPr>
-          <p:cNvPr id="5" name="Minus 4"/>
-          <p:cNvSpPr/>
-          <p:nvPr/>
-        </p:nvSpPr>
-        <p:spPr>
-          <a:xfrm>
-            <a:off x="304799" y="4881578"/>
-            <a:ext cx="7772399" cy="762000"/>
-          </a:xfrm>
-          <a:prstGeom prst="mathMinus">
-            <a:avLst/>
-          </a:prstGeom>
-          <a:solidFill>
-            <a:srgbClr val="002060"/>
-          </a:solidFill>
-          <a:ln>
-            <a:solidFill>
-              <a:srgbClr val="002060"/>
-            </a:solidFill>
-          </a:ln>
-        </p:spPr>
-        <p:style>
-          <a:lnRef idx="2">
-            <a:schemeClr val="accent1">
-              <a:shade val="50000"/>
-            </a:schemeClr>
-          </a:lnRef>
-          <a:fillRef idx="1">
-            <a:schemeClr val="accent1"/>
-          </a:fillRef>
-          <a:effectRef idx="0">
-            <a:schemeClr val="accent1"/>
-          </a:effectRef>
-          <a:fontRef idx="minor">
-            <a:schemeClr val="lt1"/>
-          </a:fontRef>
-        </p:style>
-        <p:txBody>
-          <a:bodyPr rtlCol="0" anchor="ctr"/>
-          <a:lstStyle/>
-          <a:p>
-            <a:pPr algn="ctr"/>
-            <a:endParaRPr lang="en-US"/>
-          </a:p>
-        </p:txBody>
-      </p:sp>
-      <p:cxnSp>
-        <p:nvCxnSpPr>
-          <p:cNvPr id="9" name="Straight Arrow Connector 8"/>
-          <p:cNvCxnSpPr>
-            <a:endCxn id="2" idx="0"/>
-          </p:cNvCxnSpPr>
-          <p:nvPr/>
-        </p:nvCxnSpPr>
-        <p:spPr>
-          <a:xfrm rot="16200000" flipH="1">
-            <a:off x="3838622" y="233313"/>
-            <a:ext cx="489742" cy="23119"/>
-          </a:xfrm>
-          <a:prstGeom prst="straightConnector1">
-            <a:avLst/>
-          </a:prstGeom>
-          <a:ln>
-            <a:solidFill>
-              <a:srgbClr val="002060"/>
-            </a:solidFill>
-            <a:tailEnd type="arrow"/>
-          </a:ln>
-        </p:spPr>
-        <p:style>
-          <a:lnRef idx="1">
-            <a:schemeClr val="accent1"/>
-          </a:lnRef>
-          <a:fillRef idx="0">
-            <a:schemeClr val="accent1"/>
-          </a:fillRef>
-          <a:effectRef idx="0">
-            <a:schemeClr val="accent1"/>
-          </a:effectRef>
-          <a:fontRef idx="minor">
-            <a:schemeClr val="tx1"/>
-          </a:fontRef>
-        </p:style>
-      </p:cxnSp>
-      <p:cxnSp>
-        <p:nvCxnSpPr>
-          <p:cNvPr id="11" name="Straight Arrow Connector 10"/>
-          <p:cNvCxnSpPr/>
-          <p:nvPr/>
-        </p:nvCxnSpPr>
-        <p:spPr>
-          <a:xfrm>
-            <a:off x="4071934" y="2257420"/>
-            <a:ext cx="0" cy="457200"/>
-          </a:xfrm>
-          <a:prstGeom prst="straightConnector1">
-            <a:avLst/>
-          </a:prstGeom>
-          <a:ln>
-            <a:solidFill>
-              <a:srgbClr val="002060"/>
-            </a:solidFill>
-            <a:tailEnd type="arrow"/>
-          </a:ln>
-        </p:spPr>
-        <p:style>
-          <a:lnRef idx="1">
-            <a:schemeClr val="accent1"/>
-          </a:lnRef>
-          <a:fillRef idx="0">
-            <a:schemeClr val="accent1"/>
-          </a:fillRef>
-          <a:effectRef idx="0">
-            <a:schemeClr val="accent1"/>
-          </a:effectRef>
-          <a:fontRef idx="minor">
-            <a:schemeClr val="tx1"/>
-          </a:fontRef>
-        </p:style>
-      </p:cxnSp>
-      <p:cxnSp>
-        <p:nvCxnSpPr>
-          <p:cNvPr id="13" name="Straight Arrow Connector 12"/>
-          <p:cNvCxnSpPr/>
-          <p:nvPr/>
-        </p:nvCxnSpPr>
-        <p:spPr>
-          <a:xfrm>
-            <a:off x="4060259" y="3390904"/>
-            <a:ext cx="11675" cy="609600"/>
-          </a:xfrm>
-          <a:prstGeom prst="straightConnector1">
-            <a:avLst/>
-          </a:prstGeom>
-          <a:ln>
-            <a:solidFill>
-              <a:srgbClr val="002060"/>
-            </a:solidFill>
-            <a:tailEnd type="arrow"/>
-          </a:ln>
-        </p:spPr>
-        <p:style>
-          <a:lnRef idx="1">
-            <a:schemeClr val="accent1"/>
-          </a:lnRef>
-          <a:fillRef idx="0">
-            <a:schemeClr val="accent1"/>
-          </a:fillRef>
-          <a:effectRef idx="0">
-            <a:schemeClr val="accent1"/>
-          </a:effectRef>
-          <a:fontRef idx="minor">
-            <a:schemeClr val="tx1"/>
-          </a:fontRef>
-        </p:style>
-      </p:cxnSp>
-      <p:cxnSp>
-        <p:nvCxnSpPr>
-          <p:cNvPr id="14" name="Straight Arrow Connector 13"/>
-          <p:cNvCxnSpPr/>
-          <p:nvPr/>
-        </p:nvCxnSpPr>
-        <p:spPr>
-          <a:xfrm rot="16200000" flipH="1">
-            <a:off x="3821211" y="4892789"/>
-            <a:ext cx="500066" cy="1379"/>
-          </a:xfrm>
-          <a:prstGeom prst="straightConnector1">
-            <a:avLst/>
-          </a:prstGeom>
-          <a:ln>
-            <a:solidFill>
-              <a:srgbClr val="002060"/>
-            </a:solidFill>
-            <a:tailEnd type="arrow"/>
-          </a:ln>
-        </p:spPr>
-        <p:style>
-          <a:lnRef idx="1">
-            <a:schemeClr val="accent1"/>
-          </a:lnRef>
-          <a:fillRef idx="0">
-            <a:schemeClr val="accent1"/>
-          </a:fillRef>
-          <a:effectRef idx="0">
-            <a:schemeClr val="accent1"/>
-          </a:effectRef>
-          <a:fontRef idx="minor">
-            <a:schemeClr val="tx1"/>
-          </a:fontRef>
-        </p:style>
-      </p:cxnSp>
-      <p:cxnSp>
-        <p:nvCxnSpPr>
-          <p:cNvPr id="17" name="Straight Arrow Connector 16"/>
-          <p:cNvCxnSpPr/>
-          <p:nvPr/>
-        </p:nvCxnSpPr>
-        <p:spPr>
-          <a:xfrm rot="16200000" flipH="1">
-            <a:off x="3786181" y="5643577"/>
-            <a:ext cx="571506" cy="3"/>
-          </a:xfrm>
-          <a:prstGeom prst="straightConnector1">
-            <a:avLst/>
-          </a:prstGeom>
-          <a:ln>
-            <a:solidFill>
-              <a:srgbClr val="002060"/>
-            </a:solidFill>
-            <a:tailEnd type="arrow"/>
-          </a:ln>
-        </p:spPr>
-        <p:style>
-          <a:lnRef idx="1">
-            <a:schemeClr val="accent1"/>
-          </a:lnRef>
-          <a:fillRef idx="0">
-            <a:schemeClr val="accent1"/>
-          </a:fillRef>
-          <a:effectRef idx="0">
-            <a:schemeClr val="accent1"/>
-          </a:effectRef>
-          <a:fontRef idx="minor">
-            <a:schemeClr val="tx1"/>
-          </a:fontRef>
-        </p:style>
-      </p:cxnSp>
-      <p:sp>
-        <p:nvSpPr>
-          <p:cNvPr id="18" name="Flowchart: Connector 17"/>
-          <p:cNvSpPr/>
-          <p:nvPr/>
-        </p:nvSpPr>
-        <p:spPr>
-          <a:xfrm flipH="1">
-            <a:off x="3727654" y="6047453"/>
-            <a:ext cx="715297" cy="753397"/>
-          </a:xfrm>
-          <a:prstGeom prst="flowChartConnector">
-            <a:avLst/>
-          </a:prstGeom>
-          <a:solidFill>
-            <a:schemeClr val="accent3"/>
-          </a:solidFill>
-          <a:ln>
-            <a:solidFill>
-              <a:srgbClr val="002060"/>
-            </a:solidFill>
-          </a:ln>
-        </p:spPr>
-        <p:style>
-          <a:lnRef idx="2">
-            <a:schemeClr val="accent1">
-              <a:shade val="50000"/>
-            </a:schemeClr>
-          </a:lnRef>
-          <a:fillRef idx="1">
-            <a:schemeClr val="accent1"/>
-          </a:fillRef>
-          <a:effectRef idx="0">
-            <a:schemeClr val="accent1"/>
-          </a:effectRef>
-          <a:fontRef idx="minor">
-            <a:schemeClr val="lt1"/>
-          </a:fontRef>
-        </p:style>
-        <p:txBody>
-          <a:bodyPr rtlCol="0" anchor="ctr"/>
-          <a:lstStyle/>
-          <a:p>
-            <a:pPr algn="ctr"/>
-            <a:endParaRPr lang="en-US"/>
-          </a:p>
-        </p:txBody>
-      </p:sp>
-      <p:sp>
-        <p:nvSpPr>
-          <p:cNvPr id="19" name="Flowchart: Connector 18"/>
-          <p:cNvSpPr/>
-          <p:nvPr/>
-        </p:nvSpPr>
-        <p:spPr>
-          <a:xfrm>
-            <a:off x="3880055" y="6143931"/>
-            <a:ext cx="381000" cy="457200"/>
-          </a:xfrm>
-          <a:prstGeom prst="flowChartConnector">
-            <a:avLst/>
-          </a:prstGeom>
-          <a:solidFill>
-            <a:srgbClr val="002060"/>
-          </a:solidFill>
-          <a:ln>
-            <a:solidFill>
-              <a:srgbClr val="002060"/>
-            </a:solidFill>
-          </a:ln>
-        </p:spPr>
-        <p:style>
-          <a:lnRef idx="2">
-            <a:schemeClr val="accent1">
-              <a:shade val="50000"/>
-            </a:schemeClr>
-          </a:lnRef>
-          <a:fillRef idx="1">
-            <a:schemeClr val="accent1"/>
-          </a:fillRef>
-          <a:effectRef idx="0">
-            <a:schemeClr val="accent1"/>
-          </a:effectRef>
-          <a:fontRef idx="minor">
-            <a:schemeClr val="lt1"/>
-          </a:fontRef>
-        </p:style>
-        <p:txBody>
-          <a:bodyPr rtlCol="0" anchor="ctr"/>
-          <a:lstStyle/>
-          <a:p>
-            <a:pPr algn="ctr"/>
-            <a:endParaRPr lang="en-US"/>
-          </a:p>
-        </p:txBody>
-      </p:sp>
-      <p:sp>
-        <p:nvSpPr>
-          <p:cNvPr id="30" name="Rounded Rectangle 29"/>
-          <p:cNvSpPr/>
-          <p:nvPr/>
-        </p:nvSpPr>
-        <p:spPr>
-          <a:xfrm>
-            <a:off x="3324228" y="1676392"/>
-            <a:ext cx="1676400" cy="609600"/>
-          </a:xfrm>
-          <a:prstGeom prst="roundRect">
-            <a:avLst/>
-          </a:prstGeom>
-          <a:solidFill>
-            <a:srgbClr val="002060"/>
-          </a:solidFill>
-          <a:ln>
-            <a:solidFill>
-              <a:srgbClr val="002060"/>
-            </a:solidFill>
-          </a:ln>
-        </p:spPr>
-        <p:style>
-          <a:lnRef idx="2">
-            <a:schemeClr val="accent1">
-              <a:shade val="50000"/>
-            </a:schemeClr>
-          </a:lnRef>
-          <a:fillRef idx="1">
-            <a:schemeClr val="accent1"/>
-          </a:fillRef>
-          <a:effectRef idx="0">
-            <a:schemeClr val="accent1"/>
-          </a:effectRef>
-          <a:fontRef idx="minor">
-            <a:schemeClr val="lt1"/>
-          </a:fontRef>
-        </p:style>
-        <p:txBody>
-          <a:bodyPr rtlCol="0" anchor="ctr"/>
-          <a:lstStyle/>
-          <a:p>
-            <a:pPr algn="ctr"/>
-            <a:r>
-              <a:rPr lang="en-US" dirty="0" smtClean="0"/>
-              <a:t>Over Sampling</a:t>
-            </a:r>
-            <a:endParaRPr lang="en-US" dirty="0"/>
-          </a:p>
-        </p:txBody>
-      </p:sp>
-      <p:cxnSp>
-        <p:nvCxnSpPr>
-          <p:cNvPr id="38" name="Straight Arrow Connector 37"/>
-          <p:cNvCxnSpPr/>
-          <p:nvPr/>
-        </p:nvCxnSpPr>
-        <p:spPr>
-          <a:xfrm>
-            <a:off x="4071934" y="1114412"/>
-            <a:ext cx="0" cy="457200"/>
-          </a:xfrm>
-          <a:prstGeom prst="straightConnector1">
-            <a:avLst/>
-          </a:prstGeom>
-          <a:ln>
-            <a:solidFill>
-              <a:srgbClr val="002060"/>
-            </a:solidFill>
-            <a:tailEnd type="arrow"/>
-          </a:ln>
-        </p:spPr>
-        <p:style>
-          <a:lnRef idx="1">
-            <a:schemeClr val="accent1"/>
-          </a:lnRef>
-          <a:fillRef idx="0">
-            <a:schemeClr val="accent1"/>
-          </a:fillRef>
-          <a:effectRef idx="0">
-            <a:schemeClr val="accent1"/>
-          </a:effectRef>
-          <a:fontRef idx="minor">
-            <a:schemeClr val="tx1"/>
-          </a:fontRef>
-        </p:style>
-      </p:cxnSp>
+            <a:pPr algn="just">
+              <a:lnSpc>
+                <a:spcPct val="150000"/>
+              </a:lnSpc>
+              <a:buClr>
+                <a:schemeClr val="tx1"/>
+              </a:buClr>
+              <a:buSzPct val="70000"/>
+              <a:buNone/>
+            </a:pPr>
+            <a:endParaRPr lang="en-GB" sz="2000" dirty="0" smtClean="0">
+              <a:latin typeface="Times New Roman" pitchFamily="18" charset="0"/>
+              <a:cs typeface="Times New Roman" pitchFamily="18" charset="0"/>
+            </a:endParaRPr>
+          </a:p>
+          <a:p>
+            <a:pPr algn="just">
+              <a:lnSpc>
+                <a:spcPct val="150000"/>
+              </a:lnSpc>
+              <a:buClr>
+                <a:schemeClr val="tx1"/>
+              </a:buClr>
+              <a:buSzPct val="70000"/>
+              <a:buFont typeface="Wingdings" pitchFamily="2" charset="2"/>
+              <a:buChar char="Ø"/>
+            </a:pPr>
+            <a:r>
+              <a:rPr lang="en-US" sz="2000" dirty="0" smtClean="0">
+                <a:latin typeface="Times New Roman" pitchFamily="18" charset="0"/>
+                <a:cs typeface="Times New Roman" pitchFamily="18" charset="0"/>
+              </a:rPr>
+              <a:t>A</a:t>
+            </a:r>
+            <a:r>
+              <a:rPr lang="en-US" sz="2000" b="1" dirty="0" smtClean="0">
+                <a:latin typeface="Times New Roman" pitchFamily="18" charset="0"/>
+                <a:cs typeface="Times New Roman" pitchFamily="18" charset="0"/>
+              </a:rPr>
+              <a:t> </a:t>
+            </a:r>
+            <a:r>
+              <a:rPr lang="en-CA" sz="2000" dirty="0" smtClean="0">
+                <a:latin typeface="Times New Roman" pitchFamily="18" charset="0"/>
+                <a:cs typeface="Times New Roman" pitchFamily="18" charset="0"/>
+              </a:rPr>
+              <a:t>set of data instances in the original </a:t>
+            </a:r>
+            <a:r>
+              <a:rPr lang="en-CA" sz="2000" b="1" dirty="0" smtClean="0">
+                <a:latin typeface="Times New Roman" pitchFamily="18" charset="0"/>
+                <a:cs typeface="Times New Roman" pitchFamily="18" charset="0"/>
+              </a:rPr>
+              <a:t>data set is taken as input</a:t>
+            </a:r>
+            <a:r>
+              <a:rPr lang="en-CA" sz="2000" dirty="0" smtClean="0">
+                <a:latin typeface="Times New Roman" pitchFamily="18" charset="0"/>
+                <a:cs typeface="Times New Roman" pitchFamily="18" charset="0"/>
+              </a:rPr>
+              <a:t>. This data may be contaminated by noise or incorrect data  . </a:t>
+            </a:r>
+          </a:p>
+          <a:p>
+            <a:pPr algn="just">
+              <a:lnSpc>
+                <a:spcPct val="150000"/>
+              </a:lnSpc>
+              <a:buClr>
+                <a:schemeClr val="tx1"/>
+              </a:buClr>
+              <a:buSzPct val="70000"/>
+              <a:buFont typeface="Wingdings" pitchFamily="2" charset="2"/>
+              <a:buChar char="Ø"/>
+            </a:pPr>
+            <a:r>
+              <a:rPr lang="en-CA" sz="2000" dirty="0" smtClean="0">
+                <a:latin typeface="Times New Roman" pitchFamily="18" charset="0"/>
+                <a:cs typeface="Times New Roman" pitchFamily="18" charset="0"/>
+              </a:rPr>
+              <a:t>So the cleaning is done using Over-Sampling Principal Component Analysis (osPCA) method.</a:t>
+            </a:r>
+          </a:p>
+          <a:p>
+            <a:pPr algn="just">
+              <a:lnSpc>
+                <a:spcPct val="150000"/>
+              </a:lnSpc>
+              <a:buClr>
+                <a:schemeClr val="tx1"/>
+              </a:buClr>
+              <a:buSzPct val="70000"/>
+              <a:buFont typeface="Wingdings" pitchFamily="2" charset="2"/>
+              <a:buChar char="Ø"/>
+            </a:pPr>
+            <a:r>
+              <a:rPr lang="en-CA" sz="2000" dirty="0" smtClean="0">
+                <a:latin typeface="Times New Roman" pitchFamily="18" charset="0"/>
+                <a:cs typeface="Times New Roman" pitchFamily="18" charset="0"/>
+              </a:rPr>
+              <a:t>And then the score of outlierness is calculated and the </a:t>
+            </a:r>
+            <a:r>
+              <a:rPr lang="en-CA" sz="2000" b="1" dirty="0" smtClean="0">
+                <a:latin typeface="Times New Roman" pitchFamily="18" charset="0"/>
+                <a:cs typeface="Times New Roman" pitchFamily="18" charset="0"/>
+              </a:rPr>
+              <a:t>smallest </a:t>
+            </a:r>
+            <a:r>
+              <a:rPr lang="en-CA" sz="2000" b="1" baseline="-25000" dirty="0" smtClean="0">
+                <a:latin typeface="Times New Roman" pitchFamily="18" charset="0"/>
+                <a:cs typeface="Times New Roman" pitchFamily="18" charset="0"/>
+              </a:rPr>
+              <a:t> </a:t>
+            </a:r>
+            <a:r>
+              <a:rPr lang="en-CA" sz="2000" b="1" dirty="0" smtClean="0">
+                <a:latin typeface="Times New Roman" pitchFamily="18" charset="0"/>
+                <a:cs typeface="Times New Roman" pitchFamily="18" charset="0"/>
+              </a:rPr>
+              <a:t>value is taken as the threshold value. </a:t>
+            </a:r>
+            <a:endParaRPr lang="en-GB" sz="2000" b="1" dirty="0" smtClean="0">
+              <a:latin typeface="Times New Roman" pitchFamily="18" charset="0"/>
+              <a:cs typeface="Times New Roman" pitchFamily="18" charset="0"/>
+            </a:endParaRPr>
+          </a:p>
+        </p:txBody>
+      </p:sp>
     </p:spTree>
-    <p:extLst>
-      <p:ext uri="{BB962C8B-B14F-4D97-AF65-F5344CB8AC3E}">
-        <p14:creationId xmlns:p14="http://schemas.microsoft.com/office/powerpoint/2010/main" val="3230834870"/>
-      </p:ext>
-    </p:extLst>
   </p:cSld>
   <p:clrMapOvr>
     <a:masterClrMapping/>
   </p:clrMapOvr>
-  <p:transition spd="slow">
-    <p:fade/>
-  </p:transition>
-  <p:timing>
-    <p:tnLst>
-      <p:par>
-        <p:cTn id="1" dur="indefinite" restart="never" nodeType="tmRoot"/>
-      </p:par>
-    </p:tnLst>
-  </p:timing>
+  <mc:AlternateContent xmlns:mc="http://schemas.openxmlformats.org/markup-compatibility/2006">
+    <mc:Choice xmlns="" xmlns:p14="http://schemas.microsoft.com/office/powerpoint/2010/main" Requires="p14">
+      <p:transition spd="slow" p14:dur="1600">
+        <p14:gallery dir="l"/>
+      </p:transition>
+    </mc:Choice>
+    <mc:Fallback>
+      <p:transition spd="slow">
+        <p:fade/>
+      </p:transition>
+    </mc:Fallback>
+  </mc:AlternateContent>
 </p:sld>
 </file>
 
 <file path=ppt/slides/slide9.xml><?xml version="1.0" encoding="utf-8"?>
 <p:sld xmlns:a="http://schemas.openxmlformats.org/drawingml/2006/main" xmlns:r="http://schemas.openxmlformats.org/officeDocument/2006/relationships" xmlns:p="http://schemas.openxmlformats.org/presentationml/2006/main">
   <p:cSld>
-    <p:bg>
-      <p:bgPr>
-        <a:solidFill>
-          <a:schemeClr val="bg1"/>
-        </a:solidFill>
-        <a:effectLst/>
-      </p:bgPr>
-    </p:bg>
     <p:spTree>
       <p:nvGrpSpPr>
         <p:cNvPr id="1" name=""/>
@@ -11811,1130 +10321,209 @@
       </p:grpSpPr>
       <p:sp>
         <p:nvSpPr>
-          <p:cNvPr id="4" name="Rectangle 3"/>
-          <p:cNvSpPr/>
-          <p:nvPr/>
+          <p:cNvPr id="2" name="Title 1"/>
+          <p:cNvSpPr>
+            <a:spLocks noGrp="1"/>
+          </p:cNvSpPr>
+          <p:nvPr>
+            <p:ph type="title"/>
+          </p:nvPr>
+        </p:nvSpPr>
+        <p:spPr/>
+        <p:txBody>
+          <a:bodyPr/>
+          <a:lstStyle/>
+          <a:p>
+            <a:r>
+              <a:rPr lang="en-GB" sz="3200" dirty="0" smtClean="0">
+                <a:solidFill>
+                  <a:schemeClr val="tx1">
+                    <a:lumMod val="95000"/>
+                    <a:lumOff val="5000"/>
+                  </a:schemeClr>
+                </a:solidFill>
+                <a:latin typeface="Times New Roman" pitchFamily="18" charset="0"/>
+                <a:cs typeface="Times New Roman" pitchFamily="18" charset="0"/>
+              </a:rPr>
+              <a:t>Module-2 (Detecting Outlier)</a:t>
+            </a:r>
+            <a:endParaRPr lang="en-GB" sz="3200" dirty="0">
+              <a:solidFill>
+                <a:schemeClr val="tx1">
+                  <a:lumMod val="95000"/>
+                  <a:lumOff val="5000"/>
+                </a:schemeClr>
+              </a:solidFill>
+              <a:latin typeface="Times New Roman" pitchFamily="18" charset="0"/>
+              <a:cs typeface="Times New Roman" pitchFamily="18" charset="0"/>
+            </a:endParaRPr>
+          </a:p>
+        </p:txBody>
+      </p:sp>
+      <p:sp>
+        <p:nvSpPr>
+          <p:cNvPr id="3" name="Content Placeholder 2"/>
+          <p:cNvSpPr>
+            <a:spLocks noGrp="1"/>
+          </p:cNvSpPr>
+          <p:nvPr>
+            <p:ph idx="1"/>
+          </p:nvPr>
         </p:nvSpPr>
         <p:spPr>
           <a:xfrm>
-            <a:off x="1500166" y="1357298"/>
-            <a:ext cx="109987" cy="4408098"/>
-          </a:xfrm>
-          <a:prstGeom prst="rect">
-            <a:avLst/>
-          </a:prstGeom>
-          <a:solidFill>
-            <a:srgbClr val="002060"/>
-          </a:solidFill>
-          <a:ln>
-            <a:solidFill>
-              <a:srgbClr val="002060"/>
-            </a:solidFill>
-          </a:ln>
-        </p:spPr>
-        <p:style>
-          <a:lnRef idx="2">
-            <a:schemeClr val="accent1">
-              <a:shade val="50000"/>
-            </a:schemeClr>
-          </a:lnRef>
-          <a:fillRef idx="1">
-            <a:schemeClr val="accent1"/>
-          </a:fillRef>
-          <a:effectRef idx="0">
-            <a:schemeClr val="accent1"/>
-          </a:effectRef>
-          <a:fontRef idx="minor">
-            <a:schemeClr val="lt1"/>
-          </a:fontRef>
-        </p:style>
-        <p:txBody>
-          <a:bodyPr rtlCol="0" anchor="ctr"/>
+            <a:off x="357158" y="1214422"/>
+            <a:ext cx="8229600" cy="4530725"/>
+          </a:xfrm>
+        </p:spPr>
+        <p:txBody>
+          <a:bodyPr/>
           <a:lstStyle/>
           <a:p>
-            <a:pPr algn="ctr"/>
-            <a:endParaRPr lang="en-IN"/>
-          </a:p>
-        </p:txBody>
-      </p:sp>
-      <p:sp>
-        <p:nvSpPr>
-          <p:cNvPr id="6" name="Rectangle 5"/>
-          <p:cNvSpPr/>
-          <p:nvPr/>
-        </p:nvSpPr>
-        <p:spPr>
-          <a:xfrm>
-            <a:off x="7572396" y="1357298"/>
-            <a:ext cx="103517" cy="4270076"/>
-          </a:xfrm>
-          <a:prstGeom prst="rect">
-            <a:avLst/>
-          </a:prstGeom>
-          <a:solidFill>
-            <a:srgbClr val="002060"/>
-          </a:solidFill>
-          <a:ln>
-            <a:solidFill>
-              <a:srgbClr val="002060"/>
-            </a:solidFill>
-          </a:ln>
-        </p:spPr>
-        <p:style>
-          <a:lnRef idx="2">
-            <a:schemeClr val="accent1">
-              <a:shade val="50000"/>
-            </a:schemeClr>
-          </a:lnRef>
-          <a:fillRef idx="1">
-            <a:schemeClr val="accent1"/>
-          </a:fillRef>
-          <a:effectRef idx="0">
-            <a:schemeClr val="accent1"/>
-          </a:effectRef>
-          <a:fontRef idx="minor">
-            <a:schemeClr val="lt1"/>
-          </a:fontRef>
-        </p:style>
-        <p:txBody>
-          <a:bodyPr rtlCol="0" anchor="ctr"/>
-          <a:lstStyle/>
-          <a:p>
-            <a:pPr algn="ctr"/>
-            <a:endParaRPr lang="en-IN"/>
-          </a:p>
-        </p:txBody>
-      </p:sp>
-      <p:sp>
-        <p:nvSpPr>
-          <p:cNvPr id="11" name="Flowchart: Connector 10"/>
-          <p:cNvSpPr/>
-          <p:nvPr/>
-        </p:nvSpPr>
-        <p:spPr>
-          <a:xfrm>
-            <a:off x="7475349" y="214290"/>
-            <a:ext cx="97047" cy="155276"/>
-          </a:xfrm>
-          <a:prstGeom prst="flowChartConnector">
-            <a:avLst/>
-          </a:prstGeom>
-          <a:solidFill>
-            <a:srgbClr val="002060"/>
-          </a:solidFill>
-          <a:ln>
-            <a:solidFill>
-              <a:srgbClr val="002060"/>
-            </a:solidFill>
-          </a:ln>
-        </p:spPr>
-        <p:style>
-          <a:lnRef idx="2">
-            <a:schemeClr val="accent1">
-              <a:shade val="50000"/>
-            </a:schemeClr>
-          </a:lnRef>
-          <a:fillRef idx="1">
-            <a:schemeClr val="accent1"/>
-          </a:fillRef>
-          <a:effectRef idx="0">
-            <a:schemeClr val="accent1"/>
-          </a:effectRef>
-          <a:fontRef idx="minor">
-            <a:schemeClr val="lt1"/>
-          </a:fontRef>
-        </p:style>
-        <p:txBody>
-          <a:bodyPr rtlCol="0" anchor="ctr"/>
-          <a:lstStyle/>
-          <a:p>
-            <a:pPr algn="ctr"/>
-            <a:endParaRPr lang="en-IN"/>
-          </a:p>
-        </p:txBody>
-      </p:sp>
-      <p:cxnSp>
-        <p:nvCxnSpPr>
-          <p:cNvPr id="14" name="Straight Connector 13"/>
-          <p:cNvCxnSpPr/>
-          <p:nvPr/>
-        </p:nvCxnSpPr>
-        <p:spPr>
-          <a:xfrm rot="5400000">
-            <a:off x="7288262" y="569862"/>
-            <a:ext cx="428628" cy="3236"/>
-          </a:xfrm>
-          <a:prstGeom prst="line">
-            <a:avLst/>
-          </a:prstGeom>
-          <a:ln>
-            <a:solidFill>
-              <a:srgbClr val="002060"/>
-            </a:solidFill>
-          </a:ln>
-        </p:spPr>
-        <p:style>
-          <a:lnRef idx="1">
-            <a:schemeClr val="accent1"/>
-          </a:lnRef>
-          <a:fillRef idx="0">
-            <a:schemeClr val="accent1"/>
-          </a:fillRef>
-          <a:effectRef idx="0">
-            <a:schemeClr val="accent1"/>
-          </a:effectRef>
-          <a:fontRef idx="minor">
-            <a:schemeClr val="tx1"/>
-          </a:fontRef>
-        </p:style>
-      </p:cxnSp>
-      <p:cxnSp>
-        <p:nvCxnSpPr>
-          <p:cNvPr id="18" name="Straight Connector 17"/>
-          <p:cNvCxnSpPr/>
-          <p:nvPr/>
-        </p:nvCxnSpPr>
-        <p:spPr>
-          <a:xfrm flipH="1">
-            <a:off x="7390971" y="500042"/>
-            <a:ext cx="109987" cy="138022"/>
-          </a:xfrm>
-          <a:prstGeom prst="line">
-            <a:avLst/>
-          </a:prstGeom>
-          <a:ln>
-            <a:solidFill>
-              <a:srgbClr val="002060"/>
-            </a:solidFill>
-          </a:ln>
-        </p:spPr>
-        <p:style>
-          <a:lnRef idx="1">
-            <a:schemeClr val="accent1"/>
-          </a:lnRef>
-          <a:fillRef idx="0">
-            <a:schemeClr val="accent1"/>
-          </a:fillRef>
-          <a:effectRef idx="0">
-            <a:schemeClr val="accent1"/>
-          </a:effectRef>
-          <a:fontRef idx="minor">
-            <a:schemeClr val="tx1"/>
-          </a:fontRef>
-        </p:style>
-      </p:cxnSp>
-      <p:cxnSp>
-        <p:nvCxnSpPr>
-          <p:cNvPr id="20" name="Straight Connector 19"/>
-          <p:cNvCxnSpPr/>
-          <p:nvPr/>
-        </p:nvCxnSpPr>
-        <p:spPr>
-          <a:xfrm rot="16200000" flipH="1">
-            <a:off x="7481279" y="519722"/>
-            <a:ext cx="142876" cy="103517"/>
-          </a:xfrm>
-          <a:prstGeom prst="line">
-            <a:avLst/>
-          </a:prstGeom>
-          <a:ln>
-            <a:solidFill>
-              <a:srgbClr val="002060"/>
-            </a:solidFill>
-          </a:ln>
-        </p:spPr>
-        <p:style>
-          <a:lnRef idx="1">
-            <a:schemeClr val="accent1"/>
-          </a:lnRef>
-          <a:fillRef idx="0">
-            <a:schemeClr val="accent1"/>
-          </a:fillRef>
-          <a:effectRef idx="0">
-            <a:schemeClr val="accent1"/>
-          </a:effectRef>
-          <a:fontRef idx="minor">
-            <a:schemeClr val="tx1"/>
-          </a:fontRef>
-        </p:style>
-      </p:cxnSp>
-      <p:cxnSp>
-        <p:nvCxnSpPr>
-          <p:cNvPr id="26" name="Straight Connector 25"/>
-          <p:cNvCxnSpPr/>
-          <p:nvPr/>
-        </p:nvCxnSpPr>
-        <p:spPr>
-          <a:xfrm rot="10800000">
-            <a:off x="7358082" y="498454"/>
-            <a:ext cx="285752" cy="1588"/>
-          </a:xfrm>
-          <a:prstGeom prst="line">
-            <a:avLst/>
-          </a:prstGeom>
-          <a:ln>
-            <a:solidFill>
-              <a:srgbClr val="002060"/>
-            </a:solidFill>
-          </a:ln>
-        </p:spPr>
-        <p:style>
-          <a:lnRef idx="1">
-            <a:schemeClr val="accent1"/>
-          </a:lnRef>
-          <a:fillRef idx="0">
-            <a:schemeClr val="accent1"/>
-          </a:fillRef>
-          <a:effectRef idx="0">
-            <a:schemeClr val="accent1"/>
-          </a:effectRef>
-          <a:fontRef idx="minor">
-            <a:schemeClr val="tx1"/>
-          </a:fontRef>
-        </p:style>
-      </p:cxnSp>
-      <p:sp>
-        <p:nvSpPr>
-          <p:cNvPr id="38" name="Oval 37"/>
-          <p:cNvSpPr/>
-          <p:nvPr/>
-        </p:nvSpPr>
-        <p:spPr>
-          <a:xfrm>
-            <a:off x="1571604" y="214290"/>
-            <a:ext cx="109987" cy="129396"/>
-          </a:xfrm>
-          <a:prstGeom prst="ellipse">
-            <a:avLst/>
-          </a:prstGeom>
-          <a:solidFill>
-            <a:srgbClr val="002060"/>
-          </a:solidFill>
-        </p:spPr>
-        <p:style>
-          <a:lnRef idx="2">
-            <a:schemeClr val="accent1">
-              <a:shade val="50000"/>
-            </a:schemeClr>
-          </a:lnRef>
-          <a:fillRef idx="1">
-            <a:schemeClr val="accent1"/>
-          </a:fillRef>
-          <a:effectRef idx="0">
-            <a:schemeClr val="accent1"/>
-          </a:effectRef>
-          <a:fontRef idx="minor">
-            <a:schemeClr val="lt1"/>
-          </a:fontRef>
-        </p:style>
-        <p:txBody>
-          <a:bodyPr rtlCol="0" anchor="ctr"/>
-          <a:lstStyle/>
-          <a:p>
-            <a:pPr algn="ctr"/>
-            <a:endParaRPr lang="en-IN"/>
-          </a:p>
-        </p:txBody>
-      </p:sp>
-      <p:cxnSp>
-        <p:nvCxnSpPr>
-          <p:cNvPr id="50" name="Straight Arrow Connector 49"/>
-          <p:cNvCxnSpPr/>
-          <p:nvPr/>
-        </p:nvCxnSpPr>
-        <p:spPr>
-          <a:xfrm rot="10800000" flipV="1">
-            <a:off x="1610310" y="1690659"/>
-            <a:ext cx="5819210" cy="23828"/>
-          </a:xfrm>
-          <a:prstGeom prst="straightConnector1">
-            <a:avLst/>
-          </a:prstGeom>
-          <a:ln w="25400">
-            <a:solidFill>
-              <a:srgbClr val="002060"/>
-            </a:solidFill>
-            <a:prstDash val="sysDash"/>
-            <a:tailEnd type="triangle"/>
-          </a:ln>
-        </p:spPr>
-        <p:style>
-          <a:lnRef idx="1">
-            <a:schemeClr val="accent1"/>
-          </a:lnRef>
-          <a:fillRef idx="0">
-            <a:schemeClr val="accent1"/>
-          </a:fillRef>
-          <a:effectRef idx="0">
-            <a:schemeClr val="accent1"/>
-          </a:effectRef>
-          <a:fontRef idx="minor">
-            <a:schemeClr val="tx1"/>
-          </a:fontRef>
-        </p:style>
-      </p:cxnSp>
-      <p:cxnSp>
-        <p:nvCxnSpPr>
-          <p:cNvPr id="56" name="Straight Arrow Connector 55"/>
-          <p:cNvCxnSpPr/>
-          <p:nvPr/>
-        </p:nvCxnSpPr>
-        <p:spPr>
-          <a:xfrm rot="10800000" flipV="1">
-            <a:off x="1610310" y="2428868"/>
-            <a:ext cx="5890648" cy="9"/>
-          </a:xfrm>
-          <a:prstGeom prst="straightConnector1">
-            <a:avLst/>
-          </a:prstGeom>
-          <a:ln w="25400">
-            <a:solidFill>
-              <a:srgbClr val="002060"/>
-            </a:solidFill>
-            <a:prstDash val="sysDash"/>
-            <a:tailEnd type="triangle"/>
-          </a:ln>
-        </p:spPr>
-        <p:style>
-          <a:lnRef idx="1">
-            <a:schemeClr val="accent1"/>
-          </a:lnRef>
-          <a:fillRef idx="0">
-            <a:schemeClr val="accent1"/>
-          </a:fillRef>
-          <a:effectRef idx="0">
-            <a:schemeClr val="accent1"/>
-          </a:effectRef>
-          <a:fontRef idx="minor">
-            <a:schemeClr val="tx1"/>
-          </a:fontRef>
-        </p:style>
-      </p:cxnSp>
-      <p:cxnSp>
-        <p:nvCxnSpPr>
-          <p:cNvPr id="60" name="Straight Arrow Connector 59"/>
-          <p:cNvCxnSpPr/>
-          <p:nvPr/>
-        </p:nvCxnSpPr>
-        <p:spPr>
-          <a:xfrm>
-            <a:off x="1714480" y="3214686"/>
-            <a:ext cx="5786478" cy="1588"/>
-          </a:xfrm>
-          <a:prstGeom prst="straightConnector1">
-            <a:avLst/>
-          </a:prstGeom>
-          <a:ln w="25400">
-            <a:solidFill>
-              <a:srgbClr val="002060"/>
-            </a:solidFill>
-            <a:prstDash val="sysDash"/>
-            <a:tailEnd type="triangle"/>
-          </a:ln>
-        </p:spPr>
-        <p:style>
-          <a:lnRef idx="1">
-            <a:schemeClr val="accent1"/>
-          </a:lnRef>
-          <a:fillRef idx="0">
-            <a:schemeClr val="accent1"/>
-          </a:fillRef>
-          <a:effectRef idx="0">
-            <a:schemeClr val="accent1"/>
-          </a:effectRef>
-          <a:fontRef idx="minor">
-            <a:schemeClr val="tx1"/>
-          </a:fontRef>
-        </p:style>
-      </p:cxnSp>
-      <p:cxnSp>
-        <p:nvCxnSpPr>
-          <p:cNvPr id="62" name="Straight Arrow Connector 61"/>
-          <p:cNvCxnSpPr/>
-          <p:nvPr/>
-        </p:nvCxnSpPr>
-        <p:spPr>
-          <a:xfrm>
-            <a:off x="1643042" y="4057650"/>
-            <a:ext cx="5715040" cy="14292"/>
-          </a:xfrm>
-          <a:prstGeom prst="straightConnector1">
-            <a:avLst/>
-          </a:prstGeom>
-          <a:ln w="25400">
-            <a:solidFill>
-              <a:srgbClr val="002060"/>
-            </a:solidFill>
-            <a:tailEnd type="triangle"/>
-          </a:ln>
-        </p:spPr>
-        <p:style>
-          <a:lnRef idx="1">
-            <a:schemeClr val="accent1"/>
-          </a:lnRef>
-          <a:fillRef idx="0">
-            <a:schemeClr val="accent1"/>
-          </a:fillRef>
-          <a:effectRef idx="0">
-            <a:schemeClr val="accent1"/>
-          </a:effectRef>
-          <a:fontRef idx="minor">
-            <a:schemeClr val="tx1"/>
-          </a:fontRef>
-        </p:style>
-      </p:cxnSp>
-      <p:cxnSp>
-        <p:nvCxnSpPr>
-          <p:cNvPr id="64" name="Straight Arrow Connector 63"/>
-          <p:cNvCxnSpPr/>
-          <p:nvPr/>
-        </p:nvCxnSpPr>
-        <p:spPr>
-          <a:xfrm rot="10800000">
-            <a:off x="1643046" y="4700588"/>
-            <a:ext cx="5786475" cy="14296"/>
-          </a:xfrm>
-          <a:prstGeom prst="straightConnector1">
-            <a:avLst/>
-          </a:prstGeom>
-          <a:ln w="25400">
-            <a:solidFill>
-              <a:srgbClr val="002060"/>
-            </a:solidFill>
-            <a:prstDash val="sysDash"/>
-            <a:tailEnd type="triangle"/>
-          </a:ln>
-        </p:spPr>
-        <p:style>
-          <a:lnRef idx="1">
-            <a:schemeClr val="accent1"/>
-          </a:lnRef>
-          <a:fillRef idx="0">
-            <a:schemeClr val="accent1"/>
-          </a:fillRef>
-          <a:effectRef idx="0">
-            <a:schemeClr val="accent1"/>
-          </a:effectRef>
-          <a:fontRef idx="minor">
-            <a:schemeClr val="tx1"/>
-          </a:fontRef>
-        </p:style>
-      </p:cxnSp>
-      <p:cxnSp>
-        <p:nvCxnSpPr>
-          <p:cNvPr id="66" name="Straight Arrow Connector 65"/>
-          <p:cNvCxnSpPr/>
-          <p:nvPr/>
-        </p:nvCxnSpPr>
-        <p:spPr>
-          <a:xfrm flipV="1">
-            <a:off x="1714480" y="5472138"/>
-            <a:ext cx="5786478" cy="28564"/>
-          </a:xfrm>
-          <a:prstGeom prst="straightConnector1">
-            <a:avLst/>
-          </a:prstGeom>
-          <a:ln w="25400">
-            <a:solidFill>
-              <a:srgbClr val="002060"/>
-            </a:solidFill>
-            <a:tailEnd type="triangle"/>
-          </a:ln>
-        </p:spPr>
-        <p:style>
-          <a:lnRef idx="1">
-            <a:schemeClr val="accent1"/>
-          </a:lnRef>
-          <a:fillRef idx="0">
-            <a:schemeClr val="accent1"/>
-          </a:fillRef>
-          <a:effectRef idx="0">
-            <a:schemeClr val="accent1"/>
-          </a:effectRef>
-          <a:fontRef idx="minor">
-            <a:schemeClr val="tx1"/>
-          </a:fontRef>
-        </p:style>
-      </p:cxnSp>
-      <p:cxnSp>
-        <p:nvCxnSpPr>
-          <p:cNvPr id="68" name="Straight Connector 67"/>
-          <p:cNvCxnSpPr>
-            <a:stCxn id="6" idx="0"/>
-          </p:cNvCxnSpPr>
-          <p:nvPr/>
-        </p:nvCxnSpPr>
-        <p:spPr>
-          <a:xfrm flipH="1" flipV="1">
-            <a:off x="7624154" y="1189802"/>
-            <a:ext cx="1" cy="167496"/>
-          </a:xfrm>
-          <a:prstGeom prst="line">
-            <a:avLst/>
-          </a:prstGeom>
-          <a:ln w="25400">
-            <a:solidFill>
-              <a:srgbClr val="002060"/>
-            </a:solidFill>
-            <a:prstDash val="sysDash"/>
-          </a:ln>
-        </p:spPr>
-        <p:style>
-          <a:lnRef idx="1">
-            <a:schemeClr val="accent1"/>
-          </a:lnRef>
-          <a:fillRef idx="0">
-            <a:schemeClr val="accent1"/>
-          </a:fillRef>
-          <a:effectRef idx="0">
-            <a:schemeClr val="accent1"/>
-          </a:effectRef>
-          <a:fontRef idx="minor">
-            <a:schemeClr val="tx1"/>
-          </a:fontRef>
-        </p:style>
-      </p:cxnSp>
-      <p:cxnSp>
-        <p:nvCxnSpPr>
-          <p:cNvPr id="70" name="Straight Connector 69"/>
-          <p:cNvCxnSpPr>
-            <a:stCxn id="6" idx="2"/>
-          </p:cNvCxnSpPr>
-          <p:nvPr/>
-        </p:nvCxnSpPr>
-        <p:spPr>
-          <a:xfrm flipH="1">
-            <a:off x="7624154" y="5627374"/>
-            <a:ext cx="1" cy="534478"/>
-          </a:xfrm>
-          <a:prstGeom prst="line">
-            <a:avLst/>
-          </a:prstGeom>
-          <a:ln w="25400">
-            <a:solidFill>
-              <a:srgbClr val="002060"/>
-            </a:solidFill>
-            <a:prstDash val="sysDash"/>
-          </a:ln>
-        </p:spPr>
-        <p:style>
-          <a:lnRef idx="1">
-            <a:schemeClr val="accent1"/>
-          </a:lnRef>
-          <a:fillRef idx="0">
-            <a:schemeClr val="accent1"/>
-          </a:fillRef>
-          <a:effectRef idx="0">
-            <a:schemeClr val="accent1"/>
-          </a:effectRef>
-          <a:fontRef idx="minor">
-            <a:schemeClr val="tx1"/>
-          </a:fontRef>
-        </p:style>
-      </p:cxnSp>
-      <p:cxnSp>
-        <p:nvCxnSpPr>
-          <p:cNvPr id="72" name="Straight Connector 71"/>
-          <p:cNvCxnSpPr>
-            <a:stCxn id="4" idx="0"/>
-          </p:cNvCxnSpPr>
-          <p:nvPr/>
-        </p:nvCxnSpPr>
-        <p:spPr>
-          <a:xfrm flipH="1" flipV="1">
-            <a:off x="1555159" y="1173988"/>
-            <a:ext cx="1" cy="183311"/>
-          </a:xfrm>
-          <a:prstGeom prst="line">
-            <a:avLst/>
-          </a:prstGeom>
-          <a:ln w="25400">
-            <a:solidFill>
-              <a:srgbClr val="002060"/>
-            </a:solidFill>
-            <a:prstDash val="sysDash"/>
-          </a:ln>
-        </p:spPr>
-        <p:style>
-          <a:lnRef idx="1">
-            <a:schemeClr val="accent1"/>
-          </a:lnRef>
-          <a:fillRef idx="0">
-            <a:schemeClr val="accent1"/>
-          </a:fillRef>
-          <a:effectRef idx="0">
-            <a:schemeClr val="accent1"/>
-          </a:effectRef>
-          <a:fontRef idx="minor">
-            <a:schemeClr val="tx1"/>
-          </a:fontRef>
-        </p:style>
-      </p:cxnSp>
-      <p:cxnSp>
-        <p:nvCxnSpPr>
-          <p:cNvPr id="74" name="Straight Connector 73"/>
-          <p:cNvCxnSpPr>
-            <a:stCxn id="4" idx="2"/>
-          </p:cNvCxnSpPr>
-          <p:nvPr/>
-        </p:nvCxnSpPr>
-        <p:spPr>
-          <a:xfrm flipH="1">
-            <a:off x="1555159" y="5765396"/>
-            <a:ext cx="1" cy="675916"/>
-          </a:xfrm>
-          <a:prstGeom prst="line">
-            <a:avLst/>
-          </a:prstGeom>
-          <a:ln w="25400">
-            <a:solidFill>
-              <a:srgbClr val="002060"/>
-            </a:solidFill>
-            <a:prstDash val="sysDash"/>
-          </a:ln>
-        </p:spPr>
-        <p:style>
-          <a:lnRef idx="1">
-            <a:schemeClr val="accent1"/>
-          </a:lnRef>
-          <a:fillRef idx="0">
-            <a:schemeClr val="accent1"/>
-          </a:fillRef>
-          <a:effectRef idx="0">
-            <a:schemeClr val="accent1"/>
-          </a:effectRef>
-          <a:fontRef idx="minor">
-            <a:schemeClr val="tx1"/>
-          </a:fontRef>
-        </p:style>
-      </p:cxnSp>
-      <p:sp>
-        <p:nvSpPr>
-          <p:cNvPr id="76" name="TextBox 75"/>
-          <p:cNvSpPr txBox="1"/>
-          <p:nvPr/>
-        </p:nvSpPr>
-        <p:spPr>
-          <a:xfrm>
-            <a:off x="7072330" y="857232"/>
-            <a:ext cx="1014428" cy="369332"/>
-          </a:xfrm>
-          <a:prstGeom prst="rect">
-            <a:avLst/>
-          </a:prstGeom>
-          <a:noFill/>
-        </p:spPr>
-        <p:txBody>
-          <a:bodyPr wrap="square" rtlCol="0">
-            <a:spAutoFit/>
-          </a:bodyPr>
-          <a:lstStyle/>
-          <a:p>
-            <a:r>
-              <a:rPr lang="en-US" dirty="0" smtClean="0"/>
-              <a:t>USERS</a:t>
-            </a:r>
-            <a:endParaRPr lang="en-IN" dirty="0"/>
-          </a:p>
-        </p:txBody>
-      </p:sp>
-      <p:sp>
-        <p:nvSpPr>
-          <p:cNvPr id="77" name="TextBox 76"/>
-          <p:cNvSpPr txBox="1"/>
-          <p:nvPr/>
-        </p:nvSpPr>
-        <p:spPr>
-          <a:xfrm>
-            <a:off x="357158" y="785794"/>
-            <a:ext cx="2714644" cy="369332"/>
-          </a:xfrm>
-          <a:prstGeom prst="rect">
-            <a:avLst/>
-          </a:prstGeom>
-          <a:noFill/>
-        </p:spPr>
-        <p:txBody>
-          <a:bodyPr wrap="square" rtlCol="0">
-            <a:spAutoFit/>
-          </a:bodyPr>
-          <a:lstStyle/>
-          <a:p>
-            <a:r>
-              <a:rPr lang="en-US" dirty="0" smtClean="0"/>
-              <a:t>EVENT DETECTION</a:t>
-            </a:r>
-            <a:endParaRPr lang="en-IN" dirty="0"/>
-          </a:p>
-        </p:txBody>
-      </p:sp>
-      <p:sp>
-        <p:nvSpPr>
-          <p:cNvPr id="78" name="TextBox 77"/>
-          <p:cNvSpPr txBox="1"/>
-          <p:nvPr/>
-        </p:nvSpPr>
-        <p:spPr>
-          <a:xfrm>
-            <a:off x="3264694" y="1773784"/>
-            <a:ext cx="1249060" cy="369332"/>
-          </a:xfrm>
-          <a:prstGeom prst="rect">
-            <a:avLst/>
-          </a:prstGeom>
-          <a:noFill/>
-        </p:spPr>
-        <p:txBody>
-          <a:bodyPr wrap="none" rtlCol="0">
-            <a:spAutoFit/>
-          </a:bodyPr>
-          <a:lstStyle/>
-          <a:p>
-            <a:r>
-              <a:rPr lang="en-US" dirty="0" smtClean="0"/>
-              <a:t>Input Data</a:t>
-            </a:r>
-            <a:endParaRPr lang="en-IN" dirty="0"/>
-          </a:p>
-        </p:txBody>
-      </p:sp>
-      <p:sp>
-        <p:nvSpPr>
-          <p:cNvPr id="79" name="TextBox 78"/>
-          <p:cNvSpPr txBox="1"/>
-          <p:nvPr/>
-        </p:nvSpPr>
-        <p:spPr>
-          <a:xfrm>
-            <a:off x="3214678" y="2571744"/>
-            <a:ext cx="2178848" cy="369332"/>
-          </a:xfrm>
-          <a:prstGeom prst="rect">
-            <a:avLst/>
-          </a:prstGeom>
-          <a:noFill/>
-        </p:spPr>
-        <p:txBody>
-          <a:bodyPr wrap="square" rtlCol="0">
-            <a:spAutoFit/>
-          </a:bodyPr>
-          <a:lstStyle/>
-          <a:p>
-            <a:r>
-              <a:rPr lang="en-US" dirty="0" smtClean="0"/>
-              <a:t>Cleaning</a:t>
-            </a:r>
-            <a:endParaRPr lang="en-IN" dirty="0"/>
-          </a:p>
-        </p:txBody>
-      </p:sp>
-      <p:sp>
-        <p:nvSpPr>
-          <p:cNvPr id="80" name="TextBox 79"/>
-          <p:cNvSpPr txBox="1"/>
-          <p:nvPr/>
-        </p:nvSpPr>
-        <p:spPr>
-          <a:xfrm>
-            <a:off x="2928926" y="3286124"/>
-            <a:ext cx="2357454" cy="369332"/>
-          </a:xfrm>
-          <a:prstGeom prst="rect">
-            <a:avLst/>
-          </a:prstGeom>
-          <a:noFill/>
-        </p:spPr>
-        <p:txBody>
-          <a:bodyPr wrap="square" rtlCol="0">
-            <a:spAutoFit/>
-          </a:bodyPr>
-          <a:lstStyle/>
-          <a:p>
-            <a:r>
-              <a:rPr lang="en-US" dirty="0" smtClean="0"/>
-              <a:t>     Data Extraction</a:t>
-            </a:r>
-            <a:endParaRPr lang="en-IN" dirty="0"/>
-          </a:p>
-        </p:txBody>
-      </p:sp>
-      <p:sp>
-        <p:nvSpPr>
-          <p:cNvPr id="81" name="TextBox 80"/>
-          <p:cNvSpPr txBox="1"/>
-          <p:nvPr/>
-        </p:nvSpPr>
-        <p:spPr>
-          <a:xfrm>
-            <a:off x="2428860" y="4071942"/>
-            <a:ext cx="3714776" cy="369332"/>
-          </a:xfrm>
-          <a:prstGeom prst="rect">
-            <a:avLst/>
-          </a:prstGeom>
-          <a:noFill/>
-        </p:spPr>
-        <p:txBody>
-          <a:bodyPr wrap="square" rtlCol="0">
-            <a:spAutoFit/>
-          </a:bodyPr>
-          <a:lstStyle/>
-          <a:p>
-            <a:r>
-              <a:rPr lang="en-US" dirty="0" smtClean="0"/>
-              <a:t>     Principal Component Analysis</a:t>
-            </a:r>
-            <a:endParaRPr lang="en-IN" dirty="0"/>
-          </a:p>
-        </p:txBody>
-      </p:sp>
-      <p:sp>
-        <p:nvSpPr>
-          <p:cNvPr id="82" name="TextBox 81"/>
-          <p:cNvSpPr txBox="1"/>
-          <p:nvPr/>
-        </p:nvSpPr>
-        <p:spPr>
-          <a:xfrm>
-            <a:off x="3286116" y="4714884"/>
-            <a:ext cx="2357454" cy="369332"/>
-          </a:xfrm>
-          <a:prstGeom prst="rect">
-            <a:avLst/>
-          </a:prstGeom>
-          <a:noFill/>
-        </p:spPr>
-        <p:txBody>
-          <a:bodyPr wrap="square" rtlCol="0">
-            <a:spAutoFit/>
-          </a:bodyPr>
-          <a:lstStyle/>
-          <a:p>
-            <a:r>
-              <a:rPr lang="en-US" dirty="0" smtClean="0"/>
-              <a:t>Over Sampling</a:t>
-            </a:r>
-            <a:endParaRPr lang="en-IN" dirty="0"/>
-          </a:p>
-        </p:txBody>
-      </p:sp>
-      <p:sp>
-        <p:nvSpPr>
-          <p:cNvPr id="83" name="TextBox 82"/>
-          <p:cNvSpPr txBox="1"/>
-          <p:nvPr/>
-        </p:nvSpPr>
-        <p:spPr>
-          <a:xfrm>
-            <a:off x="2857488" y="5500702"/>
-            <a:ext cx="3571900" cy="369332"/>
-          </a:xfrm>
-          <a:prstGeom prst="rect">
-            <a:avLst/>
-          </a:prstGeom>
-          <a:noFill/>
-        </p:spPr>
-        <p:txBody>
-          <a:bodyPr wrap="square" rtlCol="0">
-            <a:spAutoFit/>
-          </a:bodyPr>
-          <a:lstStyle/>
-          <a:p>
-            <a:r>
-              <a:rPr lang="en-US" dirty="0" smtClean="0"/>
-              <a:t>Updating Principal Component</a:t>
-            </a:r>
-            <a:endParaRPr lang="en-IN" dirty="0"/>
-          </a:p>
-        </p:txBody>
-      </p:sp>
-      <p:cxnSp>
-        <p:nvCxnSpPr>
-          <p:cNvPr id="85" name="Straight Connector 84"/>
-          <p:cNvCxnSpPr/>
-          <p:nvPr/>
-        </p:nvCxnSpPr>
-        <p:spPr>
-          <a:xfrm rot="5400000">
-            <a:off x="1428728" y="500042"/>
-            <a:ext cx="428628" cy="1588"/>
-          </a:xfrm>
-          <a:prstGeom prst="line">
-            <a:avLst/>
-          </a:prstGeom>
-          <a:ln>
-            <a:solidFill>
-              <a:srgbClr val="002060"/>
-            </a:solidFill>
-          </a:ln>
-        </p:spPr>
-        <p:style>
-          <a:lnRef idx="1">
-            <a:schemeClr val="accent1"/>
-          </a:lnRef>
-          <a:fillRef idx="0">
-            <a:schemeClr val="accent1"/>
-          </a:fillRef>
-          <a:effectRef idx="0">
-            <a:schemeClr val="accent1"/>
-          </a:effectRef>
-          <a:fontRef idx="minor">
-            <a:schemeClr val="tx1"/>
-          </a:fontRef>
-        </p:style>
-      </p:cxnSp>
-      <p:cxnSp>
-        <p:nvCxnSpPr>
-          <p:cNvPr id="86" name="Straight Connector 85"/>
-          <p:cNvCxnSpPr/>
-          <p:nvPr/>
-        </p:nvCxnSpPr>
-        <p:spPr>
-          <a:xfrm flipH="1">
-            <a:off x="1502189" y="500042"/>
-            <a:ext cx="140853" cy="133710"/>
-          </a:xfrm>
-          <a:prstGeom prst="line">
-            <a:avLst/>
-          </a:prstGeom>
-          <a:ln>
-            <a:solidFill>
-              <a:srgbClr val="002060"/>
-            </a:solidFill>
-          </a:ln>
-        </p:spPr>
-        <p:style>
-          <a:lnRef idx="1">
-            <a:schemeClr val="accent1"/>
-          </a:lnRef>
-          <a:fillRef idx="0">
-            <a:schemeClr val="accent1"/>
-          </a:fillRef>
-          <a:effectRef idx="0">
-            <a:schemeClr val="accent1"/>
-          </a:effectRef>
-          <a:fontRef idx="minor">
-            <a:schemeClr val="tx1"/>
-          </a:fontRef>
-        </p:style>
-      </p:cxnSp>
-      <p:cxnSp>
-        <p:nvCxnSpPr>
-          <p:cNvPr id="87" name="Straight Connector 86"/>
-          <p:cNvCxnSpPr/>
-          <p:nvPr/>
-        </p:nvCxnSpPr>
-        <p:spPr>
-          <a:xfrm>
-            <a:off x="1643042" y="500042"/>
-            <a:ext cx="144897" cy="133710"/>
-          </a:xfrm>
-          <a:prstGeom prst="line">
-            <a:avLst/>
-          </a:prstGeom>
-          <a:ln>
-            <a:solidFill>
-              <a:srgbClr val="002060"/>
-            </a:solidFill>
-          </a:ln>
-        </p:spPr>
-        <p:style>
-          <a:lnRef idx="1">
-            <a:schemeClr val="accent1"/>
-          </a:lnRef>
-          <a:fillRef idx="0">
-            <a:schemeClr val="accent1"/>
-          </a:fillRef>
-          <a:effectRef idx="0">
-            <a:schemeClr val="accent1"/>
-          </a:effectRef>
-          <a:fontRef idx="minor">
-            <a:schemeClr val="tx1"/>
-          </a:fontRef>
-        </p:style>
-      </p:cxnSp>
-      <p:cxnSp>
-        <p:nvCxnSpPr>
-          <p:cNvPr id="88" name="Straight Connector 87"/>
-          <p:cNvCxnSpPr/>
-          <p:nvPr/>
-        </p:nvCxnSpPr>
-        <p:spPr>
-          <a:xfrm flipH="1">
-            <a:off x="1500168" y="500042"/>
-            <a:ext cx="285750" cy="0"/>
-          </a:xfrm>
-          <a:prstGeom prst="line">
-            <a:avLst/>
-          </a:prstGeom>
-          <a:ln>
-            <a:solidFill>
-              <a:srgbClr val="002060"/>
-            </a:solidFill>
-          </a:ln>
-        </p:spPr>
-        <p:style>
-          <a:lnRef idx="1">
-            <a:schemeClr val="accent1"/>
-          </a:lnRef>
-          <a:fillRef idx="0">
-            <a:schemeClr val="accent1"/>
-          </a:fillRef>
-          <a:effectRef idx="0">
-            <a:schemeClr val="accent1"/>
-          </a:effectRef>
-          <a:fontRef idx="minor">
-            <a:schemeClr val="tx1"/>
-          </a:fontRef>
-        </p:style>
-      </p:cxnSp>
-      <p:sp>
-        <p:nvSpPr>
-          <p:cNvPr id="92" name="TextBox 91"/>
-          <p:cNvSpPr txBox="1"/>
-          <p:nvPr/>
-        </p:nvSpPr>
-        <p:spPr>
-          <a:xfrm>
-            <a:off x="2786050" y="285728"/>
-            <a:ext cx="4000528" cy="523220"/>
-          </a:xfrm>
-          <a:prstGeom prst="rect">
-            <a:avLst/>
-          </a:prstGeom>
-          <a:noFill/>
-        </p:spPr>
-        <p:txBody>
-          <a:bodyPr wrap="square" rtlCol="0">
-            <a:spAutoFit/>
-          </a:bodyPr>
-          <a:lstStyle/>
-          <a:p>
-            <a:r>
-              <a:rPr lang="en-GB" sz="2800" dirty="0" smtClean="0">
-                <a:latin typeface="Algerian" pitchFamily="82" charset="0"/>
+            <a:pPr algn="just">
+              <a:lnSpc>
+                <a:spcPct val="150000"/>
+              </a:lnSpc>
+              <a:spcAft>
+                <a:spcPts val="1000"/>
+              </a:spcAft>
+              <a:buClrTx/>
+              <a:buFont typeface="Wingdings" pitchFamily="2" charset="2"/>
+              <a:buChar char="Ø"/>
+            </a:pPr>
+            <a:r>
+              <a:rPr lang="en-CA" sz="2000" dirty="0" smtClean="0">
+                <a:latin typeface="Times New Roman" pitchFamily="18" charset="0"/>
+                <a:ea typeface="Times New Roman"/>
+                <a:cs typeface="Times New Roman" pitchFamily="18" charset="0"/>
               </a:rPr>
-              <a:t>SEQUENCE DIAGRAM</a:t>
-            </a:r>
-            <a:endParaRPr lang="en-GB" sz="2800" dirty="0">
-              <a:latin typeface="Algerian" pitchFamily="82" charset="0"/>
+              <a:t>In this module we detect the outlierness of the user input. </a:t>
+            </a:r>
+          </a:p>
+          <a:p>
+            <a:pPr algn="just">
+              <a:lnSpc>
+                <a:spcPct val="150000"/>
+              </a:lnSpc>
+              <a:spcAft>
+                <a:spcPts val="1000"/>
+              </a:spcAft>
+              <a:buClrTx/>
+              <a:buFont typeface="Wingdings" pitchFamily="2" charset="2"/>
+              <a:buChar char="Ø"/>
+            </a:pPr>
+            <a:r>
+              <a:rPr lang="en-CA" sz="2000" dirty="0" smtClean="0">
+                <a:latin typeface="Times New Roman" pitchFamily="18" charset="0"/>
+                <a:ea typeface="Times New Roman"/>
+                <a:cs typeface="Times New Roman" pitchFamily="18" charset="0"/>
+              </a:rPr>
+              <a:t>When the user gives the input to the system, the system </a:t>
+            </a:r>
+            <a:r>
+              <a:rPr lang="en-CA" sz="2000" b="1" dirty="0" smtClean="0">
+                <a:latin typeface="Times New Roman" pitchFamily="18" charset="0"/>
+                <a:ea typeface="Times New Roman"/>
+                <a:cs typeface="Times New Roman" pitchFamily="18" charset="0"/>
+              </a:rPr>
+              <a:t>calculate the score value for the new input. </a:t>
+            </a:r>
+          </a:p>
+          <a:p>
+            <a:pPr algn="just">
+              <a:lnSpc>
+                <a:spcPct val="150000"/>
+              </a:lnSpc>
+              <a:spcAft>
+                <a:spcPts val="1000"/>
+              </a:spcAft>
+              <a:buClrTx/>
+              <a:buFont typeface="Wingdings" pitchFamily="2" charset="2"/>
+              <a:buChar char="Ø"/>
+            </a:pPr>
+            <a:r>
+              <a:rPr lang="en-CA" sz="2000" dirty="0" smtClean="0">
+                <a:latin typeface="Times New Roman" pitchFamily="18" charset="0"/>
+                <a:ea typeface="Times New Roman"/>
+                <a:cs typeface="Times New Roman" pitchFamily="18" charset="0"/>
+              </a:rPr>
+              <a:t>The new score value is </a:t>
+            </a:r>
+            <a:r>
+              <a:rPr lang="en-CA" sz="2000" b="1" dirty="0" smtClean="0">
+                <a:latin typeface="Times New Roman" pitchFamily="18" charset="0"/>
+                <a:ea typeface="Times New Roman"/>
+                <a:cs typeface="Times New Roman" pitchFamily="18" charset="0"/>
+              </a:rPr>
+              <a:t>compared</a:t>
+            </a:r>
+            <a:r>
+              <a:rPr lang="en-CA" sz="2000" dirty="0" smtClean="0">
+                <a:latin typeface="Times New Roman" pitchFamily="18" charset="0"/>
+                <a:ea typeface="Times New Roman"/>
+                <a:cs typeface="Times New Roman" pitchFamily="18" charset="0"/>
+              </a:rPr>
+              <a:t> with the threshold value which is calculated in previous module.</a:t>
+            </a:r>
+          </a:p>
+          <a:p>
+            <a:pPr algn="just">
+              <a:lnSpc>
+                <a:spcPct val="150000"/>
+              </a:lnSpc>
+              <a:spcAft>
+                <a:spcPts val="1000"/>
+              </a:spcAft>
+              <a:buClrTx/>
+              <a:buFont typeface="Wingdings" pitchFamily="2" charset="2"/>
+              <a:buChar char="Ø"/>
+            </a:pPr>
+            <a:r>
+              <a:rPr lang="en-CA" sz="2000" dirty="0" smtClean="0">
+                <a:latin typeface="Times New Roman" pitchFamily="18" charset="0"/>
+                <a:ea typeface="Times New Roman"/>
+                <a:cs typeface="Times New Roman" pitchFamily="18" charset="0"/>
+              </a:rPr>
+              <a:t>If the score value of the new data instance is above the threshold value, then that input data is identified as an outlier. Otherwise it is considered as a normal data instance, and the PCA value of that particular data instance is updated accordingly.</a:t>
+            </a:r>
+            <a:endParaRPr lang="en-GB" sz="2000" dirty="0" smtClean="0">
+              <a:latin typeface="Times New Roman" pitchFamily="18" charset="0"/>
+              <a:ea typeface="Times New Roman"/>
+              <a:cs typeface="Times New Roman" pitchFamily="18" charset="0"/>
             </a:endParaRPr>
           </a:p>
+          <a:p>
+            <a:pPr>
+              <a:buClr>
+                <a:schemeClr val="tx1"/>
+              </a:buClr>
+              <a:buFont typeface="Wingdings" pitchFamily="2" charset="2"/>
+              <a:buChar char="Ø"/>
+            </a:pPr>
+            <a:endParaRPr lang="en-GB" sz="2000" dirty="0">
+              <a:latin typeface="Times New Roman" pitchFamily="18" charset="0"/>
+              <a:cs typeface="Times New Roman" pitchFamily="18" charset="0"/>
+            </a:endParaRPr>
+          </a:p>
         </p:txBody>
       </p:sp>
     </p:spTree>
-    <p:extLst>
-      <p:ext uri="{BB962C8B-B14F-4D97-AF65-F5344CB8AC3E}">
-        <p14:creationId xmlns:p14="http://schemas.microsoft.com/office/powerpoint/2010/main" val="1658118128"/>
-      </p:ext>
-    </p:extLst>
   </p:cSld>
   <p:clrMapOvr>
     <a:masterClrMapping/>
   </p:clrMapOvr>
-  <p:transition spd="slow">
-    <p:fade/>
-  </p:transition>
+  <mc:AlternateContent xmlns:mc="http://schemas.openxmlformats.org/markup-compatibility/2006">
+    <mc:Choice xmlns="" xmlns:p14="http://schemas.microsoft.com/office/powerpoint/2010/main" Requires="p14">
+      <p:transition spd="slow" p14:dur="1600">
+        <p14:gallery dir="l"/>
+      </p:transition>
+    </mc:Choice>
+    <mc:Fallback>
+      <p:transition spd="slow">
+        <p:fade/>
+      </p:transition>
+    </mc:Fallback>
+  </mc:AlternateContent>
 </p:sld>
 </file>
 
